--- a/Javascript by Noe Hernandez.pptx
+++ b/Javascript by Noe Hernandez.pptx
@@ -5,11 +5,11 @@
     <p:sldMasterId id="2147483746" r:id="rId4"/>
   </p:sldMasterIdLst>
   <p:notesMasterIdLst>
-    <p:notesMasterId r:id="rId128"/>
+    <p:notesMasterId r:id="rId138"/>
   </p:notesMasterIdLst>
   <p:sldIdLst>
     <p:sldId id="257" r:id="rId5"/>
-    <p:sldId id="265" r:id="rId6"/>
+    <p:sldId id="498" r:id="rId6"/>
     <p:sldId id="322" r:id="rId7"/>
     <p:sldId id="442" r:id="rId8"/>
     <p:sldId id="443" r:id="rId9"/>
@@ -78,59 +78,69 @@
     <p:sldId id="497" r:id="rId72"/>
     <p:sldId id="378" r:id="rId73"/>
     <p:sldId id="392" r:id="rId74"/>
-    <p:sldId id="393" r:id="rId75"/>
-    <p:sldId id="394" r:id="rId76"/>
-    <p:sldId id="414" r:id="rId77"/>
-    <p:sldId id="395" r:id="rId78"/>
-    <p:sldId id="396" r:id="rId79"/>
-    <p:sldId id="397" r:id="rId80"/>
-    <p:sldId id="445" r:id="rId81"/>
-    <p:sldId id="398" r:id="rId82"/>
-    <p:sldId id="399" r:id="rId83"/>
-    <p:sldId id="400" r:id="rId84"/>
-    <p:sldId id="401" r:id="rId85"/>
-    <p:sldId id="402" r:id="rId86"/>
-    <p:sldId id="379" r:id="rId87"/>
-    <p:sldId id="403" r:id="rId88"/>
-    <p:sldId id="404" r:id="rId89"/>
-    <p:sldId id="405" r:id="rId90"/>
-    <p:sldId id="406" r:id="rId91"/>
-    <p:sldId id="411" r:id="rId92"/>
-    <p:sldId id="412" r:id="rId93"/>
-    <p:sldId id="407" r:id="rId94"/>
-    <p:sldId id="408" r:id="rId95"/>
-    <p:sldId id="409" r:id="rId96"/>
-    <p:sldId id="410" r:id="rId97"/>
-    <p:sldId id="415" r:id="rId98"/>
-    <p:sldId id="416" r:id="rId99"/>
-    <p:sldId id="380" r:id="rId100"/>
-    <p:sldId id="417" r:id="rId101"/>
-    <p:sldId id="418" r:id="rId102"/>
-    <p:sldId id="419" r:id="rId103"/>
-    <p:sldId id="420" r:id="rId104"/>
-    <p:sldId id="421" r:id="rId105"/>
-    <p:sldId id="422" r:id="rId106"/>
-    <p:sldId id="423" r:id="rId107"/>
-    <p:sldId id="424" r:id="rId108"/>
-    <p:sldId id="425" r:id="rId109"/>
-    <p:sldId id="426" r:id="rId110"/>
-    <p:sldId id="427" r:id="rId111"/>
-    <p:sldId id="428" r:id="rId112"/>
-    <p:sldId id="381" r:id="rId113"/>
-    <p:sldId id="429" r:id="rId114"/>
-    <p:sldId id="430" r:id="rId115"/>
-    <p:sldId id="431" r:id="rId116"/>
-    <p:sldId id="432" r:id="rId117"/>
-    <p:sldId id="433" r:id="rId118"/>
-    <p:sldId id="434" r:id="rId119"/>
-    <p:sldId id="435" r:id="rId120"/>
-    <p:sldId id="436" r:id="rId121"/>
-    <p:sldId id="437" r:id="rId122"/>
-    <p:sldId id="438" r:id="rId123"/>
-    <p:sldId id="439" r:id="rId124"/>
-    <p:sldId id="440" r:id="rId125"/>
-    <p:sldId id="441" r:id="rId126"/>
-    <p:sldId id="377" r:id="rId127"/>
+    <p:sldId id="499" r:id="rId75"/>
+    <p:sldId id="500" r:id="rId76"/>
+    <p:sldId id="393" r:id="rId77"/>
+    <p:sldId id="501" r:id="rId78"/>
+    <p:sldId id="502" r:id="rId79"/>
+    <p:sldId id="503" r:id="rId80"/>
+    <p:sldId id="504" r:id="rId81"/>
+    <p:sldId id="505" r:id="rId82"/>
+    <p:sldId id="506" r:id="rId83"/>
+    <p:sldId id="394" r:id="rId84"/>
+    <p:sldId id="507" r:id="rId85"/>
+    <p:sldId id="414" r:id="rId86"/>
+    <p:sldId id="395" r:id="rId87"/>
+    <p:sldId id="508" r:id="rId88"/>
+    <p:sldId id="396" r:id="rId89"/>
+    <p:sldId id="397" r:id="rId90"/>
+    <p:sldId id="445" r:id="rId91"/>
+    <p:sldId id="398" r:id="rId92"/>
+    <p:sldId id="399" r:id="rId93"/>
+    <p:sldId id="400" r:id="rId94"/>
+    <p:sldId id="401" r:id="rId95"/>
+    <p:sldId id="402" r:id="rId96"/>
+    <p:sldId id="379" r:id="rId97"/>
+    <p:sldId id="403" r:id="rId98"/>
+    <p:sldId id="404" r:id="rId99"/>
+    <p:sldId id="405" r:id="rId100"/>
+    <p:sldId id="406" r:id="rId101"/>
+    <p:sldId id="411" r:id="rId102"/>
+    <p:sldId id="412" r:id="rId103"/>
+    <p:sldId id="407" r:id="rId104"/>
+    <p:sldId id="408" r:id="rId105"/>
+    <p:sldId id="409" r:id="rId106"/>
+    <p:sldId id="410" r:id="rId107"/>
+    <p:sldId id="415" r:id="rId108"/>
+    <p:sldId id="416" r:id="rId109"/>
+    <p:sldId id="380" r:id="rId110"/>
+    <p:sldId id="417" r:id="rId111"/>
+    <p:sldId id="418" r:id="rId112"/>
+    <p:sldId id="419" r:id="rId113"/>
+    <p:sldId id="420" r:id="rId114"/>
+    <p:sldId id="421" r:id="rId115"/>
+    <p:sldId id="422" r:id="rId116"/>
+    <p:sldId id="423" r:id="rId117"/>
+    <p:sldId id="424" r:id="rId118"/>
+    <p:sldId id="425" r:id="rId119"/>
+    <p:sldId id="426" r:id="rId120"/>
+    <p:sldId id="427" r:id="rId121"/>
+    <p:sldId id="428" r:id="rId122"/>
+    <p:sldId id="381" r:id="rId123"/>
+    <p:sldId id="429" r:id="rId124"/>
+    <p:sldId id="430" r:id="rId125"/>
+    <p:sldId id="431" r:id="rId126"/>
+    <p:sldId id="432" r:id="rId127"/>
+    <p:sldId id="433" r:id="rId128"/>
+    <p:sldId id="434" r:id="rId129"/>
+    <p:sldId id="435" r:id="rId130"/>
+    <p:sldId id="436" r:id="rId131"/>
+    <p:sldId id="437" r:id="rId132"/>
+    <p:sldId id="438" r:id="rId133"/>
+    <p:sldId id="439" r:id="rId134"/>
+    <p:sldId id="440" r:id="rId135"/>
+    <p:sldId id="441" r:id="rId136"/>
+    <p:sldId id="377" r:id="rId137"/>
   </p:sldIdLst>
   <p:sldSz cx="12192000" cy="6858000"/>
   <p:notesSz cx="6858000" cy="9144000"/>
@@ -327,7 +337,7 @@
           <a:p>
             <a:fld id="{AA4ED405-26A2-420F-9F33-27A2B8032326}" type="datetimeFigureOut">
               <a:rPr lang="en-US" smtClean="0"/>
-              <a:t>12/6/2021</a:t>
+              <a:t>12/7/2021</a:t>
             </a:fld>
             <a:endParaRPr lang="en-US"/>
           </a:p>
@@ -1006,7 +1016,7 @@
           <a:p>
             <a:fld id="{9184DA70-C731-4C70-880D-CCD4705E623C}" type="datetime1">
               <a:rPr lang="en-US" smtClean="0"/>
-              <a:t>12/6/2021</a:t>
+              <a:t>12/7/2021</a:t>
             </a:fld>
             <a:endParaRPr lang="en-US" dirty="0"/>
           </a:p>
@@ -1194,7 +1204,7 @@
           <a:p>
             <a:fld id="{B612A279-0833-481D-8C56-F67FD0AC6C50}" type="datetime1">
               <a:rPr lang="en-US" smtClean="0"/>
-              <a:t>12/6/2021</a:t>
+              <a:t>12/7/2021</a:t>
             </a:fld>
             <a:endParaRPr lang="en-US" dirty="0"/>
           </a:p>
@@ -1436,7 +1446,7 @@
           <a:p>
             <a:fld id="{6587DA83-5663-4C9C-B9AA-0B40A3DAFF81}" type="datetime1">
               <a:rPr lang="en-US" smtClean="0"/>
-              <a:t>12/6/2021</a:t>
+              <a:t>12/7/2021</a:t>
             </a:fld>
             <a:endParaRPr lang="en-US" dirty="0"/>
           </a:p>
@@ -1624,7 +1634,7 @@
           <a:p>
             <a:fld id="{4BE1D723-8F53-4F53-90B0-1982A396982E}" type="datetime1">
               <a:rPr lang="en-US" smtClean="0"/>
-              <a:t>12/6/2021</a:t>
+              <a:t>12/7/2021</a:t>
             </a:fld>
             <a:endParaRPr lang="en-US" dirty="0"/>
           </a:p>
@@ -1997,7 +2007,7 @@
           <a:p>
             <a:fld id="{97669AF7-7BEB-44E4-9852-375E34362B5B}" type="datetime1">
               <a:rPr lang="en-US" smtClean="0"/>
-              <a:t>12/6/2021</a:t>
+              <a:t>12/7/2021</a:t>
             </a:fld>
             <a:endParaRPr lang="en-US" dirty="0"/>
           </a:p>
@@ -2252,7 +2262,7 @@
           <a:p>
             <a:fld id="{BAAAC38D-0552-4C82-B593-E6124DFADBE2}" type="datetime1">
               <a:rPr lang="en-US" smtClean="0"/>
-              <a:t>12/6/2021</a:t>
+              <a:t>12/7/2021</a:t>
             </a:fld>
             <a:endParaRPr lang="en-US" dirty="0"/>
           </a:p>
@@ -2649,7 +2659,7 @@
           <a:p>
             <a:fld id="{D9DF0F1C-5577-4ACB-BB62-DF8F3C494C7E}" type="datetime1">
               <a:rPr lang="en-US" smtClean="0"/>
-              <a:t>12/6/2021</a:t>
+              <a:t>12/7/2021</a:t>
             </a:fld>
             <a:endParaRPr lang="en-US" dirty="0"/>
           </a:p>
@@ -2785,7 +2795,7 @@
           <a:p>
             <a:fld id="{1775B394-D9F9-4F0C-B15D-605F45CB9E9F}" type="datetime1">
               <a:rPr lang="en-US" smtClean="0"/>
-              <a:t>12/6/2021</a:t>
+              <a:t>12/7/2021</a:t>
             </a:fld>
             <a:endParaRPr lang="en-US" dirty="0"/>
           </a:p>
@@ -2942,7 +2952,7 @@
           <a:p>
             <a:fld id="{39667345-2558-425A-8533-9BFDBCE15005}" type="datetime1">
               <a:rPr lang="en-US" smtClean="0"/>
-              <a:t>12/6/2021</a:t>
+              <a:t>12/7/2021</a:t>
             </a:fld>
             <a:endParaRPr lang="en-US" dirty="0"/>
           </a:p>
@@ -3271,7 +3281,7 @@
           <a:p>
             <a:fld id="{92BEA474-078D-4E9B-9B14-09A87B19DC46}" type="datetime1">
               <a:rPr lang="en-US" smtClean="0"/>
-              <a:t>12/6/2021</a:t>
+              <a:t>12/7/2021</a:t>
             </a:fld>
             <a:endParaRPr lang="en-US" dirty="0"/>
           </a:p>
@@ -3621,7 +3631,7 @@
           <a:p>
             <a:fld id="{4907D986-8816-4272-A432-0437A28A9828}" type="datetime1">
               <a:rPr lang="en-US" smtClean="0"/>
-              <a:t>12/6/2021</a:t>
+              <a:t>12/7/2021</a:t>
             </a:fld>
             <a:endParaRPr lang="en-US" dirty="0"/>
           </a:p>
@@ -3882,7 +3892,7 @@
           <a:p>
             <a:fld id="{62D6E202-B606-4609-B914-27C9371A1F6D}" type="datetime1">
               <a:rPr lang="en-US" smtClean="0"/>
-              <a:t>12/6/2021</a:t>
+              <a:t>12/7/2021</a:t>
             </a:fld>
             <a:endParaRPr lang="en-US" dirty="0"/>
           </a:p>
@@ -4019,7 +4029,7 @@
           <p:nvPr userDrawn="1">
             <p:extLst>
               <p:ext uri="{1162E1C5-73C7-4A58-AE30-91384D911F3F}">
-                <p184:classification xmlns:p184="http://schemas.microsoft.com/office/powerpoint/2018/4/main" xmlns="" val="watermark"/>
+                <p184:classification xmlns="" xmlns:p184="http://schemas.microsoft.com/office/powerpoint/2018/4/main" val="watermark"/>
               </p:ext>
             </p:extLst>
           </p:nvPr>
@@ -4468,7 +4478,7 @@
                 <a16:creationId xmlns:a16="http://schemas.microsoft.com/office/drawing/2014/main" id="{A9286AD2-18A9-4868-A4E3-7A2097A20810}"/>
               </a:ext>
               <a:ext uri="{C183D7F6-B498-43B3-948B-1728B52AA6E4}">
-                <adec:decorative xmlns:adec="http://schemas.microsoft.com/office/drawing/2017/decorative" xmlns="" val="1"/>
+                <adec:decorative xmlns="" xmlns:adec="http://schemas.microsoft.com/office/drawing/2017/decorative" val="1"/>
               </a:ext>
             </a:extLst>
           </p:cNvPr>
@@ -4538,8 +4548,8 @@
         </p:nvSpPr>
         <p:spPr>
           <a:xfrm>
-            <a:off x="5289753" y="4672739"/>
-            <a:ext cx="6269347" cy="1021498"/>
+            <a:off x="5289753" y="4672738"/>
+            <a:ext cx="6269347" cy="1701935"/>
           </a:xfrm>
         </p:spPr>
         <p:txBody>
@@ -4557,16 +4567,19 @@
                   </a:schemeClr>
                 </a:solidFill>
               </a:rPr>
-              <a:t>JOSE Noe Hernandez VIVANCO</a:t>
-            </a:r>
-            <a:endParaRPr lang="en-US" sz="2400" dirty="0">
-              <a:solidFill>
-                <a:schemeClr val="tx1">
-                  <a:lumMod val="85000"/>
-                  <a:lumOff val="15000"/>
-                </a:schemeClr>
-              </a:solidFill>
-            </a:endParaRPr>
+              <a:t>JOSE Noe Hernandez </a:t>
+            </a:r>
+            <a:r>
+              <a:rPr lang="en-US" dirty="0" smtClean="0">
+                <a:solidFill>
+                  <a:schemeClr val="tx1">
+                    <a:lumMod val="85000"/>
+                    <a:lumOff val="15000"/>
+                  </a:schemeClr>
+                </a:solidFill>
+              </a:rPr>
+              <a:t>VIVANCO</a:t>
+            </a:r>
           </a:p>
         </p:txBody>
       </p:sp>
@@ -4613,7 +4626,7 @@
                 <a16:creationId xmlns:a16="http://schemas.microsoft.com/office/drawing/2014/main" id="{E7A7CD63-7EC3-44F3-95D0-595C4019FF24}"/>
               </a:ext>
               <a:ext uri="{C183D7F6-B498-43B3-948B-1728B52AA6E4}">
-                <adec:decorative xmlns:adec="http://schemas.microsoft.com/office/drawing/2017/decorative" xmlns="" val="1"/>
+                <adec:decorative xmlns="" xmlns:adec="http://schemas.microsoft.com/office/drawing/2017/decorative" val="1"/>
               </a:ext>
             </a:extLst>
           </p:cNvPr>
@@ -4683,7 +4696,7 @@
           <a:p>
             <a:pPr algn="r"/>
             <a:r>
-              <a:rPr lang="en-IN" dirty="0" err="1"/>
+              <a:rPr lang="en-IN" dirty="0" err="1" smtClean="0"/>
               <a:t>Javascript</a:t>
             </a:r>
             <a:endParaRPr lang="en-IN" dirty="0"/>
@@ -5100,31 +5113,26 @@
           <a:p>
             <a:r>
               <a:rPr lang="en-US" sz="2400" dirty="0"/>
-              <a:t>Modulo 4: </a:t>
+              <a:t>Modulo 3: </a:t>
             </a:r>
             <a:br>
               <a:rPr lang="en-US" sz="2400" dirty="0"/>
             </a:br>
             <a:r>
               <a:rPr lang="en-US" sz="2400" dirty="0"/>
-              <a:t>4. La </a:t>
-            </a:r>
-            <a:r>
-              <a:rPr lang="en-US" sz="2400" dirty="0" err="1"/>
-              <a:t>función</a:t>
-            </a:r>
-            <a:r>
-              <a:rPr lang="en-US" sz="2400" dirty="0"/>
-              <a:t> Object Create </a:t>
-            </a:r>
-            <a:endParaRPr lang="es-ES" sz="2400" dirty="0"/>
+              <a:t>7. </a:t>
+            </a:r>
+            <a:r>
+              <a:rPr lang="es-ES" sz="2400" dirty="0"/>
+              <a:t>Otros Eventos con el mouse </a:t>
+            </a:r>
           </a:p>
         </p:txBody>
       </p:sp>
     </p:spTree>
     <p:extLst>
       <p:ext uri="{BB962C8B-B14F-4D97-AF65-F5344CB8AC3E}">
-        <p14:creationId xmlns:p14="http://schemas.microsoft.com/office/powerpoint/2010/main" val="1694327520"/>
+        <p14:creationId xmlns:p14="http://schemas.microsoft.com/office/powerpoint/2010/main" val="1853066299"/>
       </p:ext>
     </p:extLst>
   </p:cSld>
@@ -5181,14 +5189,22 @@
           <a:p>
             <a:r>
               <a:rPr lang="en-US" sz="2400" dirty="0"/>
-              <a:t>Modulo 4: </a:t>
+              <a:t>Modulo 3: </a:t>
             </a:r>
             <a:br>
               <a:rPr lang="en-US" sz="2400" dirty="0"/>
             </a:br>
             <a:r>
               <a:rPr lang="en-US" sz="2400" dirty="0"/>
-              <a:t>5. Ajax, Async y Promises</a:t>
+              <a:t>8. </a:t>
+            </a:r>
+            <a:r>
+              <a:rPr lang="en-US" sz="2400" dirty="0" err="1"/>
+              <a:t>Eventos</a:t>
+            </a:r>
+            <a:r>
+              <a:rPr lang="en-US" sz="2400" dirty="0"/>
+              <a:t> para los Inputs </a:t>
             </a:r>
             <a:endParaRPr lang="es-ES" sz="2400" dirty="0"/>
           </a:p>
@@ -5197,7 +5213,7 @@
     </p:spTree>
     <p:extLst>
       <p:ext uri="{BB962C8B-B14F-4D97-AF65-F5344CB8AC3E}">
-        <p14:creationId xmlns:p14="http://schemas.microsoft.com/office/powerpoint/2010/main" val="1538215544"/>
+        <p14:creationId xmlns:p14="http://schemas.microsoft.com/office/powerpoint/2010/main" val="4084172117"/>
       </p:ext>
     </p:extLst>
   </p:cSld>
@@ -5254,23 +5270,42 @@
           <a:p>
             <a:r>
               <a:rPr lang="en-US" sz="2400" dirty="0"/>
-              <a:t>Modulo 4: </a:t>
+              <a:t>Modulo 3: </a:t>
             </a:r>
             <a:br>
               <a:rPr lang="en-US" sz="2400" dirty="0"/>
             </a:br>
             <a:r>
               <a:rPr lang="en-US" sz="2400" dirty="0"/>
-              <a:t>6. AJAX y JSON</a:t>
-            </a:r>
-            <a:endParaRPr lang="es-ES" sz="2400" dirty="0"/>
+              <a:t>9. </a:t>
+            </a:r>
+            <a:r>
+              <a:rPr lang="es-ES" sz="2400" dirty="0"/>
+              <a:t>¿Qué es el </a:t>
+            </a:r>
+            <a:r>
+              <a:rPr lang="es-ES" sz="2400" dirty="0" err="1"/>
+              <a:t>Event</a:t>
+            </a:r>
+            <a:r>
+              <a:rPr lang="es-ES" sz="2400" dirty="0"/>
+              <a:t> </a:t>
+            </a:r>
+            <a:r>
+              <a:rPr lang="es-ES" sz="2400" dirty="0" err="1"/>
+              <a:t>Bubbling</a:t>
+            </a:r>
+            <a:r>
+              <a:rPr lang="es-ES" sz="2400" dirty="0"/>
+              <a:t>? </a:t>
+            </a:r>
           </a:p>
         </p:txBody>
       </p:sp>
     </p:spTree>
     <p:extLst>
       <p:ext uri="{BB962C8B-B14F-4D97-AF65-F5344CB8AC3E}">
-        <p14:creationId xmlns:p14="http://schemas.microsoft.com/office/powerpoint/2010/main" val="3315885393"/>
+        <p14:creationId xmlns:p14="http://schemas.microsoft.com/office/powerpoint/2010/main" val="3560321813"/>
       </p:ext>
     </p:extLst>
   </p:cSld>
@@ -5327,14 +5362,22 @@
           <a:p>
             <a:r>
               <a:rPr lang="en-US" sz="2400" dirty="0"/>
-              <a:t>Modulo 4: </a:t>
+              <a:t>Modulo 3: </a:t>
             </a:r>
             <a:br>
               <a:rPr lang="en-US" sz="2400" dirty="0"/>
             </a:br>
             <a:r>
               <a:rPr lang="en-US" sz="2400" dirty="0"/>
-              <a:t>7. API's, REST API's y Request</a:t>
+              <a:t>10. Delegation </a:t>
+            </a:r>
+            <a:r>
+              <a:rPr lang="en-US" sz="2400" dirty="0" err="1"/>
+              <a:t>en</a:t>
+            </a:r>
+            <a:r>
+              <a:rPr lang="en-US" sz="2400" dirty="0"/>
+              <a:t> JavaScript</a:t>
             </a:r>
             <a:endParaRPr lang="es-ES" sz="2400" dirty="0"/>
           </a:p>
@@ -5343,7 +5386,7 @@
     </p:spTree>
     <p:extLst>
       <p:ext uri="{BB962C8B-B14F-4D97-AF65-F5344CB8AC3E}">
-        <p14:creationId xmlns:p14="http://schemas.microsoft.com/office/powerpoint/2010/main" val="2571564533"/>
+        <p14:creationId xmlns:p14="http://schemas.microsoft.com/office/powerpoint/2010/main" val="2410712533"/>
       </p:ext>
     </p:extLst>
   </p:cSld>
@@ -5400,22 +5443,22 @@
           <a:p>
             <a:r>
               <a:rPr lang="en-US" sz="2400" dirty="0"/>
-              <a:t>Modulo 4: </a:t>
+              <a:t>Modulo 3: </a:t>
             </a:r>
             <a:br>
               <a:rPr lang="en-US" sz="2400" dirty="0"/>
             </a:br>
             <a:r>
               <a:rPr lang="en-US" sz="2400" dirty="0"/>
-              <a:t>8. </a:t>
-            </a:r>
-            <a:r>
-              <a:rPr lang="en-US" sz="2400" dirty="0" err="1"/>
-              <a:t>Consumiendo</a:t>
-            </a:r>
-            <a:r>
-              <a:rPr lang="en-US" sz="2400" dirty="0"/>
-              <a:t> una REST API con Ajax</a:t>
+              <a:t>11. </a:t>
+            </a:r>
+            <a:r>
+              <a:rPr lang="es-ES" sz="2400" dirty="0"/>
+              <a:t>Objetos, constructores, clases y </a:t>
+            </a:r>
+            <a:r>
+              <a:rPr lang="es-ES" sz="2400" dirty="0" err="1"/>
+              <a:t>this</a:t>
             </a:r>
             <a:endParaRPr lang="es-ES" sz="2400" dirty="0"/>
           </a:p>
@@ -5424,7 +5467,7 @@
     </p:spTree>
     <p:extLst>
       <p:ext uri="{BB962C8B-B14F-4D97-AF65-F5344CB8AC3E}">
-        <p14:creationId xmlns:p14="http://schemas.microsoft.com/office/powerpoint/2010/main" val="3040245417"/>
+        <p14:creationId xmlns:p14="http://schemas.microsoft.com/office/powerpoint/2010/main" val="2799839665"/>
       </p:ext>
     </p:extLst>
   </p:cSld>
@@ -5481,34 +5524,39 @@
           <a:p>
             <a:r>
               <a:rPr lang="en-US" sz="2400" dirty="0"/>
-              <a:t>Modulo 4: </a:t>
+              <a:t>Modulo 3: </a:t>
             </a:r>
             <a:br>
               <a:rPr lang="en-US" sz="2400" dirty="0"/>
             </a:br>
             <a:r>
               <a:rPr lang="en-US" sz="2400" dirty="0"/>
-              <a:t>9. </a:t>
-            </a:r>
-            <a:r>
-              <a:rPr lang="es-ES" sz="2400" dirty="0"/>
-              <a:t>Que es el Código </a:t>
-            </a:r>
-            <a:r>
-              <a:rPr lang="es-ES" sz="2400" dirty="0" err="1"/>
-              <a:t>Asincrono</a:t>
-            </a:r>
-            <a:r>
-              <a:rPr lang="es-ES" sz="2400" dirty="0"/>
-              <a:t> en JavaScript</a:t>
-            </a:r>
+              <a:t>12. </a:t>
+            </a:r>
+            <a:r>
+              <a:rPr lang="en-US" sz="2400" dirty="0" err="1"/>
+              <a:t>Creando</a:t>
+            </a:r>
+            <a:r>
+              <a:rPr lang="en-US" sz="2400" dirty="0"/>
+              <a:t> </a:t>
+            </a:r>
+            <a:r>
+              <a:rPr lang="en-US" sz="2400" dirty="0" err="1"/>
+              <a:t>Objetos</a:t>
+            </a:r>
+            <a:r>
+              <a:rPr lang="en-US" sz="2400" dirty="0"/>
+              <a:t> </a:t>
+            </a:r>
+            <a:endParaRPr lang="es-ES" sz="2400" dirty="0"/>
           </a:p>
         </p:txBody>
       </p:sp>
     </p:spTree>
     <p:extLst>
       <p:ext uri="{BB962C8B-B14F-4D97-AF65-F5344CB8AC3E}">
-        <p14:creationId xmlns:p14="http://schemas.microsoft.com/office/powerpoint/2010/main" val="1735716759"/>
+        <p14:creationId xmlns:p14="http://schemas.microsoft.com/office/powerpoint/2010/main" val="2833853260"/>
       </p:ext>
     </p:extLst>
   </p:cSld>
@@ -5558,29 +5606,269 @@
           </a:xfrm>
         </p:spPr>
         <p:txBody>
-          <a:bodyPr>
-            <a:normAutofit/>
+          <a:bodyPr/>
+          <a:lstStyle/>
+          <a:p>
+            <a:r>
+              <a:rPr lang="en-US" dirty="0" err="1"/>
+              <a:t>Contenido</a:t>
+            </a:r>
+            <a:endParaRPr lang="en-IN" dirty="0"/>
+          </a:p>
+        </p:txBody>
+      </p:sp>
+      <p:sp>
+        <p:nvSpPr>
+          <p:cNvPr id="3" name="TextBox 2">
+            <a:extLst>
+              <a:ext uri="{FF2B5EF4-FFF2-40B4-BE49-F238E27FC236}">
+                <a16:creationId xmlns:a16="http://schemas.microsoft.com/office/drawing/2014/main" id="{8B080ECA-F7ED-40E8-94EB-347125C8FFA6}"/>
+              </a:ext>
+            </a:extLst>
+          </p:cNvPr>
+          <p:cNvSpPr txBox="1"/>
+          <p:nvPr/>
+        </p:nvSpPr>
+        <p:spPr>
+          <a:xfrm>
+            <a:off x="1097280" y="1988192"/>
+            <a:ext cx="9086955" cy="3693319"/>
+          </a:xfrm>
+          <a:prstGeom prst="rect">
+            <a:avLst/>
+          </a:prstGeom>
+          <a:noFill/>
+        </p:spPr>
+        <p:txBody>
+          <a:bodyPr wrap="square" rtlCol="0">
+            <a:spAutoFit/>
           </a:bodyPr>
           <a:lstStyle/>
           <a:p>
             <a:r>
-              <a:rPr lang="en-US" sz="2400" dirty="0"/>
-              <a:t>Modulo 4: </a:t>
-            </a:r>
-            <a:br>
-              <a:rPr lang="en-US" sz="2400" dirty="0"/>
-            </a:br>
-            <a:r>
-              <a:rPr lang="en-US" sz="2400" dirty="0"/>
-              <a:t>10. </a:t>
-            </a:r>
-            <a:r>
-              <a:rPr lang="es-ES" sz="2400" dirty="0" err="1"/>
+              <a:rPr lang="es-ES" b="1" dirty="0"/>
+              <a:t>A) Modulo 4</a:t>
+            </a:r>
+          </a:p>
+          <a:p>
+            <a:pPr marL="800100" lvl="1" indent="-342900">
+              <a:buFont typeface="+mj-lt"/>
+              <a:buAutoNum type="arabicPeriod"/>
+            </a:pPr>
+            <a:r>
+              <a:rPr lang="en-IN" dirty="0" err="1"/>
+              <a:t>Otros</a:t>
+            </a:r>
+            <a:r>
+              <a:rPr lang="en-IN" dirty="0"/>
+              <a:t> </a:t>
+            </a:r>
+            <a:r>
+              <a:rPr lang="en-IN" dirty="0" err="1"/>
+              <a:t>Objetos</a:t>
+            </a:r>
+            <a:r>
+              <a:rPr lang="en-IN" dirty="0"/>
+              <a:t> y </a:t>
+            </a:r>
+            <a:r>
+              <a:rPr lang="en-IN" dirty="0" err="1"/>
+              <a:t>Constructores</a:t>
+            </a:r>
+            <a:r>
+              <a:rPr lang="en-IN" dirty="0"/>
+              <a:t>  </a:t>
+            </a:r>
+          </a:p>
+          <a:p>
+            <a:pPr marL="800100" lvl="1" indent="-342900">
+              <a:buFont typeface="+mj-lt"/>
+              <a:buAutoNum type="arabicPeriod"/>
+            </a:pPr>
+            <a:r>
+              <a:rPr lang="en-IN" dirty="0"/>
+              <a:t>Prototypes </a:t>
+            </a:r>
+            <a:r>
+              <a:rPr lang="en-IN" dirty="0" err="1"/>
+              <a:t>en</a:t>
+            </a:r>
+            <a:r>
+              <a:rPr lang="en-IN" dirty="0"/>
+              <a:t> JavaScript  </a:t>
+            </a:r>
+          </a:p>
+          <a:p>
+            <a:pPr marL="800100" lvl="1" indent="-342900">
+              <a:buFont typeface="+mj-lt"/>
+              <a:buAutoNum type="arabicPeriod"/>
+            </a:pPr>
+            <a:r>
+              <a:rPr lang="en-IN" dirty="0" err="1"/>
+              <a:t>Heredar</a:t>
+            </a:r>
+            <a:r>
+              <a:rPr lang="en-IN" dirty="0"/>
+              <a:t> Prototypes a </a:t>
+            </a:r>
+            <a:r>
+              <a:rPr lang="en-IN" dirty="0" err="1"/>
+              <a:t>otro</a:t>
+            </a:r>
+            <a:r>
+              <a:rPr lang="en-IN" dirty="0"/>
+              <a:t> </a:t>
+            </a:r>
+            <a:r>
+              <a:rPr lang="en-IN" dirty="0" err="1"/>
+              <a:t>Objeto</a:t>
+            </a:r>
+            <a:r>
+              <a:rPr lang="en-IN" dirty="0"/>
+              <a:t>  </a:t>
+            </a:r>
+          </a:p>
+          <a:p>
+            <a:pPr marL="800100" lvl="1" indent="-342900">
+              <a:buFont typeface="+mj-lt"/>
+              <a:buAutoNum type="arabicPeriod"/>
+            </a:pPr>
+            <a:r>
+              <a:rPr lang="en-IN" dirty="0"/>
+              <a:t>La </a:t>
+            </a:r>
+            <a:r>
+              <a:rPr lang="en-IN" dirty="0" err="1"/>
+              <a:t>función</a:t>
+            </a:r>
+            <a:r>
+              <a:rPr lang="en-IN" dirty="0"/>
+              <a:t> Object Create  </a:t>
+            </a:r>
+          </a:p>
+          <a:p>
+            <a:pPr marL="800100" lvl="1" indent="-342900">
+              <a:buFont typeface="+mj-lt"/>
+              <a:buAutoNum type="arabicPeriod"/>
+            </a:pPr>
+            <a:r>
+              <a:rPr lang="en-IN" dirty="0"/>
+              <a:t>Ajax, Async y Promises	 </a:t>
+            </a:r>
+          </a:p>
+          <a:p>
+            <a:pPr marL="800100" lvl="1" indent="-342900">
+              <a:buFont typeface="+mj-lt"/>
+              <a:buAutoNum type="arabicPeriod"/>
+            </a:pPr>
+            <a:r>
+              <a:rPr lang="en-IN" dirty="0"/>
+              <a:t>AJAX y JSON  </a:t>
+            </a:r>
+          </a:p>
+          <a:p>
+            <a:pPr marL="800100" lvl="1" indent="-342900">
+              <a:buFont typeface="+mj-lt"/>
+              <a:buAutoNum type="arabicPeriod"/>
+            </a:pPr>
+            <a:r>
+              <a:rPr lang="en-IN" dirty="0"/>
+              <a:t>API's, REST API's y Request  </a:t>
+            </a:r>
+          </a:p>
+          <a:p>
+            <a:pPr marL="800100" lvl="1" indent="-342900">
+              <a:buFont typeface="+mj-lt"/>
+              <a:buAutoNum type="arabicPeriod"/>
+            </a:pPr>
+            <a:r>
+              <a:rPr lang="en-IN" dirty="0" err="1"/>
+              <a:t>Consumiendo</a:t>
+            </a:r>
+            <a:r>
+              <a:rPr lang="en-IN" dirty="0"/>
+              <a:t> una REST API con Ajax  </a:t>
+            </a:r>
+          </a:p>
+          <a:p>
+            <a:pPr marL="800100" lvl="1" indent="-342900">
+              <a:buFont typeface="+mj-lt"/>
+              <a:buAutoNum type="arabicPeriod"/>
+            </a:pPr>
+            <a:r>
+              <a:rPr lang="en-IN" dirty="0"/>
+              <a:t>Que es el Código </a:t>
+            </a:r>
+            <a:r>
+              <a:rPr lang="en-IN" dirty="0" err="1"/>
+              <a:t>Asincrono</a:t>
+            </a:r>
+            <a:r>
+              <a:rPr lang="en-IN" dirty="0"/>
+              <a:t> </a:t>
+            </a:r>
+            <a:r>
+              <a:rPr lang="en-IN" dirty="0" err="1"/>
+              <a:t>en</a:t>
+            </a:r>
+            <a:r>
+              <a:rPr lang="en-IN" dirty="0"/>
+              <a:t> JavaScript  </a:t>
+            </a:r>
+          </a:p>
+          <a:p>
+            <a:pPr marL="800100" lvl="1" indent="-342900">
+              <a:buFont typeface="+mj-lt"/>
+              <a:buAutoNum type="arabicPeriod"/>
+            </a:pPr>
+            <a:r>
+              <a:rPr lang="en-IN" dirty="0" err="1"/>
               <a:t>Callbacks</a:t>
             </a:r>
             <a:r>
-              <a:rPr lang="es-ES" sz="2400" dirty="0"/>
-              <a:t>, que son y como funcionan</a:t>
+              <a:rPr lang="en-IN" dirty="0"/>
+              <a:t>, que son y </a:t>
+            </a:r>
+            <a:r>
+              <a:rPr lang="en-IN" dirty="0" err="1"/>
+              <a:t>como</a:t>
+            </a:r>
+            <a:r>
+              <a:rPr lang="en-IN" dirty="0"/>
+              <a:t> </a:t>
+            </a:r>
+            <a:r>
+              <a:rPr lang="en-IN" dirty="0" err="1"/>
+              <a:t>funcionan</a:t>
+            </a:r>
+            <a:endParaRPr lang="en-IN" dirty="0"/>
+          </a:p>
+          <a:p>
+            <a:pPr marL="800100" lvl="1" indent="-342900">
+              <a:buFont typeface="+mj-lt"/>
+              <a:buAutoNum type="arabicPeriod"/>
+            </a:pPr>
+            <a:r>
+              <a:rPr lang="en-IN" dirty="0"/>
+              <a:t>Promises </a:t>
+            </a:r>
+            <a:r>
+              <a:rPr lang="en-IN" dirty="0" err="1"/>
+              <a:t>en</a:t>
+            </a:r>
+            <a:r>
+              <a:rPr lang="en-IN" dirty="0"/>
+              <a:t> JavaScript  </a:t>
+            </a:r>
+          </a:p>
+          <a:p>
+            <a:pPr marL="800100" lvl="1" indent="-342900">
+              <a:buFont typeface="+mj-lt"/>
+              <a:buAutoNum type="arabicPeriod"/>
+            </a:pPr>
+            <a:r>
+              <a:rPr lang="en-IN" dirty="0"/>
+              <a:t>Que es Async Await </a:t>
             </a:r>
           </a:p>
         </p:txBody>
@@ -5588,7 +5876,7 @@
     </p:spTree>
     <p:extLst>
       <p:ext uri="{BB962C8B-B14F-4D97-AF65-F5344CB8AC3E}">
-        <p14:creationId xmlns:p14="http://schemas.microsoft.com/office/powerpoint/2010/main" val="934440205"/>
+        <p14:creationId xmlns:p14="http://schemas.microsoft.com/office/powerpoint/2010/main" val="2187861466"/>
       </p:ext>
     </p:extLst>
   </p:cSld>
@@ -5652,15 +5940,31 @@
             </a:br>
             <a:r>
               <a:rPr lang="en-US" sz="2400" dirty="0"/>
-              <a:t>11. Promises </a:t>
+              <a:t>1. </a:t>
             </a:r>
             <a:r>
               <a:rPr lang="en-US" sz="2400" dirty="0" err="1"/>
-              <a:t>en</a:t>
-            </a:r>
-            <a:r>
-              <a:rPr lang="en-US" sz="2400" dirty="0"/>
-              <a:t> JavaScript</a:t>
+              <a:t>Otros</a:t>
+            </a:r>
+            <a:r>
+              <a:rPr lang="en-US" sz="2400" dirty="0"/>
+              <a:t> </a:t>
+            </a:r>
+            <a:r>
+              <a:rPr lang="en-US" sz="2400" dirty="0" err="1"/>
+              <a:t>Objetos</a:t>
+            </a:r>
+            <a:r>
+              <a:rPr lang="en-US" sz="2400" dirty="0"/>
+              <a:t> y </a:t>
+            </a:r>
+            <a:r>
+              <a:rPr lang="en-US" sz="2400" dirty="0" err="1"/>
+              <a:t>Constructores</a:t>
+            </a:r>
+            <a:r>
+              <a:rPr lang="en-US" sz="2400" dirty="0"/>
+              <a:t> </a:t>
             </a:r>
             <a:endParaRPr lang="es-ES" sz="2400" dirty="0"/>
           </a:p>
@@ -5669,7 +5973,7 @@
     </p:spTree>
     <p:extLst>
       <p:ext uri="{BB962C8B-B14F-4D97-AF65-F5344CB8AC3E}">
-        <p14:creationId xmlns:p14="http://schemas.microsoft.com/office/powerpoint/2010/main" val="2941634625"/>
+        <p14:creationId xmlns:p14="http://schemas.microsoft.com/office/powerpoint/2010/main" val="2710576335"/>
       </p:ext>
     </p:extLst>
   </p:cSld>
@@ -5733,7 +6037,15 @@
             </a:br>
             <a:r>
               <a:rPr lang="en-US" sz="2400" dirty="0"/>
-              <a:t>12. Que es Async Await</a:t>
+              <a:t>2. Prototypes </a:t>
+            </a:r>
+            <a:r>
+              <a:rPr lang="en-US" sz="2400" dirty="0" err="1"/>
+              <a:t>en</a:t>
+            </a:r>
+            <a:r>
+              <a:rPr lang="en-US" sz="2400" dirty="0"/>
+              <a:t> JavaScript </a:t>
             </a:r>
             <a:endParaRPr lang="es-ES" sz="2400" dirty="0"/>
           </a:p>
@@ -5742,7 +6054,7 @@
     </p:spTree>
     <p:extLst>
       <p:ext uri="{BB962C8B-B14F-4D97-AF65-F5344CB8AC3E}">
-        <p14:creationId xmlns:p14="http://schemas.microsoft.com/office/powerpoint/2010/main" val="2594360849"/>
+        <p14:creationId xmlns:p14="http://schemas.microsoft.com/office/powerpoint/2010/main" val="95752702"/>
       </p:ext>
     </p:extLst>
   </p:cSld>
@@ -5792,267 +6104,54 @@
           </a:xfrm>
         </p:spPr>
         <p:txBody>
-          <a:bodyPr/>
-          <a:lstStyle/>
-          <a:p>
-            <a:r>
-              <a:rPr lang="en-US" dirty="0" err="1"/>
-              <a:t>Contenido</a:t>
-            </a:r>
-            <a:endParaRPr lang="en-IN" dirty="0"/>
-          </a:p>
-        </p:txBody>
-      </p:sp>
-      <p:sp>
-        <p:nvSpPr>
-          <p:cNvPr id="3" name="TextBox 2">
-            <a:extLst>
-              <a:ext uri="{FF2B5EF4-FFF2-40B4-BE49-F238E27FC236}">
-                <a16:creationId xmlns:a16="http://schemas.microsoft.com/office/drawing/2014/main" id="{8B080ECA-F7ED-40E8-94EB-347125C8FFA6}"/>
-              </a:ext>
-            </a:extLst>
-          </p:cNvPr>
-          <p:cNvSpPr txBox="1"/>
-          <p:nvPr/>
-        </p:nvSpPr>
-        <p:spPr>
-          <a:xfrm>
-            <a:off x="1097280" y="1988192"/>
-            <a:ext cx="9086955" cy="3970318"/>
-          </a:xfrm>
-          <a:prstGeom prst="rect">
-            <a:avLst/>
-          </a:prstGeom>
-          <a:noFill/>
-        </p:spPr>
-        <p:txBody>
-          <a:bodyPr wrap="square" rtlCol="0">
-            <a:spAutoFit/>
+          <a:bodyPr>
+            <a:normAutofit/>
           </a:bodyPr>
           <a:lstStyle/>
           <a:p>
             <a:r>
-              <a:rPr lang="es-ES" b="1" dirty="0"/>
-              <a:t>A) Modulo 5</a:t>
-            </a:r>
-            <a:r>
-              <a:rPr lang="en-IN" dirty="0"/>
-              <a:t>	 </a:t>
-            </a:r>
-          </a:p>
-          <a:p>
-            <a:pPr marL="800100" lvl="1" indent="-342900">
-              <a:buFont typeface="+mj-lt"/>
-              <a:buAutoNum type="arabicPeriod"/>
-            </a:pPr>
-            <a:r>
-              <a:rPr lang="en-IN" dirty="0"/>
-              <a:t>Que es ECMAScript 6 </a:t>
-            </a:r>
-          </a:p>
-          <a:p>
-            <a:pPr marL="800100" lvl="1" indent="-342900">
-              <a:buFont typeface="+mj-lt"/>
-              <a:buAutoNum type="arabicPeriod"/>
-            </a:pPr>
-            <a:r>
-              <a:rPr lang="en-IN" dirty="0" err="1"/>
-              <a:t>Creando</a:t>
-            </a:r>
-            <a:r>
-              <a:rPr lang="en-IN" dirty="0"/>
-              <a:t> una </a:t>
-            </a:r>
-            <a:r>
-              <a:rPr lang="en-IN" dirty="0" err="1"/>
-              <a:t>Clase</a:t>
-            </a:r>
-            <a:r>
-              <a:rPr lang="en-IN" dirty="0"/>
-              <a:t>  </a:t>
-            </a:r>
-          </a:p>
-          <a:p>
-            <a:pPr marL="800100" lvl="1" indent="-342900">
-              <a:buFont typeface="+mj-lt"/>
-              <a:buAutoNum type="arabicPeriod"/>
-            </a:pPr>
-            <a:r>
-              <a:rPr lang="en-IN" dirty="0" err="1"/>
-              <a:t>Herencia</a:t>
-            </a:r>
-            <a:r>
-              <a:rPr lang="en-IN" dirty="0"/>
+              <a:rPr lang="en-US" sz="2400" dirty="0"/>
+              <a:t>Modulo 4: </a:t>
+            </a:r>
+            <a:br>
+              <a:rPr lang="en-US" sz="2400" dirty="0"/>
+            </a:br>
+            <a:r>
+              <a:rPr lang="en-US" sz="2400" dirty="0"/>
+              <a:t>3. </a:t>
+            </a:r>
+            <a:r>
+              <a:rPr lang="en-US" sz="2400" dirty="0" err="1"/>
+              <a:t>Heredar</a:t>
+            </a:r>
+            <a:r>
+              <a:rPr lang="en-US" sz="2400" dirty="0"/>
+              <a:t> Prototypes a </a:t>
+            </a:r>
+            <a:r>
+              <a:rPr lang="en-US" sz="2400" dirty="0" err="1"/>
+              <a:t>otro</a:t>
+            </a:r>
+            <a:r>
+              <a:rPr lang="en-US" sz="2400" dirty="0"/>
               <a:t> </a:t>
             </a:r>
             <a:r>
-              <a:rPr lang="en-IN" dirty="0" err="1"/>
-              <a:t>en</a:t>
-            </a:r>
-            <a:r>
-              <a:rPr lang="en-IN" dirty="0"/>
-              <a:t> Classes con JavaScript  </a:t>
-            </a:r>
-          </a:p>
-          <a:p>
-            <a:pPr marL="800100" lvl="1" indent="-342900">
-              <a:buFont typeface="+mj-lt"/>
-              <a:buAutoNum type="arabicPeriod"/>
-            </a:pPr>
-            <a:r>
-              <a:rPr lang="en-IN" dirty="0"/>
-              <a:t>Arrow functions </a:t>
-            </a:r>
-          </a:p>
-          <a:p>
-            <a:pPr marL="800100" lvl="1" indent="-342900">
-              <a:buFont typeface="+mj-lt"/>
-              <a:buAutoNum type="arabicPeriod"/>
-            </a:pPr>
-            <a:r>
-              <a:rPr lang="en-IN" dirty="0" err="1"/>
-              <a:t>Asignación</a:t>
-            </a:r>
-            <a:r>
-              <a:rPr lang="en-IN" dirty="0"/>
-              <a:t> por </a:t>
-            </a:r>
-            <a:r>
-              <a:rPr lang="en-IN" dirty="0" err="1"/>
-              <a:t>Destructuring</a:t>
-            </a:r>
-            <a:r>
-              <a:rPr lang="en-IN" dirty="0"/>
-              <a:t>  </a:t>
-            </a:r>
-          </a:p>
-          <a:p>
-            <a:pPr marL="800100" lvl="1" indent="-342900">
-              <a:buFont typeface="+mj-lt"/>
-              <a:buAutoNum type="arabicPeriod"/>
-            </a:pPr>
-            <a:r>
-              <a:rPr lang="en-IN" dirty="0" err="1"/>
-              <a:t>Destructuring</a:t>
-            </a:r>
-            <a:r>
-              <a:rPr lang="en-IN" dirty="0"/>
-              <a:t> a </a:t>
-            </a:r>
-            <a:r>
-              <a:rPr lang="en-IN" dirty="0" err="1"/>
-              <a:t>Arreglos</a:t>
-            </a:r>
-            <a:r>
-              <a:rPr lang="en-IN" dirty="0"/>
-              <a:t> y </a:t>
-            </a:r>
-            <a:r>
-              <a:rPr lang="en-IN" dirty="0" err="1"/>
-              <a:t>Objetos</a:t>
-            </a:r>
-            <a:r>
-              <a:rPr lang="en-IN" dirty="0"/>
-              <a:t>  </a:t>
-            </a:r>
-          </a:p>
-          <a:p>
-            <a:pPr marL="800100" lvl="1" indent="-342900">
-              <a:buFont typeface="+mj-lt"/>
-              <a:buAutoNum type="arabicPeriod"/>
-            </a:pPr>
-            <a:r>
-              <a:rPr lang="en-IN" dirty="0" err="1"/>
-              <a:t>Destructuring</a:t>
-            </a:r>
-            <a:r>
-              <a:rPr lang="en-IN" dirty="0"/>
-              <a:t> a </a:t>
-            </a:r>
-            <a:r>
-              <a:rPr lang="en-IN" dirty="0" err="1"/>
-              <a:t>Funciones</a:t>
-            </a:r>
-            <a:r>
-              <a:rPr lang="en-IN" dirty="0"/>
-              <a:t>  </a:t>
-            </a:r>
-          </a:p>
-          <a:p>
-            <a:pPr marL="800100" lvl="1" indent="-342900">
-              <a:buFont typeface="+mj-lt"/>
-              <a:buAutoNum type="arabicPeriod"/>
-            </a:pPr>
-            <a:r>
-              <a:rPr lang="en-IN" dirty="0"/>
-              <a:t>Symbols  </a:t>
-            </a:r>
-          </a:p>
-          <a:p>
-            <a:pPr marL="800100" lvl="1" indent="-342900">
-              <a:buFont typeface="+mj-lt"/>
-              <a:buAutoNum type="arabicPeriod"/>
-            </a:pPr>
-            <a:r>
-              <a:rPr lang="en-IN" dirty="0"/>
-              <a:t>Sets  </a:t>
-            </a:r>
-          </a:p>
-          <a:p>
-            <a:pPr marL="800100" lvl="1" indent="-342900">
-              <a:buFont typeface="+mj-lt"/>
-              <a:buAutoNum type="arabicPeriod"/>
-            </a:pPr>
-            <a:r>
-              <a:rPr lang="en-IN" dirty="0"/>
-              <a:t>Maps  </a:t>
-            </a:r>
-          </a:p>
-          <a:p>
-            <a:pPr marL="800100" lvl="1" indent="-342900">
-              <a:buFont typeface="+mj-lt"/>
-              <a:buAutoNum type="arabicPeriod"/>
-            </a:pPr>
-            <a:r>
-              <a:rPr lang="en-IN" dirty="0" err="1"/>
-              <a:t>Iteradores</a:t>
-            </a:r>
-            <a:r>
-              <a:rPr lang="en-IN" dirty="0"/>
-              <a:t>  </a:t>
-            </a:r>
-          </a:p>
-          <a:p>
-            <a:pPr marL="800100" lvl="1" indent="-342900">
-              <a:buFont typeface="+mj-lt"/>
-              <a:buAutoNum type="arabicPeriod"/>
-            </a:pPr>
-            <a:r>
-              <a:rPr lang="en-IN" dirty="0" err="1"/>
-              <a:t>Generadores</a:t>
-            </a:r>
-            <a:endParaRPr lang="en-IN" dirty="0"/>
-          </a:p>
-          <a:p>
-            <a:pPr marL="800100" lvl="1" indent="-342900">
-              <a:buFont typeface="+mj-lt"/>
-              <a:buAutoNum type="arabicPeriod"/>
-            </a:pPr>
-            <a:r>
-              <a:rPr lang="en-IN" dirty="0" err="1"/>
-              <a:t>Contenido</a:t>
-            </a:r>
-            <a:r>
-              <a:rPr lang="en-IN" dirty="0"/>
-              <a:t> Extra</a:t>
-            </a:r>
+              <a:rPr lang="en-US" sz="2400" dirty="0" err="1"/>
+              <a:t>Objeto</a:t>
+            </a:r>
+            <a:r>
+              <a:rPr lang="en-US" sz="2400" dirty="0"/>
+              <a:t> </a:t>
+            </a:r>
+            <a:endParaRPr lang="es-ES" sz="2400" dirty="0"/>
           </a:p>
         </p:txBody>
       </p:sp>
     </p:spTree>
     <p:extLst>
       <p:ext uri="{BB962C8B-B14F-4D97-AF65-F5344CB8AC3E}">
-        <p14:creationId xmlns:p14="http://schemas.microsoft.com/office/powerpoint/2010/main" val="1410909233"/>
+        <p14:creationId xmlns:p14="http://schemas.microsoft.com/office/powerpoint/2010/main" val="3238033515"/>
       </p:ext>
     </p:extLst>
   </p:cSld>
@@ -6431,14 +6530,22 @@
           <a:p>
             <a:r>
               <a:rPr lang="en-US" sz="2400" dirty="0"/>
-              <a:t>Modulo 5: </a:t>
+              <a:t>Modulo 4: </a:t>
             </a:r>
             <a:br>
               <a:rPr lang="en-US" sz="2400" dirty="0"/>
             </a:br>
             <a:r>
               <a:rPr lang="en-US" sz="2400" dirty="0"/>
-              <a:t>1. Que es ECMAScript 6 </a:t>
+              <a:t>4. La </a:t>
+            </a:r>
+            <a:r>
+              <a:rPr lang="en-US" sz="2400" dirty="0" err="1"/>
+              <a:t>función</a:t>
+            </a:r>
+            <a:r>
+              <a:rPr lang="en-US" sz="2400" dirty="0"/>
+              <a:t> Object Create </a:t>
             </a:r>
             <a:endParaRPr lang="es-ES" sz="2400" dirty="0"/>
           </a:p>
@@ -6447,7 +6554,7 @@
     </p:spTree>
     <p:extLst>
       <p:ext uri="{BB962C8B-B14F-4D97-AF65-F5344CB8AC3E}">
-        <p14:creationId xmlns:p14="http://schemas.microsoft.com/office/powerpoint/2010/main" val="1756078513"/>
+        <p14:creationId xmlns:p14="http://schemas.microsoft.com/office/powerpoint/2010/main" val="1694327520"/>
       </p:ext>
     </p:extLst>
   </p:cSld>
@@ -6504,26 +6611,14 @@
           <a:p>
             <a:r>
               <a:rPr lang="en-US" sz="2400" dirty="0"/>
-              <a:t>Modulo 5: </a:t>
+              <a:t>Modulo 4: </a:t>
             </a:r>
             <a:br>
               <a:rPr lang="en-US" sz="2400" dirty="0"/>
             </a:br>
             <a:r>
               <a:rPr lang="en-US" sz="2400" dirty="0"/>
-              <a:t>2. </a:t>
-            </a:r>
-            <a:r>
-              <a:rPr lang="en-US" sz="2400" dirty="0" err="1"/>
-              <a:t>Creando</a:t>
-            </a:r>
-            <a:r>
-              <a:rPr lang="en-US" sz="2400" dirty="0"/>
-              <a:t> una </a:t>
-            </a:r>
-            <a:r>
-              <a:rPr lang="en-US" sz="2400" dirty="0" err="1"/>
-              <a:t>Clase</a:t>
+              <a:t>5. Ajax, Async y Promises</a:t>
             </a:r>
             <a:endParaRPr lang="es-ES" sz="2400" dirty="0"/>
           </a:p>
@@ -6532,7 +6627,7 @@
     </p:spTree>
     <p:extLst>
       <p:ext uri="{BB962C8B-B14F-4D97-AF65-F5344CB8AC3E}">
-        <p14:creationId xmlns:p14="http://schemas.microsoft.com/office/powerpoint/2010/main" val="4026848229"/>
+        <p14:creationId xmlns:p14="http://schemas.microsoft.com/office/powerpoint/2010/main" val="1538215544"/>
       </p:ext>
     </p:extLst>
   </p:cSld>
@@ -6589,34 +6684,23 @@
           <a:p>
             <a:r>
               <a:rPr lang="en-US" sz="2400" dirty="0"/>
-              <a:t>Modulo 5: </a:t>
+              <a:t>Modulo 4: </a:t>
             </a:r>
             <a:br>
               <a:rPr lang="en-US" sz="2400" dirty="0"/>
             </a:br>
             <a:r>
               <a:rPr lang="en-US" sz="2400" dirty="0"/>
-              <a:t>3. </a:t>
-            </a:r>
-            <a:r>
-              <a:rPr lang="es-ES" sz="2400" dirty="0"/>
-              <a:t>Herencia en </a:t>
-            </a:r>
-            <a:r>
-              <a:rPr lang="es-ES" sz="2400" dirty="0" err="1"/>
-              <a:t>Classes</a:t>
-            </a:r>
-            <a:r>
-              <a:rPr lang="es-ES" sz="2400" dirty="0"/>
-              <a:t> con JavaScript</a:t>
-            </a:r>
+              <a:t>6. AJAX y JSON</a:t>
+            </a:r>
+            <a:endParaRPr lang="es-ES" sz="2400" dirty="0"/>
           </a:p>
         </p:txBody>
       </p:sp>
     </p:spTree>
     <p:extLst>
       <p:ext uri="{BB962C8B-B14F-4D97-AF65-F5344CB8AC3E}">
-        <p14:creationId xmlns:p14="http://schemas.microsoft.com/office/powerpoint/2010/main" val="2437340415"/>
+        <p14:creationId xmlns:p14="http://schemas.microsoft.com/office/powerpoint/2010/main" val="3315885393"/>
       </p:ext>
     </p:extLst>
   </p:cSld>
@@ -6673,14 +6757,14 @@
           <a:p>
             <a:r>
               <a:rPr lang="en-US" sz="2400" dirty="0"/>
-              <a:t>Modulo 5: </a:t>
+              <a:t>Modulo 4: </a:t>
             </a:r>
             <a:br>
               <a:rPr lang="en-US" sz="2400" dirty="0"/>
             </a:br>
             <a:r>
               <a:rPr lang="en-US" sz="2400" dirty="0"/>
-              <a:t>4. Arrow functions</a:t>
+              <a:t>7. API's, REST API's y Request</a:t>
             </a:r>
             <a:endParaRPr lang="es-ES" sz="2400" dirty="0"/>
           </a:p>
@@ -6689,7 +6773,7 @@
     </p:spTree>
     <p:extLst>
       <p:ext uri="{BB962C8B-B14F-4D97-AF65-F5344CB8AC3E}">
-        <p14:creationId xmlns:p14="http://schemas.microsoft.com/office/powerpoint/2010/main" val="906490026"/>
+        <p14:creationId xmlns:p14="http://schemas.microsoft.com/office/powerpoint/2010/main" val="2571564533"/>
       </p:ext>
     </p:extLst>
   </p:cSld>
@@ -6746,26 +6830,22 @@
           <a:p>
             <a:r>
               <a:rPr lang="en-US" sz="2400" dirty="0"/>
-              <a:t>Modulo 5: </a:t>
+              <a:t>Modulo 4: </a:t>
             </a:r>
             <a:br>
               <a:rPr lang="en-US" sz="2400" dirty="0"/>
             </a:br>
             <a:r>
               <a:rPr lang="en-US" sz="2400" dirty="0"/>
-              <a:t>5. </a:t>
+              <a:t>8. </a:t>
             </a:r>
             <a:r>
               <a:rPr lang="en-US" sz="2400" dirty="0" err="1"/>
-              <a:t>Asignación</a:t>
-            </a:r>
-            <a:r>
-              <a:rPr lang="en-US" sz="2400" dirty="0"/>
-              <a:t> por </a:t>
-            </a:r>
-            <a:r>
-              <a:rPr lang="en-US" sz="2400" dirty="0" err="1"/>
-              <a:t>Destructuring</a:t>
+              <a:t>Consumiendo</a:t>
+            </a:r>
+            <a:r>
+              <a:rPr lang="en-US" sz="2400" dirty="0"/>
+              <a:t> una REST API con Ajax</a:t>
             </a:r>
             <a:endParaRPr lang="es-ES" sz="2400" dirty="0"/>
           </a:p>
@@ -6774,7 +6854,7 @@
     </p:spTree>
     <p:extLst>
       <p:ext uri="{BB962C8B-B14F-4D97-AF65-F5344CB8AC3E}">
-        <p14:creationId xmlns:p14="http://schemas.microsoft.com/office/powerpoint/2010/main" val="3172333793"/>
+        <p14:creationId xmlns:p14="http://schemas.microsoft.com/office/powerpoint/2010/main" val="3040245417"/>
       </p:ext>
     </p:extLst>
   </p:cSld>
@@ -6831,22 +6911,26 @@
           <a:p>
             <a:r>
               <a:rPr lang="en-US" sz="2400" dirty="0"/>
-              <a:t>Modulo 5: </a:t>
+              <a:t>Modulo 4: </a:t>
             </a:r>
             <a:br>
               <a:rPr lang="en-US" sz="2400" dirty="0"/>
             </a:br>
             <a:r>
               <a:rPr lang="en-US" sz="2400" dirty="0"/>
-              <a:t>6. </a:t>
+              <a:t>9. </a:t>
+            </a:r>
+            <a:r>
+              <a:rPr lang="es-ES" sz="2400" dirty="0"/>
+              <a:t>Que es el Código </a:t>
             </a:r>
             <a:r>
               <a:rPr lang="es-ES" sz="2400" dirty="0" err="1"/>
-              <a:t>Destructuring</a:t>
+              <a:t>Asincrono</a:t>
             </a:r>
             <a:r>
               <a:rPr lang="es-ES" sz="2400" dirty="0"/>
-              <a:t> a Arreglos y Objetos</a:t>
+              <a:t> en JavaScript</a:t>
             </a:r>
           </a:p>
         </p:txBody>
@@ -6854,7 +6938,7 @@
     </p:spTree>
     <p:extLst>
       <p:ext uri="{BB962C8B-B14F-4D97-AF65-F5344CB8AC3E}">
-        <p14:creationId xmlns:p14="http://schemas.microsoft.com/office/powerpoint/2010/main" val="218142265"/>
+        <p14:creationId xmlns:p14="http://schemas.microsoft.com/office/powerpoint/2010/main" val="1735716759"/>
       </p:ext>
     </p:extLst>
   </p:cSld>
@@ -6911,35 +6995,30 @@
           <a:p>
             <a:r>
               <a:rPr lang="en-US" sz="2400" dirty="0"/>
-              <a:t>Modulo 5: </a:t>
+              <a:t>Modulo 4: </a:t>
             </a:r>
             <a:br>
               <a:rPr lang="en-US" sz="2400" dirty="0"/>
             </a:br>
             <a:r>
               <a:rPr lang="en-US" sz="2400" dirty="0"/>
-              <a:t>7. </a:t>
-            </a:r>
-            <a:r>
-              <a:rPr lang="en-US" sz="2400" dirty="0" err="1"/>
-              <a:t>Destructuring</a:t>
-            </a:r>
-            <a:r>
-              <a:rPr lang="en-US" sz="2400" dirty="0"/>
-              <a:t> a </a:t>
-            </a:r>
-            <a:r>
-              <a:rPr lang="en-US" sz="2400" dirty="0" err="1"/>
-              <a:t>Funciones</a:t>
-            </a:r>
-            <a:endParaRPr lang="es-ES" sz="2400" dirty="0"/>
+              <a:t>10. </a:t>
+            </a:r>
+            <a:r>
+              <a:rPr lang="es-ES" sz="2400" dirty="0" err="1"/>
+              <a:t>Callbacks</a:t>
+            </a:r>
+            <a:r>
+              <a:rPr lang="es-ES" sz="2400" dirty="0"/>
+              <a:t>, que son y como funcionan</a:t>
+            </a:r>
           </a:p>
         </p:txBody>
       </p:sp>
     </p:spTree>
     <p:extLst>
       <p:ext uri="{BB962C8B-B14F-4D97-AF65-F5344CB8AC3E}">
-        <p14:creationId xmlns:p14="http://schemas.microsoft.com/office/powerpoint/2010/main" val="1036898138"/>
+        <p14:creationId xmlns:p14="http://schemas.microsoft.com/office/powerpoint/2010/main" val="934440205"/>
       </p:ext>
     </p:extLst>
   </p:cSld>
@@ -6996,14 +7075,22 @@
           <a:p>
             <a:r>
               <a:rPr lang="en-US" sz="2400" dirty="0"/>
-              <a:t>Modulo 5: </a:t>
+              <a:t>Modulo 4: </a:t>
             </a:r>
             <a:br>
               <a:rPr lang="en-US" sz="2400" dirty="0"/>
             </a:br>
             <a:r>
               <a:rPr lang="en-US" sz="2400" dirty="0"/>
-              <a:t>8. Symbols</a:t>
+              <a:t>11. Promises </a:t>
+            </a:r>
+            <a:r>
+              <a:rPr lang="en-US" sz="2400" dirty="0" err="1"/>
+              <a:t>en</a:t>
+            </a:r>
+            <a:r>
+              <a:rPr lang="en-US" sz="2400" dirty="0"/>
+              <a:t> JavaScript</a:t>
             </a:r>
             <a:endParaRPr lang="es-ES" sz="2400" dirty="0"/>
           </a:p>
@@ -7012,7 +7099,7 @@
     </p:spTree>
     <p:extLst>
       <p:ext uri="{BB962C8B-B14F-4D97-AF65-F5344CB8AC3E}">
-        <p14:creationId xmlns:p14="http://schemas.microsoft.com/office/powerpoint/2010/main" val="1059173936"/>
+        <p14:creationId xmlns:p14="http://schemas.microsoft.com/office/powerpoint/2010/main" val="2941634625"/>
       </p:ext>
     </p:extLst>
   </p:cSld>
@@ -7069,14 +7156,14 @@
           <a:p>
             <a:r>
               <a:rPr lang="en-US" sz="2400" dirty="0"/>
-              <a:t>Modulo 5: </a:t>
+              <a:t>Modulo 4: </a:t>
             </a:r>
             <a:br>
               <a:rPr lang="en-US" sz="2400" dirty="0"/>
             </a:br>
             <a:r>
               <a:rPr lang="en-US" sz="2400" dirty="0"/>
-              <a:t>9. Sets</a:t>
+              <a:t>12. Que es Async Await</a:t>
             </a:r>
             <a:endParaRPr lang="es-ES" sz="2400" dirty="0"/>
           </a:p>
@@ -7085,7 +7172,7 @@
     </p:spTree>
     <p:extLst>
       <p:ext uri="{BB962C8B-B14F-4D97-AF65-F5344CB8AC3E}">
-        <p14:creationId xmlns:p14="http://schemas.microsoft.com/office/powerpoint/2010/main" val="2204286754"/>
+        <p14:creationId xmlns:p14="http://schemas.microsoft.com/office/powerpoint/2010/main" val="2594360849"/>
       </p:ext>
     </p:extLst>
   </p:cSld>
@@ -7135,30 +7222,267 @@
           </a:xfrm>
         </p:spPr>
         <p:txBody>
-          <a:bodyPr>
-            <a:normAutofit/>
+          <a:bodyPr/>
+          <a:lstStyle/>
+          <a:p>
+            <a:r>
+              <a:rPr lang="en-US" dirty="0" err="1"/>
+              <a:t>Contenido</a:t>
+            </a:r>
+            <a:endParaRPr lang="en-IN" dirty="0"/>
+          </a:p>
+        </p:txBody>
+      </p:sp>
+      <p:sp>
+        <p:nvSpPr>
+          <p:cNvPr id="3" name="TextBox 2">
+            <a:extLst>
+              <a:ext uri="{FF2B5EF4-FFF2-40B4-BE49-F238E27FC236}">
+                <a16:creationId xmlns:a16="http://schemas.microsoft.com/office/drawing/2014/main" id="{8B080ECA-F7ED-40E8-94EB-347125C8FFA6}"/>
+              </a:ext>
+            </a:extLst>
+          </p:cNvPr>
+          <p:cNvSpPr txBox="1"/>
+          <p:nvPr/>
+        </p:nvSpPr>
+        <p:spPr>
+          <a:xfrm>
+            <a:off x="1097280" y="1988192"/>
+            <a:ext cx="9086955" cy="3970318"/>
+          </a:xfrm>
+          <a:prstGeom prst="rect">
+            <a:avLst/>
+          </a:prstGeom>
+          <a:noFill/>
+        </p:spPr>
+        <p:txBody>
+          <a:bodyPr wrap="square" rtlCol="0">
+            <a:spAutoFit/>
           </a:bodyPr>
           <a:lstStyle/>
           <a:p>
             <a:r>
-              <a:rPr lang="en-US" sz="2400" dirty="0"/>
-              <a:t>Modulo 5: </a:t>
-            </a:r>
-            <a:br>
-              <a:rPr lang="en-US" sz="2400" dirty="0"/>
-            </a:br>
-            <a:r>
-              <a:rPr lang="en-US" sz="2400" dirty="0"/>
-              <a:t>10. Maps</a:t>
-            </a:r>
-            <a:endParaRPr lang="es-ES" sz="2400" dirty="0"/>
+              <a:rPr lang="es-ES" b="1" dirty="0"/>
+              <a:t>A) Modulo 5</a:t>
+            </a:r>
+            <a:r>
+              <a:rPr lang="en-IN" dirty="0"/>
+              <a:t>	 </a:t>
+            </a:r>
+          </a:p>
+          <a:p>
+            <a:pPr marL="800100" lvl="1" indent="-342900">
+              <a:buFont typeface="+mj-lt"/>
+              <a:buAutoNum type="arabicPeriod"/>
+            </a:pPr>
+            <a:r>
+              <a:rPr lang="en-IN" dirty="0"/>
+              <a:t>Que es ECMAScript 6 </a:t>
+            </a:r>
+          </a:p>
+          <a:p>
+            <a:pPr marL="800100" lvl="1" indent="-342900">
+              <a:buFont typeface="+mj-lt"/>
+              <a:buAutoNum type="arabicPeriod"/>
+            </a:pPr>
+            <a:r>
+              <a:rPr lang="en-IN" dirty="0" err="1"/>
+              <a:t>Creando</a:t>
+            </a:r>
+            <a:r>
+              <a:rPr lang="en-IN" dirty="0"/>
+              <a:t> una </a:t>
+            </a:r>
+            <a:r>
+              <a:rPr lang="en-IN" dirty="0" err="1"/>
+              <a:t>Clase</a:t>
+            </a:r>
+            <a:r>
+              <a:rPr lang="en-IN" dirty="0"/>
+              <a:t>  </a:t>
+            </a:r>
+          </a:p>
+          <a:p>
+            <a:pPr marL="800100" lvl="1" indent="-342900">
+              <a:buFont typeface="+mj-lt"/>
+              <a:buAutoNum type="arabicPeriod"/>
+            </a:pPr>
+            <a:r>
+              <a:rPr lang="en-IN" dirty="0" err="1"/>
+              <a:t>Herencia</a:t>
+            </a:r>
+            <a:r>
+              <a:rPr lang="en-IN" dirty="0"/>
+              <a:t> </a:t>
+            </a:r>
+            <a:r>
+              <a:rPr lang="en-IN" dirty="0" err="1"/>
+              <a:t>en</a:t>
+            </a:r>
+            <a:r>
+              <a:rPr lang="en-IN" dirty="0"/>
+              <a:t> Classes con JavaScript  </a:t>
+            </a:r>
+          </a:p>
+          <a:p>
+            <a:pPr marL="800100" lvl="1" indent="-342900">
+              <a:buFont typeface="+mj-lt"/>
+              <a:buAutoNum type="arabicPeriod"/>
+            </a:pPr>
+            <a:r>
+              <a:rPr lang="en-IN" dirty="0"/>
+              <a:t>Arrow functions </a:t>
+            </a:r>
+          </a:p>
+          <a:p>
+            <a:pPr marL="800100" lvl="1" indent="-342900">
+              <a:buFont typeface="+mj-lt"/>
+              <a:buAutoNum type="arabicPeriod"/>
+            </a:pPr>
+            <a:r>
+              <a:rPr lang="en-IN" dirty="0" err="1"/>
+              <a:t>Asignación</a:t>
+            </a:r>
+            <a:r>
+              <a:rPr lang="en-IN" dirty="0"/>
+              <a:t> por </a:t>
+            </a:r>
+            <a:r>
+              <a:rPr lang="en-IN" dirty="0" err="1"/>
+              <a:t>Destructuring</a:t>
+            </a:r>
+            <a:r>
+              <a:rPr lang="en-IN" dirty="0"/>
+              <a:t>  </a:t>
+            </a:r>
+          </a:p>
+          <a:p>
+            <a:pPr marL="800100" lvl="1" indent="-342900">
+              <a:buFont typeface="+mj-lt"/>
+              <a:buAutoNum type="arabicPeriod"/>
+            </a:pPr>
+            <a:r>
+              <a:rPr lang="en-IN" dirty="0" err="1"/>
+              <a:t>Destructuring</a:t>
+            </a:r>
+            <a:r>
+              <a:rPr lang="en-IN" dirty="0"/>
+              <a:t> a </a:t>
+            </a:r>
+            <a:r>
+              <a:rPr lang="en-IN" dirty="0" err="1"/>
+              <a:t>Arreglos</a:t>
+            </a:r>
+            <a:r>
+              <a:rPr lang="en-IN" dirty="0"/>
+              <a:t> y </a:t>
+            </a:r>
+            <a:r>
+              <a:rPr lang="en-IN" dirty="0" err="1"/>
+              <a:t>Objetos</a:t>
+            </a:r>
+            <a:r>
+              <a:rPr lang="en-IN" dirty="0"/>
+              <a:t>  </a:t>
+            </a:r>
+          </a:p>
+          <a:p>
+            <a:pPr marL="800100" lvl="1" indent="-342900">
+              <a:buFont typeface="+mj-lt"/>
+              <a:buAutoNum type="arabicPeriod"/>
+            </a:pPr>
+            <a:r>
+              <a:rPr lang="en-IN" dirty="0" err="1"/>
+              <a:t>Destructuring</a:t>
+            </a:r>
+            <a:r>
+              <a:rPr lang="en-IN" dirty="0"/>
+              <a:t> a </a:t>
+            </a:r>
+            <a:r>
+              <a:rPr lang="en-IN" dirty="0" err="1"/>
+              <a:t>Funciones</a:t>
+            </a:r>
+            <a:r>
+              <a:rPr lang="en-IN" dirty="0"/>
+              <a:t>  </a:t>
+            </a:r>
+          </a:p>
+          <a:p>
+            <a:pPr marL="800100" lvl="1" indent="-342900">
+              <a:buFont typeface="+mj-lt"/>
+              <a:buAutoNum type="arabicPeriod"/>
+            </a:pPr>
+            <a:r>
+              <a:rPr lang="en-IN" dirty="0"/>
+              <a:t>Symbols  </a:t>
+            </a:r>
+          </a:p>
+          <a:p>
+            <a:pPr marL="800100" lvl="1" indent="-342900">
+              <a:buFont typeface="+mj-lt"/>
+              <a:buAutoNum type="arabicPeriod"/>
+            </a:pPr>
+            <a:r>
+              <a:rPr lang="en-IN" dirty="0"/>
+              <a:t>Sets  </a:t>
+            </a:r>
+          </a:p>
+          <a:p>
+            <a:pPr marL="800100" lvl="1" indent="-342900">
+              <a:buFont typeface="+mj-lt"/>
+              <a:buAutoNum type="arabicPeriod"/>
+            </a:pPr>
+            <a:r>
+              <a:rPr lang="en-IN" dirty="0"/>
+              <a:t>Maps  </a:t>
+            </a:r>
+          </a:p>
+          <a:p>
+            <a:pPr marL="800100" lvl="1" indent="-342900">
+              <a:buFont typeface="+mj-lt"/>
+              <a:buAutoNum type="arabicPeriod"/>
+            </a:pPr>
+            <a:r>
+              <a:rPr lang="en-IN" dirty="0" err="1"/>
+              <a:t>Iteradores</a:t>
+            </a:r>
+            <a:r>
+              <a:rPr lang="en-IN" dirty="0"/>
+              <a:t>  </a:t>
+            </a:r>
+          </a:p>
+          <a:p>
+            <a:pPr marL="800100" lvl="1" indent="-342900">
+              <a:buFont typeface="+mj-lt"/>
+              <a:buAutoNum type="arabicPeriod"/>
+            </a:pPr>
+            <a:r>
+              <a:rPr lang="en-IN" dirty="0" err="1"/>
+              <a:t>Generadores</a:t>
+            </a:r>
+            <a:endParaRPr lang="en-IN" dirty="0"/>
+          </a:p>
+          <a:p>
+            <a:pPr marL="800100" lvl="1" indent="-342900">
+              <a:buFont typeface="+mj-lt"/>
+              <a:buAutoNum type="arabicPeriod"/>
+            </a:pPr>
+            <a:r>
+              <a:rPr lang="en-IN" dirty="0" err="1"/>
+              <a:t>Contenido</a:t>
+            </a:r>
+            <a:r>
+              <a:rPr lang="en-IN" dirty="0"/>
+              <a:t> Extra</a:t>
+            </a:r>
           </a:p>
         </p:txBody>
       </p:sp>
     </p:spTree>
     <p:extLst>
       <p:ext uri="{BB962C8B-B14F-4D97-AF65-F5344CB8AC3E}">
-        <p14:creationId xmlns:p14="http://schemas.microsoft.com/office/powerpoint/2010/main" val="955868722"/>
+        <p14:creationId xmlns:p14="http://schemas.microsoft.com/office/powerpoint/2010/main" val="1410909233"/>
       </p:ext>
     </p:extLst>
   </p:cSld>
@@ -7465,11 +7789,7 @@
             </a:br>
             <a:r>
               <a:rPr lang="en-US" sz="2400" dirty="0"/>
-              <a:t>11. </a:t>
-            </a:r>
-            <a:r>
-              <a:rPr lang="en-US" sz="2400" dirty="0" err="1"/>
-              <a:t>Iteradores</a:t>
+              <a:t>1. Que es ECMAScript 6 </a:t>
             </a:r>
             <a:endParaRPr lang="es-ES" sz="2400" dirty="0"/>
           </a:p>
@@ -7478,7 +7798,7 @@
     </p:spTree>
     <p:extLst>
       <p:ext uri="{BB962C8B-B14F-4D97-AF65-F5344CB8AC3E}">
-        <p14:creationId xmlns:p14="http://schemas.microsoft.com/office/powerpoint/2010/main" val="1405260807"/>
+        <p14:creationId xmlns:p14="http://schemas.microsoft.com/office/powerpoint/2010/main" val="1756078513"/>
       </p:ext>
     </p:extLst>
   </p:cSld>
@@ -7542,11 +7862,19 @@
             </a:br>
             <a:r>
               <a:rPr lang="en-US" sz="2400" dirty="0"/>
-              <a:t>12. </a:t>
+              <a:t>2. </a:t>
             </a:r>
             <a:r>
               <a:rPr lang="en-US" sz="2400" dirty="0" err="1"/>
-              <a:t>Generadores</a:t>
+              <a:t>Creando</a:t>
+            </a:r>
+            <a:r>
+              <a:rPr lang="en-US" sz="2400" dirty="0"/>
+              <a:t> una </a:t>
+            </a:r>
+            <a:r>
+              <a:rPr lang="en-US" sz="2400" dirty="0" err="1"/>
+              <a:t>Clase</a:t>
             </a:r>
             <a:endParaRPr lang="es-ES" sz="2400" dirty="0"/>
           </a:p>
@@ -7555,7 +7883,7 @@
     </p:spTree>
     <p:extLst>
       <p:ext uri="{BB962C8B-B14F-4D97-AF65-F5344CB8AC3E}">
-        <p14:creationId xmlns:p14="http://schemas.microsoft.com/office/powerpoint/2010/main" val="3253368815"/>
+        <p14:creationId xmlns:p14="http://schemas.microsoft.com/office/powerpoint/2010/main" val="4026848229"/>
       </p:ext>
     </p:extLst>
   </p:cSld>
@@ -7619,24 +7947,27 @@
             </a:br>
             <a:r>
               <a:rPr lang="en-US" sz="2400" dirty="0"/>
-              <a:t>13. </a:t>
-            </a:r>
-            <a:r>
-              <a:rPr lang="en-US" sz="2400" dirty="0" err="1"/>
-              <a:t>Contenido</a:t>
-            </a:r>
-            <a:r>
-              <a:rPr lang="en-US" sz="2400" dirty="0"/>
-              <a:t> Extra</a:t>
-            </a:r>
-            <a:endParaRPr lang="es-ES" sz="2400" dirty="0"/>
+              <a:t>3. </a:t>
+            </a:r>
+            <a:r>
+              <a:rPr lang="es-ES" sz="2400" dirty="0"/>
+              <a:t>Herencia en </a:t>
+            </a:r>
+            <a:r>
+              <a:rPr lang="es-ES" sz="2400" dirty="0" err="1"/>
+              <a:t>Classes</a:t>
+            </a:r>
+            <a:r>
+              <a:rPr lang="es-ES" sz="2400" dirty="0"/>
+              <a:t> con JavaScript</a:t>
+            </a:r>
           </a:p>
         </p:txBody>
       </p:sp>
     </p:spTree>
     <p:extLst>
       <p:ext uri="{BB962C8B-B14F-4D97-AF65-F5344CB8AC3E}">
-        <p14:creationId xmlns:p14="http://schemas.microsoft.com/office/powerpoint/2010/main" val="630391730"/>
+        <p14:creationId xmlns:p14="http://schemas.microsoft.com/office/powerpoint/2010/main" val="2437340415"/>
       </p:ext>
     </p:extLst>
   </p:cSld>
@@ -7668,7 +7999,7 @@
           <p:cNvPr id="2" name="Title 1">
             <a:extLst>
               <a:ext uri="{FF2B5EF4-FFF2-40B4-BE49-F238E27FC236}">
-                <a16:creationId xmlns:a16="http://schemas.microsoft.com/office/drawing/2014/main" id="{30B05211-5870-41C2-A433-2CFF4294DEFC}"/>
+                <a16:creationId xmlns:a16="http://schemas.microsoft.com/office/drawing/2014/main" id="{505778FD-F398-47CF-BDF8-D0EF7B6F2D92}"/>
               </a:ext>
             </a:extLst>
           </p:cNvPr>
@@ -7679,7 +8010,12 @@
             <p:ph type="title"/>
           </p:nvPr>
         </p:nvSpPr>
-        <p:spPr/>
+        <p:spPr>
+          <a:xfrm>
+            <a:off x="1097280" y="286603"/>
+            <a:ext cx="10058400" cy="1450757"/>
+          </a:xfrm>
+        </p:spPr>
         <p:txBody>
           <a:bodyPr>
             <a:normAutofit/>
@@ -7687,19 +8023,56 @@
           <a:lstStyle/>
           <a:p>
             <a:r>
-              <a:rPr lang="es-MX" dirty="0"/>
-              <a:t>Muchas gracias</a:t>
-            </a:r>
-            <a:endParaRPr lang="en-US" sz="1200" dirty="0"/>
-          </a:p>
-        </p:txBody>
-      </p:sp>
-      <p:sp>
-        <p:nvSpPr>
-          <p:cNvPr id="3" name="Content Placeholder 2">
+              <a:rPr lang="en-US" sz="2400" dirty="0"/>
+              <a:t>Modulo 5: </a:t>
+            </a:r>
+            <a:br>
+              <a:rPr lang="en-US" sz="2400" dirty="0"/>
+            </a:br>
+            <a:r>
+              <a:rPr lang="en-US" sz="2400" dirty="0"/>
+              <a:t>4. Arrow functions</a:t>
+            </a:r>
+            <a:endParaRPr lang="es-ES" sz="2400" dirty="0"/>
+          </a:p>
+        </p:txBody>
+      </p:sp>
+    </p:spTree>
+    <p:extLst>
+      <p:ext uri="{BB962C8B-B14F-4D97-AF65-F5344CB8AC3E}">
+        <p14:creationId xmlns:p14="http://schemas.microsoft.com/office/powerpoint/2010/main" val="906490026"/>
+      </p:ext>
+    </p:extLst>
+  </p:cSld>
+  <p:clrMapOvr>
+    <a:masterClrMapping/>
+  </p:clrMapOvr>
+</p:sld>
+</file>
+
+<file path=ppt/slides/slide124.xml><?xml version="1.0" encoding="utf-8"?>
+<p:sld xmlns:a="http://schemas.openxmlformats.org/drawingml/2006/main" xmlns:r="http://schemas.openxmlformats.org/officeDocument/2006/relationships" xmlns:p="http://schemas.openxmlformats.org/presentationml/2006/main">
+  <p:cSld>
+    <p:spTree>
+      <p:nvGrpSpPr>
+        <p:cNvPr id="1" name=""/>
+        <p:cNvGrpSpPr/>
+        <p:nvPr/>
+      </p:nvGrpSpPr>
+      <p:grpSpPr>
+        <a:xfrm>
+          <a:off x="0" y="0"/>
+          <a:ext cx="0" cy="0"/>
+          <a:chOff x="0" y="0"/>
+          <a:chExt cx="0" cy="0"/>
+        </a:xfrm>
+      </p:grpSpPr>
+      <p:sp>
+        <p:nvSpPr>
+          <p:cNvPr id="2" name="Title 1">
             <a:extLst>
               <a:ext uri="{FF2B5EF4-FFF2-40B4-BE49-F238E27FC236}">
-                <a16:creationId xmlns:a16="http://schemas.microsoft.com/office/drawing/2014/main" id="{BD82A03C-CB9F-4F1E-A785-E076BA990662}"/>
+                <a16:creationId xmlns:a16="http://schemas.microsoft.com/office/drawing/2014/main" id="{505778FD-F398-47CF-BDF8-D0EF7B6F2D92}"/>
               </a:ext>
             </a:extLst>
           </p:cNvPr>
@@ -7707,39 +8080,436 @@
             <a:spLocks noGrp="1"/>
           </p:cNvSpPr>
           <p:nvPr>
-            <p:ph idx="1"/>
+            <p:ph type="title"/>
           </p:nvPr>
         </p:nvSpPr>
-        <p:spPr/>
+        <p:spPr>
+          <a:xfrm>
+            <a:off x="1097280" y="286603"/>
+            <a:ext cx="10058400" cy="1450757"/>
+          </a:xfrm>
+        </p:spPr>
         <p:txBody>
           <a:bodyPr>
-            <a:normAutofit lnSpcReduction="10000"/>
+            <a:normAutofit/>
           </a:bodyPr>
           <a:lstStyle/>
           <a:p>
-            <a:pPr marL="0" indent="0">
-              <a:buNone/>
-            </a:pPr>
-            <a:endParaRPr lang="en-US" dirty="0"/>
-          </a:p>
-          <a:p>
-            <a:r>
-              <a:rPr lang="en-US" sz="19900" dirty="0"/>
-              <a:t>=)</a:t>
-            </a:r>
-          </a:p>
-          <a:p>
-            <a:endParaRPr lang="en-US" dirty="0"/>
-          </a:p>
-          <a:p>
-            <a:endParaRPr lang="en-US" dirty="0"/>
+            <a:r>
+              <a:rPr lang="en-US" sz="2400" dirty="0"/>
+              <a:t>Modulo 5: </a:t>
+            </a:r>
+            <a:br>
+              <a:rPr lang="en-US" sz="2400" dirty="0"/>
+            </a:br>
+            <a:r>
+              <a:rPr lang="en-US" sz="2400" dirty="0"/>
+              <a:t>5. </a:t>
+            </a:r>
+            <a:r>
+              <a:rPr lang="en-US" sz="2400" dirty="0" err="1"/>
+              <a:t>Asignación</a:t>
+            </a:r>
+            <a:r>
+              <a:rPr lang="en-US" sz="2400" dirty="0"/>
+              <a:t> por </a:t>
+            </a:r>
+            <a:r>
+              <a:rPr lang="en-US" sz="2400" dirty="0" err="1"/>
+              <a:t>Destructuring</a:t>
+            </a:r>
+            <a:endParaRPr lang="es-ES" sz="2400" dirty="0"/>
           </a:p>
         </p:txBody>
       </p:sp>
     </p:spTree>
     <p:extLst>
       <p:ext uri="{BB962C8B-B14F-4D97-AF65-F5344CB8AC3E}">
-        <p14:creationId xmlns:p14="http://schemas.microsoft.com/office/powerpoint/2010/main" val="37230621"/>
+        <p14:creationId xmlns:p14="http://schemas.microsoft.com/office/powerpoint/2010/main" val="3172333793"/>
+      </p:ext>
+    </p:extLst>
+  </p:cSld>
+  <p:clrMapOvr>
+    <a:masterClrMapping/>
+  </p:clrMapOvr>
+</p:sld>
+</file>
+
+<file path=ppt/slides/slide125.xml><?xml version="1.0" encoding="utf-8"?>
+<p:sld xmlns:a="http://schemas.openxmlformats.org/drawingml/2006/main" xmlns:r="http://schemas.openxmlformats.org/officeDocument/2006/relationships" xmlns:p="http://schemas.openxmlformats.org/presentationml/2006/main">
+  <p:cSld>
+    <p:spTree>
+      <p:nvGrpSpPr>
+        <p:cNvPr id="1" name=""/>
+        <p:cNvGrpSpPr/>
+        <p:nvPr/>
+      </p:nvGrpSpPr>
+      <p:grpSpPr>
+        <a:xfrm>
+          <a:off x="0" y="0"/>
+          <a:ext cx="0" cy="0"/>
+          <a:chOff x="0" y="0"/>
+          <a:chExt cx="0" cy="0"/>
+        </a:xfrm>
+      </p:grpSpPr>
+      <p:sp>
+        <p:nvSpPr>
+          <p:cNvPr id="2" name="Title 1">
+            <a:extLst>
+              <a:ext uri="{FF2B5EF4-FFF2-40B4-BE49-F238E27FC236}">
+                <a16:creationId xmlns:a16="http://schemas.microsoft.com/office/drawing/2014/main" id="{505778FD-F398-47CF-BDF8-D0EF7B6F2D92}"/>
+              </a:ext>
+            </a:extLst>
+          </p:cNvPr>
+          <p:cNvSpPr>
+            <a:spLocks noGrp="1"/>
+          </p:cNvSpPr>
+          <p:nvPr>
+            <p:ph type="title"/>
+          </p:nvPr>
+        </p:nvSpPr>
+        <p:spPr>
+          <a:xfrm>
+            <a:off x="1097280" y="286603"/>
+            <a:ext cx="10058400" cy="1450757"/>
+          </a:xfrm>
+        </p:spPr>
+        <p:txBody>
+          <a:bodyPr>
+            <a:normAutofit/>
+          </a:bodyPr>
+          <a:lstStyle/>
+          <a:p>
+            <a:r>
+              <a:rPr lang="en-US" sz="2400" dirty="0"/>
+              <a:t>Modulo 5: </a:t>
+            </a:r>
+            <a:br>
+              <a:rPr lang="en-US" sz="2400" dirty="0"/>
+            </a:br>
+            <a:r>
+              <a:rPr lang="en-US" sz="2400" dirty="0"/>
+              <a:t>6. </a:t>
+            </a:r>
+            <a:r>
+              <a:rPr lang="es-ES" sz="2400" dirty="0" err="1"/>
+              <a:t>Destructuring</a:t>
+            </a:r>
+            <a:r>
+              <a:rPr lang="es-ES" sz="2400" dirty="0"/>
+              <a:t> a Arreglos y Objetos</a:t>
+            </a:r>
+          </a:p>
+        </p:txBody>
+      </p:sp>
+    </p:spTree>
+    <p:extLst>
+      <p:ext uri="{BB962C8B-B14F-4D97-AF65-F5344CB8AC3E}">
+        <p14:creationId xmlns:p14="http://schemas.microsoft.com/office/powerpoint/2010/main" val="218142265"/>
+      </p:ext>
+    </p:extLst>
+  </p:cSld>
+  <p:clrMapOvr>
+    <a:masterClrMapping/>
+  </p:clrMapOvr>
+</p:sld>
+</file>
+
+<file path=ppt/slides/slide126.xml><?xml version="1.0" encoding="utf-8"?>
+<p:sld xmlns:a="http://schemas.openxmlformats.org/drawingml/2006/main" xmlns:r="http://schemas.openxmlformats.org/officeDocument/2006/relationships" xmlns:p="http://schemas.openxmlformats.org/presentationml/2006/main">
+  <p:cSld>
+    <p:spTree>
+      <p:nvGrpSpPr>
+        <p:cNvPr id="1" name=""/>
+        <p:cNvGrpSpPr/>
+        <p:nvPr/>
+      </p:nvGrpSpPr>
+      <p:grpSpPr>
+        <a:xfrm>
+          <a:off x="0" y="0"/>
+          <a:ext cx="0" cy="0"/>
+          <a:chOff x="0" y="0"/>
+          <a:chExt cx="0" cy="0"/>
+        </a:xfrm>
+      </p:grpSpPr>
+      <p:sp>
+        <p:nvSpPr>
+          <p:cNvPr id="2" name="Title 1">
+            <a:extLst>
+              <a:ext uri="{FF2B5EF4-FFF2-40B4-BE49-F238E27FC236}">
+                <a16:creationId xmlns:a16="http://schemas.microsoft.com/office/drawing/2014/main" id="{505778FD-F398-47CF-BDF8-D0EF7B6F2D92}"/>
+              </a:ext>
+            </a:extLst>
+          </p:cNvPr>
+          <p:cNvSpPr>
+            <a:spLocks noGrp="1"/>
+          </p:cNvSpPr>
+          <p:nvPr>
+            <p:ph type="title"/>
+          </p:nvPr>
+        </p:nvSpPr>
+        <p:spPr>
+          <a:xfrm>
+            <a:off x="1097280" y="286603"/>
+            <a:ext cx="10058400" cy="1450757"/>
+          </a:xfrm>
+        </p:spPr>
+        <p:txBody>
+          <a:bodyPr>
+            <a:normAutofit/>
+          </a:bodyPr>
+          <a:lstStyle/>
+          <a:p>
+            <a:r>
+              <a:rPr lang="en-US" sz="2400" dirty="0"/>
+              <a:t>Modulo 5: </a:t>
+            </a:r>
+            <a:br>
+              <a:rPr lang="en-US" sz="2400" dirty="0"/>
+            </a:br>
+            <a:r>
+              <a:rPr lang="en-US" sz="2400" dirty="0"/>
+              <a:t>7. </a:t>
+            </a:r>
+            <a:r>
+              <a:rPr lang="en-US" sz="2400" dirty="0" err="1"/>
+              <a:t>Destructuring</a:t>
+            </a:r>
+            <a:r>
+              <a:rPr lang="en-US" sz="2400" dirty="0"/>
+              <a:t> a </a:t>
+            </a:r>
+            <a:r>
+              <a:rPr lang="en-US" sz="2400" dirty="0" err="1"/>
+              <a:t>Funciones</a:t>
+            </a:r>
+            <a:endParaRPr lang="es-ES" sz="2400" dirty="0"/>
+          </a:p>
+        </p:txBody>
+      </p:sp>
+    </p:spTree>
+    <p:extLst>
+      <p:ext uri="{BB962C8B-B14F-4D97-AF65-F5344CB8AC3E}">
+        <p14:creationId xmlns:p14="http://schemas.microsoft.com/office/powerpoint/2010/main" val="1036898138"/>
+      </p:ext>
+    </p:extLst>
+  </p:cSld>
+  <p:clrMapOvr>
+    <a:masterClrMapping/>
+  </p:clrMapOvr>
+</p:sld>
+</file>
+
+<file path=ppt/slides/slide127.xml><?xml version="1.0" encoding="utf-8"?>
+<p:sld xmlns:a="http://schemas.openxmlformats.org/drawingml/2006/main" xmlns:r="http://schemas.openxmlformats.org/officeDocument/2006/relationships" xmlns:p="http://schemas.openxmlformats.org/presentationml/2006/main">
+  <p:cSld>
+    <p:spTree>
+      <p:nvGrpSpPr>
+        <p:cNvPr id="1" name=""/>
+        <p:cNvGrpSpPr/>
+        <p:nvPr/>
+      </p:nvGrpSpPr>
+      <p:grpSpPr>
+        <a:xfrm>
+          <a:off x="0" y="0"/>
+          <a:ext cx="0" cy="0"/>
+          <a:chOff x="0" y="0"/>
+          <a:chExt cx="0" cy="0"/>
+        </a:xfrm>
+      </p:grpSpPr>
+      <p:sp>
+        <p:nvSpPr>
+          <p:cNvPr id="2" name="Title 1">
+            <a:extLst>
+              <a:ext uri="{FF2B5EF4-FFF2-40B4-BE49-F238E27FC236}">
+                <a16:creationId xmlns:a16="http://schemas.microsoft.com/office/drawing/2014/main" id="{505778FD-F398-47CF-BDF8-D0EF7B6F2D92}"/>
+              </a:ext>
+            </a:extLst>
+          </p:cNvPr>
+          <p:cNvSpPr>
+            <a:spLocks noGrp="1"/>
+          </p:cNvSpPr>
+          <p:nvPr>
+            <p:ph type="title"/>
+          </p:nvPr>
+        </p:nvSpPr>
+        <p:spPr>
+          <a:xfrm>
+            <a:off x="1097280" y="286603"/>
+            <a:ext cx="10058400" cy="1450757"/>
+          </a:xfrm>
+        </p:spPr>
+        <p:txBody>
+          <a:bodyPr>
+            <a:normAutofit/>
+          </a:bodyPr>
+          <a:lstStyle/>
+          <a:p>
+            <a:r>
+              <a:rPr lang="en-US" sz="2400" dirty="0"/>
+              <a:t>Modulo 5: </a:t>
+            </a:r>
+            <a:br>
+              <a:rPr lang="en-US" sz="2400" dirty="0"/>
+            </a:br>
+            <a:r>
+              <a:rPr lang="en-US" sz="2400" dirty="0"/>
+              <a:t>8. Symbols</a:t>
+            </a:r>
+            <a:endParaRPr lang="es-ES" sz="2400" dirty="0"/>
+          </a:p>
+        </p:txBody>
+      </p:sp>
+    </p:spTree>
+    <p:extLst>
+      <p:ext uri="{BB962C8B-B14F-4D97-AF65-F5344CB8AC3E}">
+        <p14:creationId xmlns:p14="http://schemas.microsoft.com/office/powerpoint/2010/main" val="1059173936"/>
+      </p:ext>
+    </p:extLst>
+  </p:cSld>
+  <p:clrMapOvr>
+    <a:masterClrMapping/>
+  </p:clrMapOvr>
+</p:sld>
+</file>
+
+<file path=ppt/slides/slide128.xml><?xml version="1.0" encoding="utf-8"?>
+<p:sld xmlns:a="http://schemas.openxmlformats.org/drawingml/2006/main" xmlns:r="http://schemas.openxmlformats.org/officeDocument/2006/relationships" xmlns:p="http://schemas.openxmlformats.org/presentationml/2006/main">
+  <p:cSld>
+    <p:spTree>
+      <p:nvGrpSpPr>
+        <p:cNvPr id="1" name=""/>
+        <p:cNvGrpSpPr/>
+        <p:nvPr/>
+      </p:nvGrpSpPr>
+      <p:grpSpPr>
+        <a:xfrm>
+          <a:off x="0" y="0"/>
+          <a:ext cx="0" cy="0"/>
+          <a:chOff x="0" y="0"/>
+          <a:chExt cx="0" cy="0"/>
+        </a:xfrm>
+      </p:grpSpPr>
+      <p:sp>
+        <p:nvSpPr>
+          <p:cNvPr id="2" name="Title 1">
+            <a:extLst>
+              <a:ext uri="{FF2B5EF4-FFF2-40B4-BE49-F238E27FC236}">
+                <a16:creationId xmlns:a16="http://schemas.microsoft.com/office/drawing/2014/main" id="{505778FD-F398-47CF-BDF8-D0EF7B6F2D92}"/>
+              </a:ext>
+            </a:extLst>
+          </p:cNvPr>
+          <p:cNvSpPr>
+            <a:spLocks noGrp="1"/>
+          </p:cNvSpPr>
+          <p:nvPr>
+            <p:ph type="title"/>
+          </p:nvPr>
+        </p:nvSpPr>
+        <p:spPr>
+          <a:xfrm>
+            <a:off x="1097280" y="286603"/>
+            <a:ext cx="10058400" cy="1450757"/>
+          </a:xfrm>
+        </p:spPr>
+        <p:txBody>
+          <a:bodyPr>
+            <a:normAutofit/>
+          </a:bodyPr>
+          <a:lstStyle/>
+          <a:p>
+            <a:r>
+              <a:rPr lang="en-US" sz="2400" dirty="0"/>
+              <a:t>Modulo 5: </a:t>
+            </a:r>
+            <a:br>
+              <a:rPr lang="en-US" sz="2400" dirty="0"/>
+            </a:br>
+            <a:r>
+              <a:rPr lang="en-US" sz="2400" dirty="0"/>
+              <a:t>9. Sets</a:t>
+            </a:r>
+            <a:endParaRPr lang="es-ES" sz="2400" dirty="0"/>
+          </a:p>
+        </p:txBody>
+      </p:sp>
+    </p:spTree>
+    <p:extLst>
+      <p:ext uri="{BB962C8B-B14F-4D97-AF65-F5344CB8AC3E}">
+        <p14:creationId xmlns:p14="http://schemas.microsoft.com/office/powerpoint/2010/main" val="2204286754"/>
+      </p:ext>
+    </p:extLst>
+  </p:cSld>
+  <p:clrMapOvr>
+    <a:masterClrMapping/>
+  </p:clrMapOvr>
+</p:sld>
+</file>
+
+<file path=ppt/slides/slide129.xml><?xml version="1.0" encoding="utf-8"?>
+<p:sld xmlns:a="http://schemas.openxmlformats.org/drawingml/2006/main" xmlns:r="http://schemas.openxmlformats.org/officeDocument/2006/relationships" xmlns:p="http://schemas.openxmlformats.org/presentationml/2006/main">
+  <p:cSld>
+    <p:spTree>
+      <p:nvGrpSpPr>
+        <p:cNvPr id="1" name=""/>
+        <p:cNvGrpSpPr/>
+        <p:nvPr/>
+      </p:nvGrpSpPr>
+      <p:grpSpPr>
+        <a:xfrm>
+          <a:off x="0" y="0"/>
+          <a:ext cx="0" cy="0"/>
+          <a:chOff x="0" y="0"/>
+          <a:chExt cx="0" cy="0"/>
+        </a:xfrm>
+      </p:grpSpPr>
+      <p:sp>
+        <p:nvSpPr>
+          <p:cNvPr id="2" name="Title 1">
+            <a:extLst>
+              <a:ext uri="{FF2B5EF4-FFF2-40B4-BE49-F238E27FC236}">
+                <a16:creationId xmlns:a16="http://schemas.microsoft.com/office/drawing/2014/main" id="{505778FD-F398-47CF-BDF8-D0EF7B6F2D92}"/>
+              </a:ext>
+            </a:extLst>
+          </p:cNvPr>
+          <p:cNvSpPr>
+            <a:spLocks noGrp="1"/>
+          </p:cNvSpPr>
+          <p:nvPr>
+            <p:ph type="title"/>
+          </p:nvPr>
+        </p:nvSpPr>
+        <p:spPr>
+          <a:xfrm>
+            <a:off x="1097280" y="286603"/>
+            <a:ext cx="10058400" cy="1450757"/>
+          </a:xfrm>
+        </p:spPr>
+        <p:txBody>
+          <a:bodyPr>
+            <a:normAutofit/>
+          </a:bodyPr>
+          <a:lstStyle/>
+          <a:p>
+            <a:r>
+              <a:rPr lang="en-US" sz="2400" dirty="0"/>
+              <a:t>Modulo 5: </a:t>
+            </a:r>
+            <a:br>
+              <a:rPr lang="en-US" sz="2400" dirty="0"/>
+            </a:br>
+            <a:r>
+              <a:rPr lang="en-US" sz="2400" dirty="0"/>
+              <a:t>10. Maps</a:t>
+            </a:r>
+            <a:endParaRPr lang="es-ES" sz="2400" dirty="0"/>
+          </a:p>
+        </p:txBody>
+      </p:sp>
+    </p:spTree>
+    <p:extLst>
+      <p:ext uri="{BB962C8B-B14F-4D97-AF65-F5344CB8AC3E}">
+        <p14:creationId xmlns:p14="http://schemas.microsoft.com/office/powerpoint/2010/main" val="955868722"/>
       </p:ext>
     </p:extLst>
   </p:cSld>
@@ -7989,6 +8759,344 @@
       </p:par>
     </p:tnLst>
   </p:timing>
+</p:sld>
+</file>
+
+<file path=ppt/slides/slide130.xml><?xml version="1.0" encoding="utf-8"?>
+<p:sld xmlns:a="http://schemas.openxmlformats.org/drawingml/2006/main" xmlns:r="http://schemas.openxmlformats.org/officeDocument/2006/relationships" xmlns:p="http://schemas.openxmlformats.org/presentationml/2006/main">
+  <p:cSld>
+    <p:spTree>
+      <p:nvGrpSpPr>
+        <p:cNvPr id="1" name=""/>
+        <p:cNvGrpSpPr/>
+        <p:nvPr/>
+      </p:nvGrpSpPr>
+      <p:grpSpPr>
+        <a:xfrm>
+          <a:off x="0" y="0"/>
+          <a:ext cx="0" cy="0"/>
+          <a:chOff x="0" y="0"/>
+          <a:chExt cx="0" cy="0"/>
+        </a:xfrm>
+      </p:grpSpPr>
+      <p:sp>
+        <p:nvSpPr>
+          <p:cNvPr id="2" name="Title 1">
+            <a:extLst>
+              <a:ext uri="{FF2B5EF4-FFF2-40B4-BE49-F238E27FC236}">
+                <a16:creationId xmlns:a16="http://schemas.microsoft.com/office/drawing/2014/main" id="{505778FD-F398-47CF-BDF8-D0EF7B6F2D92}"/>
+              </a:ext>
+            </a:extLst>
+          </p:cNvPr>
+          <p:cNvSpPr>
+            <a:spLocks noGrp="1"/>
+          </p:cNvSpPr>
+          <p:nvPr>
+            <p:ph type="title"/>
+          </p:nvPr>
+        </p:nvSpPr>
+        <p:spPr>
+          <a:xfrm>
+            <a:off x="1097280" y="286603"/>
+            <a:ext cx="10058400" cy="1450757"/>
+          </a:xfrm>
+        </p:spPr>
+        <p:txBody>
+          <a:bodyPr>
+            <a:normAutofit/>
+          </a:bodyPr>
+          <a:lstStyle/>
+          <a:p>
+            <a:r>
+              <a:rPr lang="en-US" sz="2400" dirty="0"/>
+              <a:t>Modulo 5: </a:t>
+            </a:r>
+            <a:br>
+              <a:rPr lang="en-US" sz="2400" dirty="0"/>
+            </a:br>
+            <a:r>
+              <a:rPr lang="en-US" sz="2400" dirty="0"/>
+              <a:t>11. </a:t>
+            </a:r>
+            <a:r>
+              <a:rPr lang="en-US" sz="2400" dirty="0" err="1"/>
+              <a:t>Iteradores</a:t>
+            </a:r>
+            <a:endParaRPr lang="es-ES" sz="2400" dirty="0"/>
+          </a:p>
+        </p:txBody>
+      </p:sp>
+    </p:spTree>
+    <p:extLst>
+      <p:ext uri="{BB962C8B-B14F-4D97-AF65-F5344CB8AC3E}">
+        <p14:creationId xmlns:p14="http://schemas.microsoft.com/office/powerpoint/2010/main" val="1405260807"/>
+      </p:ext>
+    </p:extLst>
+  </p:cSld>
+  <p:clrMapOvr>
+    <a:masterClrMapping/>
+  </p:clrMapOvr>
+</p:sld>
+</file>
+
+<file path=ppt/slides/slide131.xml><?xml version="1.0" encoding="utf-8"?>
+<p:sld xmlns:a="http://schemas.openxmlformats.org/drawingml/2006/main" xmlns:r="http://schemas.openxmlformats.org/officeDocument/2006/relationships" xmlns:p="http://schemas.openxmlformats.org/presentationml/2006/main">
+  <p:cSld>
+    <p:spTree>
+      <p:nvGrpSpPr>
+        <p:cNvPr id="1" name=""/>
+        <p:cNvGrpSpPr/>
+        <p:nvPr/>
+      </p:nvGrpSpPr>
+      <p:grpSpPr>
+        <a:xfrm>
+          <a:off x="0" y="0"/>
+          <a:ext cx="0" cy="0"/>
+          <a:chOff x="0" y="0"/>
+          <a:chExt cx="0" cy="0"/>
+        </a:xfrm>
+      </p:grpSpPr>
+      <p:sp>
+        <p:nvSpPr>
+          <p:cNvPr id="2" name="Title 1">
+            <a:extLst>
+              <a:ext uri="{FF2B5EF4-FFF2-40B4-BE49-F238E27FC236}">
+                <a16:creationId xmlns:a16="http://schemas.microsoft.com/office/drawing/2014/main" id="{505778FD-F398-47CF-BDF8-D0EF7B6F2D92}"/>
+              </a:ext>
+            </a:extLst>
+          </p:cNvPr>
+          <p:cNvSpPr>
+            <a:spLocks noGrp="1"/>
+          </p:cNvSpPr>
+          <p:nvPr>
+            <p:ph type="title"/>
+          </p:nvPr>
+        </p:nvSpPr>
+        <p:spPr>
+          <a:xfrm>
+            <a:off x="1097280" y="286603"/>
+            <a:ext cx="10058400" cy="1450757"/>
+          </a:xfrm>
+        </p:spPr>
+        <p:txBody>
+          <a:bodyPr>
+            <a:normAutofit/>
+          </a:bodyPr>
+          <a:lstStyle/>
+          <a:p>
+            <a:r>
+              <a:rPr lang="en-US" sz="2400" dirty="0"/>
+              <a:t>Modulo 5: </a:t>
+            </a:r>
+            <a:br>
+              <a:rPr lang="en-US" sz="2400" dirty="0"/>
+            </a:br>
+            <a:r>
+              <a:rPr lang="en-US" sz="2400" dirty="0"/>
+              <a:t>12. </a:t>
+            </a:r>
+            <a:r>
+              <a:rPr lang="en-US" sz="2400" dirty="0" err="1"/>
+              <a:t>Generadores</a:t>
+            </a:r>
+            <a:endParaRPr lang="es-ES" sz="2400" dirty="0"/>
+          </a:p>
+        </p:txBody>
+      </p:sp>
+    </p:spTree>
+    <p:extLst>
+      <p:ext uri="{BB962C8B-B14F-4D97-AF65-F5344CB8AC3E}">
+        <p14:creationId xmlns:p14="http://schemas.microsoft.com/office/powerpoint/2010/main" val="3253368815"/>
+      </p:ext>
+    </p:extLst>
+  </p:cSld>
+  <p:clrMapOvr>
+    <a:masterClrMapping/>
+  </p:clrMapOvr>
+</p:sld>
+</file>
+
+<file path=ppt/slides/slide132.xml><?xml version="1.0" encoding="utf-8"?>
+<p:sld xmlns:a="http://schemas.openxmlformats.org/drawingml/2006/main" xmlns:r="http://schemas.openxmlformats.org/officeDocument/2006/relationships" xmlns:p="http://schemas.openxmlformats.org/presentationml/2006/main">
+  <p:cSld>
+    <p:spTree>
+      <p:nvGrpSpPr>
+        <p:cNvPr id="1" name=""/>
+        <p:cNvGrpSpPr/>
+        <p:nvPr/>
+      </p:nvGrpSpPr>
+      <p:grpSpPr>
+        <a:xfrm>
+          <a:off x="0" y="0"/>
+          <a:ext cx="0" cy="0"/>
+          <a:chOff x="0" y="0"/>
+          <a:chExt cx="0" cy="0"/>
+        </a:xfrm>
+      </p:grpSpPr>
+      <p:sp>
+        <p:nvSpPr>
+          <p:cNvPr id="2" name="Title 1">
+            <a:extLst>
+              <a:ext uri="{FF2B5EF4-FFF2-40B4-BE49-F238E27FC236}">
+                <a16:creationId xmlns:a16="http://schemas.microsoft.com/office/drawing/2014/main" id="{505778FD-F398-47CF-BDF8-D0EF7B6F2D92}"/>
+              </a:ext>
+            </a:extLst>
+          </p:cNvPr>
+          <p:cNvSpPr>
+            <a:spLocks noGrp="1"/>
+          </p:cNvSpPr>
+          <p:nvPr>
+            <p:ph type="title"/>
+          </p:nvPr>
+        </p:nvSpPr>
+        <p:spPr>
+          <a:xfrm>
+            <a:off x="1097280" y="286603"/>
+            <a:ext cx="10058400" cy="1450757"/>
+          </a:xfrm>
+        </p:spPr>
+        <p:txBody>
+          <a:bodyPr>
+            <a:normAutofit/>
+          </a:bodyPr>
+          <a:lstStyle/>
+          <a:p>
+            <a:r>
+              <a:rPr lang="en-US" sz="2400" dirty="0"/>
+              <a:t>Modulo 5: </a:t>
+            </a:r>
+            <a:br>
+              <a:rPr lang="en-US" sz="2400" dirty="0"/>
+            </a:br>
+            <a:r>
+              <a:rPr lang="en-US" sz="2400" dirty="0"/>
+              <a:t>13. </a:t>
+            </a:r>
+            <a:r>
+              <a:rPr lang="en-US" sz="2400" dirty="0" err="1"/>
+              <a:t>Contenido</a:t>
+            </a:r>
+            <a:r>
+              <a:rPr lang="en-US" sz="2400" dirty="0"/>
+              <a:t> Extra</a:t>
+            </a:r>
+            <a:endParaRPr lang="es-ES" sz="2400" dirty="0"/>
+          </a:p>
+        </p:txBody>
+      </p:sp>
+    </p:spTree>
+    <p:extLst>
+      <p:ext uri="{BB962C8B-B14F-4D97-AF65-F5344CB8AC3E}">
+        <p14:creationId xmlns:p14="http://schemas.microsoft.com/office/powerpoint/2010/main" val="630391730"/>
+      </p:ext>
+    </p:extLst>
+  </p:cSld>
+  <p:clrMapOvr>
+    <a:masterClrMapping/>
+  </p:clrMapOvr>
+</p:sld>
+</file>
+
+<file path=ppt/slides/slide133.xml><?xml version="1.0" encoding="utf-8"?>
+<p:sld xmlns:a="http://schemas.openxmlformats.org/drawingml/2006/main" xmlns:r="http://schemas.openxmlformats.org/officeDocument/2006/relationships" xmlns:p="http://schemas.openxmlformats.org/presentationml/2006/main">
+  <p:cSld>
+    <p:spTree>
+      <p:nvGrpSpPr>
+        <p:cNvPr id="1" name=""/>
+        <p:cNvGrpSpPr/>
+        <p:nvPr/>
+      </p:nvGrpSpPr>
+      <p:grpSpPr>
+        <a:xfrm>
+          <a:off x="0" y="0"/>
+          <a:ext cx="0" cy="0"/>
+          <a:chOff x="0" y="0"/>
+          <a:chExt cx="0" cy="0"/>
+        </a:xfrm>
+      </p:grpSpPr>
+      <p:sp>
+        <p:nvSpPr>
+          <p:cNvPr id="2" name="Title 1">
+            <a:extLst>
+              <a:ext uri="{FF2B5EF4-FFF2-40B4-BE49-F238E27FC236}">
+                <a16:creationId xmlns:a16="http://schemas.microsoft.com/office/drawing/2014/main" id="{30B05211-5870-41C2-A433-2CFF4294DEFC}"/>
+              </a:ext>
+            </a:extLst>
+          </p:cNvPr>
+          <p:cNvSpPr>
+            <a:spLocks noGrp="1"/>
+          </p:cNvSpPr>
+          <p:nvPr>
+            <p:ph type="title"/>
+          </p:nvPr>
+        </p:nvSpPr>
+        <p:spPr/>
+        <p:txBody>
+          <a:bodyPr>
+            <a:normAutofit/>
+          </a:bodyPr>
+          <a:lstStyle/>
+          <a:p>
+            <a:r>
+              <a:rPr lang="es-MX" dirty="0"/>
+              <a:t>Muchas gracias</a:t>
+            </a:r>
+            <a:endParaRPr lang="en-US" sz="1200" dirty="0"/>
+          </a:p>
+        </p:txBody>
+      </p:sp>
+      <p:sp>
+        <p:nvSpPr>
+          <p:cNvPr id="3" name="Content Placeholder 2">
+            <a:extLst>
+              <a:ext uri="{FF2B5EF4-FFF2-40B4-BE49-F238E27FC236}">
+                <a16:creationId xmlns:a16="http://schemas.microsoft.com/office/drawing/2014/main" id="{BD82A03C-CB9F-4F1E-A785-E076BA990662}"/>
+              </a:ext>
+            </a:extLst>
+          </p:cNvPr>
+          <p:cNvSpPr>
+            <a:spLocks noGrp="1"/>
+          </p:cNvSpPr>
+          <p:nvPr>
+            <p:ph idx="1"/>
+          </p:nvPr>
+        </p:nvSpPr>
+        <p:spPr/>
+        <p:txBody>
+          <a:bodyPr>
+            <a:normAutofit lnSpcReduction="10000"/>
+          </a:bodyPr>
+          <a:lstStyle/>
+          <a:p>
+            <a:pPr marL="0" indent="0">
+              <a:buNone/>
+            </a:pPr>
+            <a:endParaRPr lang="en-US" dirty="0"/>
+          </a:p>
+          <a:p>
+            <a:r>
+              <a:rPr lang="en-US" sz="19900" dirty="0"/>
+              <a:t>=)</a:t>
+            </a:r>
+          </a:p>
+          <a:p>
+            <a:endParaRPr lang="en-US" dirty="0"/>
+          </a:p>
+          <a:p>
+            <a:endParaRPr lang="en-US" dirty="0"/>
+          </a:p>
+        </p:txBody>
+      </p:sp>
+    </p:spTree>
+    <p:extLst>
+      <p:ext uri="{BB962C8B-B14F-4D97-AF65-F5344CB8AC3E}">
+        <p14:creationId xmlns:p14="http://schemas.microsoft.com/office/powerpoint/2010/main" val="37230621"/>
+      </p:ext>
+    </p:extLst>
+  </p:cSld>
+  <p:clrMapOvr>
+    <a:masterClrMapping/>
+  </p:clrMapOvr>
 </p:sld>
 </file>
 
@@ -9187,8 +10295,13 @@
           <a:p>
             <a:r>
               <a:rPr lang="es-ES" b="1" dirty="0"/>
-              <a:t>A) Modulo 1</a:t>
-            </a:r>
+              <a:t>A) Modulo </a:t>
+            </a:r>
+            <a:r>
+              <a:rPr lang="es-ES" b="1" dirty="0" smtClean="0"/>
+              <a:t>1</a:t>
+            </a:r>
+            <a:endParaRPr lang="es-ES" b="1" dirty="0"/>
           </a:p>
           <a:p>
             <a:pPr marL="800100" lvl="1" indent="-342900">
@@ -9196,27 +10309,15 @@
               <a:buAutoNum type="arabicPeriod"/>
             </a:pPr>
             <a:r>
-              <a:rPr lang="es-ES" dirty="0">
-                <a:highlight>
-                  <a:srgbClr val="00FF00"/>
-                </a:highlight>
-              </a:rPr>
+              <a:rPr lang="es-MX" dirty="0"/>
               <a:t>¿Que es </a:t>
             </a:r>
             <a:r>
-              <a:rPr lang="es-ES" dirty="0" err="1">
-                <a:highlight>
-                  <a:srgbClr val="00FF00"/>
-                </a:highlight>
-              </a:rPr>
+              <a:rPr lang="es-MX" dirty="0" err="1"/>
               <a:t>Javascript</a:t>
             </a:r>
             <a:r>
-              <a:rPr lang="es-ES" dirty="0">
-                <a:highlight>
-                  <a:srgbClr val="00FF00"/>
-                </a:highlight>
-              </a:rPr>
+              <a:rPr lang="es-MX" dirty="0"/>
               <a:t> y como funciona?</a:t>
             </a:r>
           </a:p>
@@ -9226,11 +10327,7 @@
               <a:buAutoNum type="arabicPeriod"/>
             </a:pPr>
             <a:r>
-              <a:rPr lang="es-ES" dirty="0">
-                <a:highlight>
-                  <a:srgbClr val="00FF00"/>
-                </a:highlight>
-              </a:rPr>
+              <a:rPr lang="es-MX" dirty="0"/>
               <a:t>Como usar la consola de JavaScript usando Google Chrome</a:t>
             </a:r>
           </a:p>
@@ -9240,11 +10337,7 @@
               <a:buAutoNum type="arabicPeriod"/>
             </a:pPr>
             <a:r>
-              <a:rPr lang="es-ES" dirty="0">
-                <a:highlight>
-                  <a:srgbClr val="00FF00"/>
-                </a:highlight>
-              </a:rPr>
+              <a:rPr lang="es-MX" dirty="0"/>
               <a:t>Tipos de datos en JavaScript</a:t>
             </a:r>
           </a:p>
@@ -9254,11 +10347,7 @@
               <a:buAutoNum type="arabicPeriod"/>
             </a:pPr>
             <a:r>
-              <a:rPr lang="es-ES" dirty="0">
-                <a:highlight>
-                  <a:srgbClr val="00FF00"/>
-                </a:highlight>
-              </a:rPr>
+              <a:rPr lang="es-MX" dirty="0"/>
               <a:t>Operadores en JavaScript  </a:t>
             </a:r>
           </a:p>
@@ -9268,7 +10357,7 @@
               <a:buAutoNum type="arabicPeriod"/>
             </a:pPr>
             <a:r>
-              <a:rPr lang="es-ES" b="1" dirty="0"/>
+              <a:rPr lang="es-MX" dirty="0"/>
               <a:t>Conversión de tipos </a:t>
             </a:r>
           </a:p>
@@ -9278,26 +10367,38 @@
               <a:buAutoNum type="arabicPeriod"/>
             </a:pPr>
             <a:r>
-              <a:rPr lang="es-ES" b="1" dirty="0" err="1" smtClean="0"/>
+              <a:rPr lang="es-MX" dirty="0" err="1"/>
               <a:t>Template</a:t>
             </a:r>
             <a:r>
-              <a:rPr lang="es-ES" b="1" dirty="0" smtClean="0"/>
+              <a:rPr lang="es-MX" dirty="0"/>
               <a:t> </a:t>
             </a:r>
             <a:r>
-              <a:rPr lang="es-ES" b="1" dirty="0" err="1" smtClean="0"/>
-              <a:t>Strin</a:t>
-            </a:r>
-            <a:r>
-              <a:rPr lang="es-ES" b="1" dirty="0" err="1" smtClean="0"/>
-              <a:t>g</a:t>
-            </a:r>
-            <a:r>
-              <a:rPr lang="es-ES" b="1" dirty="0" smtClean="0"/>
-              <a:t> (Plantilla de Cadenas)</a:t>
-            </a:r>
-            <a:endParaRPr lang="es-ES" b="1" dirty="0"/>
+              <a:rPr lang="es-MX" dirty="0" err="1"/>
+              <a:t>String</a:t>
+            </a:r>
+            <a:r>
+              <a:rPr lang="es-MX" dirty="0"/>
+              <a:t> (Plantilla de Cadenas</a:t>
+            </a:r>
+            <a:r>
+              <a:rPr lang="es-MX" dirty="0" smtClean="0"/>
+              <a:t>)</a:t>
+            </a:r>
+          </a:p>
+          <a:p>
+            <a:pPr marL="1257300" lvl="2" indent="-342900">
+              <a:buFont typeface="+mj-lt"/>
+              <a:buAutoNum type="arabicPeriod"/>
+            </a:pPr>
+            <a:r>
+              <a:rPr lang="es-MX" dirty="0" smtClean="0">
+                <a:hlinkClick r:id="rId2"/>
+              </a:rPr>
+              <a:t>Video de la Clase (Temas 1 a 5)</a:t>
+            </a:r>
+            <a:endParaRPr lang="es-MX" dirty="0"/>
           </a:p>
           <a:p>
             <a:pPr marL="800100" lvl="1" indent="-342900">
@@ -9305,7 +10406,7 @@
               <a:buAutoNum type="arabicPeriod"/>
             </a:pPr>
             <a:r>
-              <a:rPr lang="es-ES" b="1" dirty="0"/>
+              <a:rPr lang="es-MX" dirty="0"/>
               <a:t>Arreglos </a:t>
             </a:r>
           </a:p>
@@ -9315,12 +10416,8 @@
               <a:buAutoNum type="arabicPeriod"/>
             </a:pPr>
             <a:r>
-              <a:rPr lang="es-ES" b="1" dirty="0"/>
-              <a:t>Objetos</a:t>
-            </a:r>
-            <a:r>
-              <a:rPr lang="es-ES" dirty="0"/>
-              <a:t> </a:t>
+              <a:rPr lang="es-MX" dirty="0"/>
+              <a:t>Objetos </a:t>
             </a:r>
           </a:p>
           <a:p>
@@ -9329,7 +10426,7 @@
               <a:buAutoNum type="arabicPeriod"/>
             </a:pPr>
             <a:r>
-              <a:rPr lang="es-ES" b="1" dirty="0"/>
+              <a:rPr lang="es-MX" dirty="0"/>
               <a:t>Funciones en JavaScript</a:t>
             </a:r>
           </a:p>
@@ -9339,7 +10436,7 @@
               <a:buAutoNum type="arabicPeriod"/>
             </a:pPr>
             <a:r>
-              <a:rPr lang="es-ES" b="1" dirty="0"/>
+              <a:rPr lang="es-MX" dirty="0"/>
               <a:t>Manejando los errores con Try Catch  </a:t>
             </a:r>
           </a:p>
@@ -9349,7 +10446,7 @@
               <a:buAutoNum type="arabicPeriod"/>
             </a:pPr>
             <a:r>
-              <a:rPr lang="es-ES" b="1" dirty="0"/>
+              <a:rPr lang="es-MX" dirty="0"/>
               <a:t>Fechas en JavaScript  </a:t>
             </a:r>
           </a:p>
@@ -9359,12 +10456,9 @@
               <a:buAutoNum type="arabicPeriod"/>
             </a:pPr>
             <a:r>
-              <a:rPr lang="es-ES" dirty="0"/>
+              <a:rPr lang="es-MX" dirty="0"/>
               <a:t>Estructuras de Control, IF ELSE ELSEIF</a:t>
             </a:r>
-            <a:endParaRPr lang="en-IN" dirty="0"/>
-          </a:p>
-          <a:p>
             <a:endParaRPr lang="en-IN" dirty="0"/>
           </a:p>
         </p:txBody>
@@ -9372,7 +10466,7 @@
     </p:spTree>
     <p:extLst>
       <p:ext uri="{BB962C8B-B14F-4D97-AF65-F5344CB8AC3E}">
-        <p14:creationId xmlns:p14="http://schemas.microsoft.com/office/powerpoint/2010/main" val="4070456575"/>
+        <p14:creationId xmlns:p14="http://schemas.microsoft.com/office/powerpoint/2010/main" val="174904835"/>
       </p:ext>
     </p:extLst>
   </p:cSld>
@@ -15486,11 +16580,7 @@
             </a:r>
             <a:r>
               <a:rPr lang="es-ES" sz="2400" dirty="0"/>
-              <a:t>Funciones en </a:t>
-            </a:r>
-            <a:r>
-              <a:rPr lang="es-ES" sz="2400" dirty="0"/>
-              <a:t>JavaScript</a:t>
+              <a:t>Funciones en JavaScript</a:t>
             </a:r>
             <a:br>
               <a:rPr lang="es-ES" sz="2400" dirty="0"/>
@@ -15683,11 +16773,7 @@
             </a:r>
             <a:r>
               <a:rPr lang="es-ES" sz="2400" dirty="0"/>
-              <a:t>Funciones en </a:t>
-            </a:r>
-            <a:r>
-              <a:rPr lang="es-ES" sz="2400" dirty="0"/>
-              <a:t>JavaScript</a:t>
+              <a:t>Funciones en JavaScript</a:t>
             </a:r>
             <a:br>
               <a:rPr lang="es-ES" sz="2400" dirty="0"/>
@@ -15998,11 +17084,7 @@
             </a:r>
             <a:r>
               <a:rPr lang="es-ES" sz="2400" dirty="0"/>
-              <a:t>Funciones en </a:t>
-            </a:r>
-            <a:r>
-              <a:rPr lang="es-ES" sz="2400" dirty="0"/>
-              <a:t>JavaScript</a:t>
+              <a:t>Funciones en JavaScript</a:t>
             </a:r>
             <a:br>
               <a:rPr lang="es-ES" sz="2400" dirty="0"/>
@@ -16292,11 +17374,7 @@
             </a:r>
             <a:r>
               <a:rPr lang="es-ES" sz="2400" dirty="0"/>
-              <a:t>Funciones en </a:t>
-            </a:r>
-            <a:r>
-              <a:rPr lang="es-ES" sz="2400" dirty="0"/>
-              <a:t>JavaScript</a:t>
+              <a:t>Funciones en JavaScript</a:t>
             </a:r>
             <a:br>
               <a:rPr lang="es-ES" sz="2400" dirty="0"/>
@@ -16573,10 +17651,6 @@
               <a:rPr lang="es-ES" sz="2400" dirty="0"/>
               <a:t>Manejando los errores con Try Catch </a:t>
             </a:r>
-            <a:r>
-              <a:rPr lang="es-ES" sz="2400" dirty="0"/>
-              <a:t/>
-            </a:r>
             <a:br>
               <a:rPr lang="es-ES" sz="2400" dirty="0"/>
             </a:br>
@@ -16969,10 +18043,6 @@
               <a:rPr lang="es-ES" sz="2400" dirty="0"/>
               <a:t>Manejando los errores con Try Catch </a:t>
             </a:r>
-            <a:r>
-              <a:rPr lang="es-ES" sz="2400" dirty="0"/>
-              <a:t/>
-            </a:r>
             <a:br>
               <a:rPr lang="es-ES" sz="2400" dirty="0"/>
             </a:br>
@@ -17175,10 +18245,6 @@
               <a:rPr lang="es-ES" sz="2400" dirty="0"/>
               <a:t>Manejando los errores con Try Catch </a:t>
             </a:r>
-            <a:r>
-              <a:rPr lang="es-ES" sz="2400" dirty="0"/>
-              <a:t/>
-            </a:r>
             <a:br>
               <a:rPr lang="es-ES" sz="2400" dirty="0"/>
             </a:br>
@@ -17407,10 +18473,6 @@
               <a:rPr lang="es-ES" sz="2400" dirty="0"/>
               <a:t>Manejando los errores con Try Catch </a:t>
             </a:r>
-            <a:r>
-              <a:rPr lang="es-ES" sz="2400" dirty="0"/>
-              <a:t/>
-            </a:r>
             <a:br>
               <a:rPr lang="es-ES" sz="2400" dirty="0"/>
             </a:br>
@@ -17681,10 +18743,6 @@
             <a:r>
               <a:rPr lang="es-ES" sz="2400" dirty="0"/>
               <a:t>Manejando los errores con Try Catch </a:t>
-            </a:r>
-            <a:r>
-              <a:rPr lang="es-ES" sz="2400" dirty="0"/>
-              <a:t/>
             </a:r>
             <a:br>
               <a:rPr lang="es-ES" sz="2400" dirty="0"/>
@@ -17943,10 +19001,6 @@
               <a:rPr lang="es-ES" sz="2400" dirty="0"/>
               <a:t>Manejando los errores con Try Catch </a:t>
             </a:r>
-            <a:r>
-              <a:rPr lang="es-ES" sz="2400" dirty="0"/>
-              <a:t/>
-            </a:r>
             <a:br>
               <a:rPr lang="es-ES" sz="2400" dirty="0"/>
             </a:br>
@@ -18157,10 +19211,6 @@
               <a:rPr lang="es-ES" sz="2400" dirty="0"/>
               <a:t>Manejando los errores con Try Catch </a:t>
             </a:r>
-            <a:r>
-              <a:rPr lang="es-ES" sz="2400" dirty="0"/>
-              <a:t/>
-            </a:r>
             <a:br>
               <a:rPr lang="es-ES" sz="2400" dirty="0"/>
             </a:br>
@@ -18387,10 +19437,6 @@
               <a:rPr lang="es-ES" sz="2400" dirty="0"/>
               <a:t>Manejando los errores con Try Catch </a:t>
             </a:r>
-            <a:r>
-              <a:rPr lang="es-ES" sz="2400" dirty="0"/>
-              <a:t/>
-            </a:r>
             <a:br>
               <a:rPr lang="es-ES" sz="2400" dirty="0"/>
             </a:br>
@@ -18658,10 +19704,6 @@
             <a:r>
               <a:rPr lang="es-ES" sz="2400" dirty="0"/>
               <a:t>Manejando los errores con Try Catch </a:t>
-            </a:r>
-            <a:r>
-              <a:rPr lang="es-ES" sz="2400" dirty="0"/>
-              <a:t/>
             </a:r>
             <a:br>
               <a:rPr lang="es-ES" sz="2400" dirty="0"/>
@@ -18841,10 +19883,6 @@
               <a:rPr lang="es-ES" sz="2400" dirty="0"/>
               <a:t>Manejando los errores con Try Catch </a:t>
             </a:r>
-            <a:r>
-              <a:rPr lang="es-ES" sz="2400" dirty="0"/>
-              <a:t/>
-            </a:r>
             <a:br>
               <a:rPr lang="es-ES" sz="2400" dirty="0"/>
             </a:br>
@@ -19034,10 +20072,6 @@
               <a:rPr lang="es-ES" sz="2400" dirty="0"/>
               <a:t>Manejando los errores con Try Catch </a:t>
             </a:r>
-            <a:r>
-              <a:rPr lang="es-ES" sz="2400" dirty="0"/>
-              <a:t/>
-            </a:r>
             <a:br>
               <a:rPr lang="es-ES" sz="2400" dirty="0"/>
             </a:br>
@@ -20646,11 +21680,7 @@
             </a:r>
             <a:r>
               <a:rPr lang="es-ES" sz="2400" dirty="0"/>
-              <a:t>Estructuras de Control, IF ELSE </a:t>
-            </a:r>
-            <a:r>
-              <a:rPr lang="es-ES" sz="2400" dirty="0"/>
-              <a:t>ELSEIF</a:t>
+              <a:t>Estructuras de Control, IF ELSE ELSEIF</a:t>
             </a:r>
             <a:br>
               <a:rPr lang="es-ES" sz="2400" dirty="0"/>
@@ -20865,11 +21895,7 @@
             </a:r>
             <a:r>
               <a:rPr lang="es-ES" sz="2400" dirty="0"/>
-              <a:t>Estructuras de Control, IF ELSE </a:t>
-            </a:r>
-            <a:r>
-              <a:rPr lang="es-ES" sz="2400" dirty="0"/>
-              <a:t>ELSEIF</a:t>
+              <a:t>Estructuras de Control, IF ELSE ELSEIF</a:t>
             </a:r>
             <a:br>
               <a:rPr lang="es-ES" sz="2400" dirty="0"/>
@@ -21051,11 +22077,7 @@
             </a:r>
             <a:r>
               <a:rPr lang="es-ES" sz="2400" dirty="0"/>
-              <a:t>Estructuras de Control, IF ELSE </a:t>
-            </a:r>
-            <a:r>
-              <a:rPr lang="es-ES" sz="2400" dirty="0"/>
-              <a:t>ELSEIF</a:t>
+              <a:t>Estructuras de Control, IF ELSE ELSEIF</a:t>
             </a:r>
             <a:br>
               <a:rPr lang="es-ES" sz="2400" dirty="0"/>
@@ -21321,11 +22343,7 @@
             </a:r>
             <a:r>
               <a:rPr lang="es-ES" sz="2400" dirty="0"/>
-              <a:t>Estructuras de Control, IF ELSE </a:t>
-            </a:r>
-            <a:r>
-              <a:rPr lang="es-ES" sz="2400" dirty="0"/>
-              <a:t>ELSEIF</a:t>
+              <a:t>Estructuras de Control, IF ELSE ELSEIF</a:t>
             </a:r>
             <a:br>
               <a:rPr lang="es-ES" sz="2400" dirty="0"/>
@@ -21650,15 +22668,15 @@
               <a:buAutoNum type="arabicPeriod"/>
             </a:pPr>
             <a:r>
-              <a:rPr lang="en-IN" dirty="0"/>
+              <a:rPr lang="en-IN" b="1" dirty="0"/>
               <a:t>Switch </a:t>
             </a:r>
             <a:r>
-              <a:rPr lang="en-IN" dirty="0" err="1"/>
+              <a:rPr lang="en-IN" b="1" dirty="0" err="1"/>
               <a:t>en</a:t>
             </a:r>
             <a:r>
-              <a:rPr lang="en-IN" dirty="0"/>
+              <a:rPr lang="en-IN" b="1" dirty="0"/>
               <a:t> JavaScript  </a:t>
             </a:r>
           </a:p>
@@ -21668,11 +22686,11 @@
               <a:buAutoNum type="arabicPeriod"/>
             </a:pPr>
             <a:r>
-              <a:rPr lang="en-IN" dirty="0" err="1"/>
+              <a:rPr lang="en-IN" b="1" dirty="0" err="1"/>
               <a:t>Iteraciones</a:t>
             </a:r>
             <a:r>
-              <a:rPr lang="en-IN" dirty="0"/>
+              <a:rPr lang="en-IN" b="1" dirty="0"/>
               <a:t> - For Loop  </a:t>
             </a:r>
           </a:p>
@@ -21682,11 +22700,11 @@
               <a:buAutoNum type="arabicPeriod"/>
             </a:pPr>
             <a:r>
-              <a:rPr lang="en-IN" dirty="0" err="1"/>
+              <a:rPr lang="en-IN" b="1" dirty="0" err="1"/>
               <a:t>Iteraciones</a:t>
             </a:r>
             <a:r>
-              <a:rPr lang="en-IN" dirty="0"/>
+              <a:rPr lang="en-IN" b="1" dirty="0"/>
               <a:t> - While y Do While Loop  </a:t>
             </a:r>
           </a:p>
@@ -21696,12 +22714,12 @@
               <a:buAutoNum type="arabicPeriod"/>
             </a:pPr>
             <a:r>
-              <a:rPr lang="en-IN" dirty="0" err="1"/>
-              <a:t>forEach</a:t>
+              <a:rPr lang="en-IN" dirty="0" smtClean="0"/>
+              <a:t>Map </a:t>
             </a:r>
             <a:r>
               <a:rPr lang="en-IN" dirty="0"/>
-              <a:t>, Map e </a:t>
+              <a:t>e </a:t>
             </a:r>
             <a:r>
               <a:rPr lang="en-IN" dirty="0" err="1"/>
@@ -21711,6 +22729,7 @@
               <a:rPr lang="en-IN" dirty="0"/>
               <a:t>  </a:t>
             </a:r>
+            <a:endParaRPr lang="en-IN" dirty="0" smtClean="0"/>
           </a:p>
           <a:p>
             <a:pPr marL="800100" lvl="1" indent="-342900">
@@ -21718,37 +22737,30 @@
               <a:buAutoNum type="arabicPeriod"/>
             </a:pPr>
             <a:r>
-              <a:rPr lang="en-IN" dirty="0" err="1"/>
-              <a:t>Operadores</a:t>
-            </a:r>
-            <a:r>
-              <a:rPr lang="en-IN" dirty="0"/>
+              <a:rPr lang="en-IN" dirty="0" err="1" smtClean="0"/>
+              <a:t>Desestructuracion</a:t>
+            </a:r>
+            <a:r>
+              <a:rPr lang="en-IN" dirty="0" smtClean="0"/>
+              <a:t> de </a:t>
+            </a:r>
+            <a:r>
+              <a:rPr lang="en-IN" dirty="0" err="1" smtClean="0"/>
+              <a:t>Arreglos</a:t>
+            </a:r>
+            <a:r>
+              <a:rPr lang="en-IN" dirty="0" smtClean="0"/>
+              <a:t> &amp; </a:t>
+            </a:r>
+            <a:r>
+              <a:rPr lang="en-IN" dirty="0" err="1" smtClean="0"/>
+              <a:t>Objetos</a:t>
+            </a:r>
+            <a:r>
+              <a:rPr lang="en-IN" dirty="0" smtClean="0"/>
               <a:t> </a:t>
             </a:r>
-            <a:r>
-              <a:rPr lang="en-IN" dirty="0" err="1"/>
-              <a:t>en</a:t>
-            </a:r>
-            <a:r>
-              <a:rPr lang="en-IN" dirty="0"/>
-              <a:t> JavaScript </a:t>
-            </a:r>
-            <a:r>
-              <a:rPr lang="en-IN" dirty="0" err="1"/>
-              <a:t>ya</a:t>
-            </a:r>
-            <a:r>
-              <a:rPr lang="en-IN" dirty="0"/>
-              <a:t> </a:t>
-            </a:r>
-            <a:r>
-              <a:rPr lang="en-IN" dirty="0" err="1"/>
-              <a:t>incluidos</a:t>
-            </a:r>
-            <a:r>
-              <a:rPr lang="en-IN" dirty="0"/>
-              <a:t>  </a:t>
-            </a:r>
+            <a:endParaRPr lang="en-IN" dirty="0"/>
           </a:p>
           <a:p>
             <a:pPr marL="800100" lvl="1" indent="-342900">
@@ -21756,8 +22768,12 @@
               <a:buAutoNum type="arabicPeriod"/>
             </a:pPr>
             <a:r>
+              <a:rPr lang="en-IN" dirty="0" smtClean="0"/>
+              <a:t>Window </a:t>
+            </a:r>
+            <a:r>
               <a:rPr lang="en-IN" dirty="0"/>
-              <a:t>Window Object  </a:t>
+              <a:t>Object  </a:t>
             </a:r>
           </a:p>
           <a:p>
@@ -22099,11 +23115,119 @@
             </a:r>
             <a:r>
               <a:rPr lang="es-ES" sz="2400" dirty="0"/>
-              <a:t> en JavaScript </a:t>
-            </a:r>
-          </a:p>
-        </p:txBody>
-      </p:sp>
+              <a:t> en JavaScript</a:t>
+            </a:r>
+            <a:br>
+              <a:rPr lang="es-ES" sz="2400" dirty="0"/>
+            </a:br>
+            <a:r>
+              <a:rPr lang="es-ES" sz="1050" dirty="0">
+                <a:hlinkClick r:id="rId2"/>
+              </a:rPr>
+              <a:t>https://</a:t>
+            </a:r>
+            <a:r>
+              <a:rPr lang="es-ES" sz="1050" dirty="0" smtClean="0">
+                <a:hlinkClick r:id="rId2"/>
+              </a:rPr>
+              <a:t>www.w3schools.com/js/js_switch.asp</a:t>
+            </a:r>
+            <a:r>
+              <a:rPr lang="es-ES" sz="1050" dirty="0" smtClean="0"/>
+              <a:t> </a:t>
+            </a:r>
+            <a:r>
+              <a:rPr lang="es-ES" sz="2400" dirty="0" smtClean="0"/>
+              <a:t> </a:t>
+            </a:r>
+            <a:endParaRPr lang="es-ES" sz="2400" dirty="0"/>
+          </a:p>
+        </p:txBody>
+      </p:sp>
+      <p:sp>
+        <p:nvSpPr>
+          <p:cNvPr id="3" name="Rectángulo 2"/>
+          <p:cNvSpPr/>
+          <p:nvPr/>
+        </p:nvSpPr>
+        <p:spPr>
+          <a:xfrm>
+            <a:off x="1097280" y="1922140"/>
+            <a:ext cx="10149840" cy="1477328"/>
+          </a:xfrm>
+          <a:prstGeom prst="rect">
+            <a:avLst/>
+          </a:prstGeom>
+        </p:spPr>
+        <p:txBody>
+          <a:bodyPr wrap="square">
+            <a:spAutoFit/>
+          </a:bodyPr>
+          <a:lstStyle/>
+          <a:p>
+            <a:r>
+              <a:rPr lang="en-US" dirty="0"/>
+              <a:t>You can use multiple </a:t>
+            </a:r>
+            <a:r>
+              <a:rPr lang="en-US" b="1" dirty="0"/>
+              <a:t>if...else…if</a:t>
+            </a:r>
+            <a:r>
+              <a:rPr lang="en-US" dirty="0"/>
+              <a:t> </a:t>
+            </a:r>
+            <a:r>
+              <a:rPr lang="en-US" dirty="0" smtClean="0"/>
+              <a:t>statements to </a:t>
+            </a:r>
+            <a:r>
+              <a:rPr lang="en-US" dirty="0"/>
+              <a:t>perform a multiway branch. However, this is not always the best solution, especially when all of the branches depend on the value of a single variable</a:t>
+            </a:r>
+            <a:r>
+              <a:rPr lang="en-US" dirty="0" smtClean="0"/>
+              <a:t>.</a:t>
+            </a:r>
+          </a:p>
+          <a:p>
+            <a:r>
+              <a:rPr lang="en-US" dirty="0"/>
+              <a:t>Switch cases use strict comparison (===).</a:t>
+            </a:r>
+          </a:p>
+          <a:p>
+            <a:endParaRPr lang="en-US" dirty="0" smtClean="0"/>
+          </a:p>
+          <a:p>
+            <a:endParaRPr lang="en-US" dirty="0"/>
+          </a:p>
+        </p:txBody>
+      </p:sp>
+      <p:pic>
+        <p:nvPicPr>
+          <p:cNvPr id="4" name="Imagen 3"/>
+          <p:cNvPicPr>
+            <a:picLocks noChangeAspect="1"/>
+          </p:cNvPicPr>
+          <p:nvPr/>
+        </p:nvPicPr>
+        <p:blipFill>
+          <a:blip r:embed="rId3"/>
+          <a:stretch>
+            <a:fillRect/>
+          </a:stretch>
+        </p:blipFill>
+        <p:spPr>
+          <a:xfrm>
+            <a:off x="5598795" y="2660804"/>
+            <a:ext cx="3371850" cy="3733800"/>
+          </a:xfrm>
+          <a:prstGeom prst="rect">
+            <a:avLst/>
+          </a:prstGeom>
+        </p:spPr>
+      </p:pic>
     </p:spTree>
     <p:extLst>
       <p:ext uri="{BB962C8B-B14F-4D97-AF65-F5344CB8AC3E}">
@@ -22178,35 +23302,112 @@
             </a:br>
             <a:r>
               <a:rPr lang="en-US" sz="2400" dirty="0"/>
-              <a:t>2. </a:t>
+              <a:t>1. </a:t>
+            </a:r>
+            <a:r>
+              <a:rPr lang="es-ES" sz="2400" dirty="0" err="1"/>
+              <a:t>Switch</a:t>
             </a:r>
             <a:r>
               <a:rPr lang="es-ES" sz="2400" dirty="0"/>
-              <a:t>Iteraciones - </a:t>
-            </a:r>
-            <a:r>
-              <a:rPr lang="es-ES" sz="2400" dirty="0" err="1"/>
-              <a:t>For</a:t>
-            </a:r>
-            <a:r>
+              <a:t> en JavaScript</a:t>
+            </a:r>
+            <a:br>
               <a:rPr lang="es-ES" sz="2400" dirty="0"/>
+            </a:br>
+            <a:r>
+              <a:rPr lang="es-ES" sz="1050" dirty="0">
+                <a:hlinkClick r:id="rId2"/>
+              </a:rPr>
+              <a:t>https://</a:t>
+            </a:r>
+            <a:r>
+              <a:rPr lang="es-ES" sz="1050" dirty="0" smtClean="0">
+                <a:hlinkClick r:id="rId2"/>
+              </a:rPr>
+              <a:t>www.w3schools.com/js/js_switch.asp</a:t>
+            </a:r>
+            <a:r>
+              <a:rPr lang="es-ES" sz="1050" dirty="0" smtClean="0"/>
               <a:t> </a:t>
             </a:r>
             <a:r>
-              <a:rPr lang="es-ES" sz="2400" dirty="0" err="1"/>
-              <a:t>Loop</a:t>
-            </a:r>
-            <a:r>
-              <a:rPr lang="es-ES" sz="2400" dirty="0"/>
+              <a:rPr lang="es-ES" sz="2400" dirty="0" smtClean="0"/>
               <a:t> </a:t>
             </a:r>
-          </a:p>
-        </p:txBody>
-      </p:sp>
+            <a:endParaRPr lang="es-ES" sz="2400" dirty="0"/>
+          </a:p>
+        </p:txBody>
+      </p:sp>
+      <p:sp>
+        <p:nvSpPr>
+          <p:cNvPr id="3" name="Rectángulo 2"/>
+          <p:cNvSpPr/>
+          <p:nvPr/>
+        </p:nvSpPr>
+        <p:spPr>
+          <a:xfrm>
+            <a:off x="1097280" y="1922140"/>
+            <a:ext cx="10149840" cy="1754326"/>
+          </a:xfrm>
+          <a:prstGeom prst="rect">
+            <a:avLst/>
+          </a:prstGeom>
+        </p:spPr>
+        <p:txBody>
+          <a:bodyPr wrap="square">
+            <a:spAutoFit/>
+          </a:bodyPr>
+          <a:lstStyle/>
+          <a:p>
+            <a:r>
+              <a:rPr lang="en-US" dirty="0"/>
+              <a:t>The objective of a switch statement is to give an expression to evaluate and several different statements to execute based on the value of the expression. The interpreter checks each case against the value of the expression until a match is found. If nothing matches, a default condition will be </a:t>
+            </a:r>
+            <a:r>
+              <a:rPr lang="en-US" dirty="0" smtClean="0"/>
+              <a:t>used.</a:t>
+            </a:r>
+          </a:p>
+          <a:p>
+            <a:endParaRPr lang="en-US" dirty="0"/>
+          </a:p>
+          <a:p>
+            <a:endParaRPr lang="en-US" dirty="0" smtClean="0"/>
+          </a:p>
+          <a:p>
+            <a:endParaRPr lang="en-US" dirty="0"/>
+          </a:p>
+        </p:txBody>
+      </p:sp>
+      <p:pic>
+        <p:nvPicPr>
+          <p:cNvPr id="5" name="Imagen 4"/>
+          <p:cNvPicPr>
+            <a:picLocks noChangeAspect="1"/>
+          </p:cNvPicPr>
+          <p:nvPr/>
+        </p:nvPicPr>
+        <p:blipFill>
+          <a:blip r:embed="rId3"/>
+          <a:stretch>
+            <a:fillRect/>
+          </a:stretch>
+        </p:blipFill>
+        <p:spPr>
+          <a:xfrm>
+            <a:off x="2930434" y="3171553"/>
+            <a:ext cx="6096000" cy="2552700"/>
+          </a:xfrm>
+          <a:prstGeom prst="rect">
+            <a:avLst/>
+          </a:prstGeom>
+        </p:spPr>
+      </p:pic>
     </p:spTree>
     <p:extLst>
       <p:ext uri="{BB962C8B-B14F-4D97-AF65-F5344CB8AC3E}">
-        <p14:creationId xmlns:p14="http://schemas.microsoft.com/office/powerpoint/2010/main" val="580956467"/>
+        <p14:creationId xmlns:p14="http://schemas.microsoft.com/office/powerpoint/2010/main" val="3605479022"/>
       </p:ext>
     </p:extLst>
   </p:cSld>
@@ -22277,30 +23478,121 @@
             </a:br>
             <a:r>
               <a:rPr lang="en-US" sz="2400" dirty="0"/>
-              <a:t>3. </a:t>
-            </a:r>
-            <a:r>
-              <a:rPr lang="en-US" sz="2400" dirty="0" err="1"/>
-              <a:t>Iteraciones</a:t>
-            </a:r>
-            <a:r>
-              <a:rPr lang="en-US" sz="2400" dirty="0"/>
-              <a:t> - While y Do While Loop </a:t>
+              <a:t>1. </a:t>
+            </a:r>
+            <a:r>
+              <a:rPr lang="es-ES" sz="2400" dirty="0" err="1"/>
+              <a:t>Switch</a:t>
+            </a:r>
+            <a:r>
+              <a:rPr lang="es-ES" sz="2400" dirty="0"/>
+              <a:t> en JavaScript</a:t>
+            </a:r>
+            <a:br>
+              <a:rPr lang="es-ES" sz="2400" dirty="0"/>
+            </a:br>
+            <a:r>
+              <a:rPr lang="es-ES" sz="1050" dirty="0">
+                <a:hlinkClick r:id="rId2"/>
+              </a:rPr>
+              <a:t>https://</a:t>
+            </a:r>
+            <a:r>
+              <a:rPr lang="es-ES" sz="1050" dirty="0" smtClean="0">
+                <a:hlinkClick r:id="rId2"/>
+              </a:rPr>
+              <a:t>www.w3schools.com/js/js_switch.asp</a:t>
+            </a:r>
+            <a:r>
+              <a:rPr lang="es-ES" sz="1050" dirty="0" smtClean="0"/>
+              <a:t> </a:t>
+            </a:r>
+            <a:r>
+              <a:rPr lang="es-ES" sz="2400" dirty="0" smtClean="0"/>
+              <a:t> </a:t>
             </a:r>
             <a:endParaRPr lang="es-ES" sz="2400" dirty="0"/>
           </a:p>
         </p:txBody>
       </p:sp>
+      <p:sp>
+        <p:nvSpPr>
+          <p:cNvPr id="3" name="Rectángulo 2"/>
+          <p:cNvSpPr/>
+          <p:nvPr/>
+        </p:nvSpPr>
+        <p:spPr>
+          <a:xfrm>
+            <a:off x="1097280" y="1922140"/>
+            <a:ext cx="10149840" cy="1200329"/>
+          </a:xfrm>
+          <a:prstGeom prst="rect">
+            <a:avLst/>
+          </a:prstGeom>
+        </p:spPr>
+        <p:txBody>
+          <a:bodyPr wrap="square">
+            <a:spAutoFit/>
+          </a:bodyPr>
+          <a:lstStyle/>
+          <a:p>
+            <a:r>
+              <a:rPr lang="en-US" dirty="0" smtClean="0"/>
+              <a:t>.</a:t>
+            </a:r>
+          </a:p>
+          <a:p>
+            <a:endParaRPr lang="en-US" dirty="0"/>
+          </a:p>
+          <a:p>
+            <a:endParaRPr lang="en-US" dirty="0" smtClean="0"/>
+          </a:p>
+          <a:p>
+            <a:endParaRPr lang="en-US" dirty="0"/>
+          </a:p>
+        </p:txBody>
+      </p:sp>
+      <p:pic>
+        <p:nvPicPr>
+          <p:cNvPr id="6" name="Imagen 5"/>
+          <p:cNvPicPr>
+            <a:picLocks noChangeAspect="1"/>
+          </p:cNvPicPr>
+          <p:nvPr/>
+        </p:nvPicPr>
+        <p:blipFill>
+          <a:blip r:embed="rId3"/>
+          <a:stretch>
+            <a:fillRect/>
+          </a:stretch>
+        </p:blipFill>
+        <p:spPr>
+          <a:xfrm>
+            <a:off x="1846218" y="1922140"/>
+            <a:ext cx="4763588" cy="4393908"/>
+          </a:xfrm>
+          <a:prstGeom prst="rect">
+            <a:avLst/>
+          </a:prstGeom>
+        </p:spPr>
+      </p:pic>
     </p:spTree>
     <p:extLst>
       <p:ext uri="{BB962C8B-B14F-4D97-AF65-F5344CB8AC3E}">
-        <p14:creationId xmlns:p14="http://schemas.microsoft.com/office/powerpoint/2010/main" val="4140807561"/>
+        <p14:creationId xmlns:p14="http://schemas.microsoft.com/office/powerpoint/2010/main" val="3157878014"/>
       </p:ext>
     </p:extLst>
   </p:cSld>
   <p:clrMapOvr>
     <a:masterClrMapping/>
   </p:clrMapOvr>
+  <p:timing>
+    <p:tnLst>
+      <p:par>
+        <p:cTn id="1" dur="indefinite" restart="never" nodeType="tmRoot"/>
+      </p:par>
+    </p:tnLst>
+  </p:timing>
 </p:sld>
 </file>
 
@@ -22358,38 +23650,140 @@
             </a:br>
             <a:r>
               <a:rPr lang="en-US" sz="2400" dirty="0"/>
-              <a:t>4. </a:t>
-            </a:r>
-            <a:r>
-              <a:rPr lang="en-US" sz="2400" dirty="0" err="1"/>
-              <a:t>forEach</a:t>
-            </a:r>
-            <a:r>
-              <a:rPr lang="en-US" sz="2400" dirty="0"/>
-              <a:t>, Map e </a:t>
-            </a:r>
-            <a:r>
-              <a:rPr lang="en-US" sz="2400" dirty="0" err="1"/>
-              <a:t>Iteradores</a:t>
-            </a:r>
-            <a:r>
-              <a:rPr lang="en-US" sz="2400" dirty="0"/>
+              <a:t>2. </a:t>
+            </a:r>
+            <a:r>
+              <a:rPr lang="es-ES" sz="2400" dirty="0"/>
+              <a:t>Iteraciones - </a:t>
+            </a:r>
+            <a:r>
+              <a:rPr lang="es-ES" sz="2400" dirty="0" err="1"/>
+              <a:t>For</a:t>
+            </a:r>
+            <a:r>
+              <a:rPr lang="es-ES" sz="2400" dirty="0"/>
               <a:t> </a:t>
             </a:r>
-            <a:endParaRPr lang="es-ES" sz="2400" dirty="0"/>
-          </a:p>
-        </p:txBody>
-      </p:sp>
+            <a:r>
+              <a:rPr lang="es-ES" sz="2400" dirty="0" err="1"/>
+              <a:t>Loop</a:t>
+            </a:r>
+            <a:r>
+              <a:rPr lang="es-ES" sz="2400" dirty="0"/>
+              <a:t> </a:t>
+            </a:r>
+            <a:br>
+              <a:rPr lang="es-ES" sz="2400" dirty="0"/>
+            </a:br>
+            <a:r>
+              <a:rPr lang="es-ES" sz="1050" dirty="0">
+                <a:hlinkClick r:id="rId2"/>
+              </a:rPr>
+              <a:t>https://</a:t>
+            </a:r>
+            <a:r>
+              <a:rPr lang="es-ES" sz="1050" dirty="0" smtClean="0">
+                <a:hlinkClick r:id="rId2"/>
+              </a:rPr>
+              <a:t>www.tutorialspoint.com/javascript/javascript_for_loop.htm</a:t>
+            </a:r>
+            <a:r>
+              <a:rPr lang="es-ES" sz="1050" dirty="0" smtClean="0"/>
+              <a:t> </a:t>
+            </a:r>
+            <a:endParaRPr lang="es-ES" sz="1050" dirty="0"/>
+          </a:p>
+        </p:txBody>
+      </p:sp>
+      <p:sp>
+        <p:nvSpPr>
+          <p:cNvPr id="3" name="Rectángulo 2"/>
+          <p:cNvSpPr/>
+          <p:nvPr/>
+        </p:nvSpPr>
+        <p:spPr>
+          <a:xfrm>
+            <a:off x="1097280" y="1880273"/>
+            <a:ext cx="10215154" cy="1815882"/>
+          </a:xfrm>
+          <a:prstGeom prst="rect">
+            <a:avLst/>
+          </a:prstGeom>
+        </p:spPr>
+        <p:txBody>
+          <a:bodyPr wrap="square">
+            <a:spAutoFit/>
+          </a:bodyPr>
+          <a:lstStyle/>
+          <a:p>
+            <a:r>
+              <a:rPr lang="en-US" sz="1600" b="1" dirty="0" smtClean="0"/>
+              <a:t>Introduction to Loops</a:t>
+            </a:r>
+          </a:p>
+          <a:p>
+            <a:r>
+              <a:rPr lang="en-US" sz="1600" dirty="0" smtClean="0"/>
+              <a:t>JavaScript </a:t>
+            </a:r>
+            <a:r>
+              <a:rPr lang="en-US" sz="1600" dirty="0"/>
+              <a:t>provides full control to handle loops and switch statements. There may be a situation when you need to come out of a loop without reaching its bottom. There may also be a situation when you want to skip a part of your code block and start the next iteration of the loop.</a:t>
+            </a:r>
+          </a:p>
+          <a:p>
+            <a:endParaRPr lang="en-US" sz="1600" dirty="0"/>
+          </a:p>
+          <a:p>
+            <a:r>
+              <a:rPr lang="en-US" sz="1600" dirty="0"/>
+              <a:t>To handle all such situations, JavaScript provides break and continue statements. These statements are used to immediately come out of any loop or to start the next iteration of any loop respectively.</a:t>
+            </a:r>
+            <a:endParaRPr lang="es-MX" sz="1600" dirty="0"/>
+          </a:p>
+        </p:txBody>
+      </p:sp>
+      <p:pic>
+        <p:nvPicPr>
+          <p:cNvPr id="4" name="Imagen 3"/>
+          <p:cNvPicPr>
+            <a:picLocks noChangeAspect="1"/>
+          </p:cNvPicPr>
+          <p:nvPr/>
+        </p:nvPicPr>
+        <p:blipFill>
+          <a:blip r:embed="rId3"/>
+          <a:stretch>
+            <a:fillRect/>
+          </a:stretch>
+        </p:blipFill>
+        <p:spPr>
+          <a:xfrm>
+            <a:off x="3434579" y="3592846"/>
+            <a:ext cx="4695825" cy="2514600"/>
+          </a:xfrm>
+          <a:prstGeom prst="rect">
+            <a:avLst/>
+          </a:prstGeom>
+        </p:spPr>
+      </p:pic>
     </p:spTree>
     <p:extLst>
       <p:ext uri="{BB962C8B-B14F-4D97-AF65-F5344CB8AC3E}">
-        <p14:creationId xmlns:p14="http://schemas.microsoft.com/office/powerpoint/2010/main" val="3542367439"/>
+        <p14:creationId xmlns:p14="http://schemas.microsoft.com/office/powerpoint/2010/main" val="580956467"/>
       </p:ext>
     </p:extLst>
   </p:cSld>
   <p:clrMapOvr>
     <a:masterClrMapping/>
   </p:clrMapOvr>
+  <p:timing>
+    <p:tnLst>
+      <p:par>
+        <p:cTn id="1" dur="indefinite" restart="never" nodeType="tmRoot"/>
+      </p:par>
+    </p:tnLst>
+  </p:timing>
 </p:sld>
 </file>
 
@@ -22447,25 +23841,176 @@
             </a:br>
             <a:r>
               <a:rPr lang="en-US" sz="2400" dirty="0"/>
-              <a:t>5. </a:t>
+              <a:t>2. </a:t>
             </a:r>
             <a:r>
               <a:rPr lang="es-ES" sz="2400" dirty="0"/>
-              <a:t>Operadores en JavaScript ya incluidos </a:t>
-            </a:r>
-          </a:p>
-        </p:txBody>
-      </p:sp>
+              <a:t>Iteraciones - </a:t>
+            </a:r>
+            <a:r>
+              <a:rPr lang="es-ES" sz="2400" dirty="0" err="1"/>
+              <a:t>For</a:t>
+            </a:r>
+            <a:r>
+              <a:rPr lang="es-ES" sz="2400" dirty="0"/>
+              <a:t> </a:t>
+            </a:r>
+            <a:r>
+              <a:rPr lang="es-ES" sz="2400" dirty="0" err="1"/>
+              <a:t>Loop</a:t>
+            </a:r>
+            <a:r>
+              <a:rPr lang="es-ES" sz="2400" dirty="0"/>
+              <a:t> </a:t>
+            </a:r>
+            <a:br>
+              <a:rPr lang="es-ES" sz="2400" dirty="0"/>
+            </a:br>
+            <a:r>
+              <a:rPr lang="es-ES" sz="1050" dirty="0">
+                <a:hlinkClick r:id="rId2"/>
+              </a:rPr>
+              <a:t>https://</a:t>
+            </a:r>
+            <a:r>
+              <a:rPr lang="es-ES" sz="1050" dirty="0" smtClean="0">
+                <a:hlinkClick r:id="rId2"/>
+              </a:rPr>
+              <a:t>www.tutorialspoint.com/javascript/javascript_for_loop.htm</a:t>
+            </a:r>
+            <a:r>
+              <a:rPr lang="es-ES" sz="1050" dirty="0" smtClean="0"/>
+              <a:t> </a:t>
+            </a:r>
+            <a:endParaRPr lang="es-ES" sz="1050" dirty="0"/>
+          </a:p>
+        </p:txBody>
+      </p:sp>
+      <p:sp>
+        <p:nvSpPr>
+          <p:cNvPr id="3" name="Rectángulo 2"/>
+          <p:cNvSpPr/>
+          <p:nvPr/>
+        </p:nvSpPr>
+        <p:spPr>
+          <a:xfrm>
+            <a:off x="1097280" y="1880273"/>
+            <a:ext cx="10215154" cy="2308324"/>
+          </a:xfrm>
+          <a:prstGeom prst="rect">
+            <a:avLst/>
+          </a:prstGeom>
+        </p:spPr>
+        <p:txBody>
+          <a:bodyPr wrap="square">
+            <a:spAutoFit/>
+          </a:bodyPr>
+          <a:lstStyle/>
+          <a:p>
+            <a:r>
+              <a:rPr lang="en-US" sz="1600" b="1" dirty="0" smtClean="0"/>
+              <a:t>The </a:t>
+            </a:r>
+            <a:r>
+              <a:rPr lang="en-US" sz="1600" b="1" dirty="0"/>
+              <a:t>break Statement</a:t>
+            </a:r>
+          </a:p>
+          <a:p>
+            <a:r>
+              <a:rPr lang="en-US" sz="1600" dirty="0"/>
+              <a:t>The break statement, which was briefly introduced with the switch statement, is used to exit a loop early, breaking out of the enclosing curly braces</a:t>
+            </a:r>
+            <a:r>
+              <a:rPr lang="en-US" sz="1600" dirty="0" smtClean="0"/>
+              <a:t>.</a:t>
+            </a:r>
+          </a:p>
+          <a:p>
+            <a:endParaRPr lang="en-US" sz="1600" dirty="0"/>
+          </a:p>
+          <a:p>
+            <a:endParaRPr lang="en-US" sz="1600" dirty="0" smtClean="0"/>
+          </a:p>
+          <a:p>
+            <a:endParaRPr lang="en-US" sz="1600" dirty="0"/>
+          </a:p>
+          <a:p>
+            <a:endParaRPr lang="en-US" sz="1600" dirty="0" smtClean="0"/>
+          </a:p>
+          <a:p>
+            <a:endParaRPr lang="en-US" sz="1600" b="1" dirty="0"/>
+          </a:p>
+          <a:p>
+            <a:endParaRPr lang="en-US" sz="1600" b="1" dirty="0" smtClean="0"/>
+          </a:p>
+        </p:txBody>
+      </p:sp>
+      <p:pic>
+        <p:nvPicPr>
+          <p:cNvPr id="5" name="Imagen 4"/>
+          <p:cNvPicPr>
+            <a:picLocks noChangeAspect="1"/>
+          </p:cNvPicPr>
+          <p:nvPr/>
+        </p:nvPicPr>
+        <p:blipFill>
+          <a:blip r:embed="rId3"/>
+          <a:stretch>
+            <a:fillRect/>
+          </a:stretch>
+        </p:blipFill>
+        <p:spPr>
+          <a:xfrm>
+            <a:off x="1070916" y="3034435"/>
+            <a:ext cx="5622316" cy="2080364"/>
+          </a:xfrm>
+          <a:prstGeom prst="rect">
+            <a:avLst/>
+          </a:prstGeom>
+        </p:spPr>
+      </p:pic>
+      <p:pic>
+        <p:nvPicPr>
+          <p:cNvPr id="6" name="Imagen 5"/>
+          <p:cNvPicPr>
+            <a:picLocks noChangeAspect="1"/>
+          </p:cNvPicPr>
+          <p:nvPr/>
+        </p:nvPicPr>
+        <p:blipFill>
+          <a:blip r:embed="rId4"/>
+          <a:stretch>
+            <a:fillRect/>
+          </a:stretch>
+        </p:blipFill>
+        <p:spPr>
+          <a:xfrm>
+            <a:off x="7039051" y="3034435"/>
+            <a:ext cx="4619202" cy="1733626"/>
+          </a:xfrm>
+          <a:prstGeom prst="rect">
+            <a:avLst/>
+          </a:prstGeom>
+        </p:spPr>
+      </p:pic>
     </p:spTree>
     <p:extLst>
       <p:ext uri="{BB962C8B-B14F-4D97-AF65-F5344CB8AC3E}">
-        <p14:creationId xmlns:p14="http://schemas.microsoft.com/office/powerpoint/2010/main" val="3039616738"/>
+        <p14:creationId xmlns:p14="http://schemas.microsoft.com/office/powerpoint/2010/main" val="996071358"/>
       </p:ext>
     </p:extLst>
   </p:cSld>
   <p:clrMapOvr>
     <a:masterClrMapping/>
   </p:clrMapOvr>
+  <p:timing>
+    <p:tnLst>
+      <p:par>
+        <p:cTn id="1" dur="indefinite" restart="never" nodeType="tmRoot"/>
+      </p:par>
+    </p:tnLst>
+  </p:timing>
 </p:sld>
 </file>
 
@@ -22523,22 +24068,175 @@
             </a:br>
             <a:r>
               <a:rPr lang="en-US" sz="2400" dirty="0"/>
-              <a:t>6. Window Object </a:t>
-            </a:r>
-            <a:endParaRPr lang="es-ES" sz="2400" dirty="0"/>
-          </a:p>
-        </p:txBody>
-      </p:sp>
+              <a:t>2. </a:t>
+            </a:r>
+            <a:r>
+              <a:rPr lang="es-ES" sz="2400" dirty="0"/>
+              <a:t>Iteraciones - </a:t>
+            </a:r>
+            <a:r>
+              <a:rPr lang="es-ES" sz="2400" dirty="0" err="1"/>
+              <a:t>For</a:t>
+            </a:r>
+            <a:r>
+              <a:rPr lang="es-ES" sz="2400" dirty="0"/>
+              <a:t> </a:t>
+            </a:r>
+            <a:r>
+              <a:rPr lang="es-ES" sz="2400" dirty="0" err="1"/>
+              <a:t>Loop</a:t>
+            </a:r>
+            <a:r>
+              <a:rPr lang="es-ES" sz="2400" dirty="0"/>
+              <a:t> </a:t>
+            </a:r>
+            <a:br>
+              <a:rPr lang="es-ES" sz="2400" dirty="0"/>
+            </a:br>
+            <a:r>
+              <a:rPr lang="es-ES" sz="1050" dirty="0">
+                <a:hlinkClick r:id="rId2"/>
+              </a:rPr>
+              <a:t>https://</a:t>
+            </a:r>
+            <a:r>
+              <a:rPr lang="es-ES" sz="1050" dirty="0" smtClean="0">
+                <a:hlinkClick r:id="rId2"/>
+              </a:rPr>
+              <a:t>www.tutorialspoint.com/javascript/javascript_for_loop.htm</a:t>
+            </a:r>
+            <a:r>
+              <a:rPr lang="es-ES" sz="1050" dirty="0" smtClean="0"/>
+              <a:t> </a:t>
+            </a:r>
+            <a:endParaRPr lang="es-ES" sz="1050" dirty="0"/>
+          </a:p>
+        </p:txBody>
+      </p:sp>
+      <p:sp>
+        <p:nvSpPr>
+          <p:cNvPr id="3" name="Rectángulo 2"/>
+          <p:cNvSpPr/>
+          <p:nvPr/>
+        </p:nvSpPr>
+        <p:spPr>
+          <a:xfrm>
+            <a:off x="1097280" y="1880273"/>
+            <a:ext cx="10215154" cy="3046988"/>
+          </a:xfrm>
+          <a:prstGeom prst="rect">
+            <a:avLst/>
+          </a:prstGeom>
+        </p:spPr>
+        <p:txBody>
+          <a:bodyPr wrap="square">
+            <a:spAutoFit/>
+          </a:bodyPr>
+          <a:lstStyle/>
+          <a:p>
+            <a:r>
+              <a:rPr lang="en-US" sz="1600" b="1" dirty="0"/>
+              <a:t>The continue Statement</a:t>
+            </a:r>
+          </a:p>
+          <a:p>
+            <a:r>
+              <a:rPr lang="en-US" sz="1600" dirty="0"/>
+              <a:t>The continue statement tells the interpreter to immediately start the next iteration of the loop and skip the remaining code block. When a continue statement is encountered, the program flow moves to the loop check expression immediately and if the condition remains true, then it starts the next iteration, otherwise the control comes out of the loop</a:t>
+            </a:r>
+            <a:r>
+              <a:rPr lang="en-US" sz="1600" dirty="0" smtClean="0"/>
+              <a:t>.</a:t>
+            </a:r>
+          </a:p>
+          <a:p>
+            <a:endParaRPr lang="en-US" sz="1600" dirty="0"/>
+          </a:p>
+          <a:p>
+            <a:endParaRPr lang="en-US" sz="1600" dirty="0"/>
+          </a:p>
+          <a:p>
+            <a:endParaRPr lang="en-US" sz="1600" dirty="0" smtClean="0"/>
+          </a:p>
+          <a:p>
+            <a:endParaRPr lang="en-US" sz="1600" dirty="0"/>
+          </a:p>
+          <a:p>
+            <a:endParaRPr lang="en-US" sz="1600" dirty="0" smtClean="0"/>
+          </a:p>
+          <a:p>
+            <a:endParaRPr lang="en-US" sz="1600" b="1" dirty="0"/>
+          </a:p>
+          <a:p>
+            <a:endParaRPr lang="en-US" sz="1600" b="1" dirty="0" smtClean="0"/>
+          </a:p>
+        </p:txBody>
+      </p:sp>
+      <p:pic>
+        <p:nvPicPr>
+          <p:cNvPr id="4" name="Imagen 3"/>
+          <p:cNvPicPr>
+            <a:picLocks noChangeAspect="1"/>
+          </p:cNvPicPr>
+          <p:nvPr/>
+        </p:nvPicPr>
+        <p:blipFill>
+          <a:blip r:embed="rId3"/>
+          <a:stretch>
+            <a:fillRect/>
+          </a:stretch>
+        </p:blipFill>
+        <p:spPr>
+          <a:xfrm>
+            <a:off x="1199534" y="3258289"/>
+            <a:ext cx="4450080" cy="2697018"/>
+          </a:xfrm>
+          <a:prstGeom prst="rect">
+            <a:avLst/>
+          </a:prstGeom>
+        </p:spPr>
+      </p:pic>
+      <p:pic>
+        <p:nvPicPr>
+          <p:cNvPr id="6" name="Imagen 5"/>
+          <p:cNvPicPr>
+            <a:picLocks noChangeAspect="1"/>
+          </p:cNvPicPr>
+          <p:nvPr/>
+        </p:nvPicPr>
+        <p:blipFill>
+          <a:blip r:embed="rId4"/>
+          <a:stretch>
+            <a:fillRect/>
+          </a:stretch>
+        </p:blipFill>
+        <p:spPr>
+          <a:xfrm>
+            <a:off x="5751868" y="3258289"/>
+            <a:ext cx="5560566" cy="2730138"/>
+          </a:xfrm>
+          <a:prstGeom prst="rect">
+            <a:avLst/>
+          </a:prstGeom>
+        </p:spPr>
+      </p:pic>
     </p:spTree>
     <p:extLst>
       <p:ext uri="{BB962C8B-B14F-4D97-AF65-F5344CB8AC3E}">
-        <p14:creationId xmlns:p14="http://schemas.microsoft.com/office/powerpoint/2010/main" val="1680369560"/>
+        <p14:creationId xmlns:p14="http://schemas.microsoft.com/office/powerpoint/2010/main" val="14881092"/>
       </p:ext>
     </p:extLst>
   </p:cSld>
   <p:clrMapOvr>
     <a:masterClrMapping/>
   </p:clrMapOvr>
+  <p:timing>
+    <p:tnLst>
+      <p:par>
+        <p:cTn id="1" dur="indefinite" restart="never" nodeType="tmRoot"/>
+      </p:par>
+    </p:tnLst>
+  </p:timing>
 </p:sld>
 </file>
 
@@ -22596,41 +24294,65 @@
             </a:br>
             <a:r>
               <a:rPr lang="en-US" sz="2400" dirty="0"/>
-              <a:t>7. Scope </a:t>
-            </a:r>
-            <a:r>
-              <a:rPr lang="en-US" sz="2400" dirty="0" err="1"/>
-              <a:t>en</a:t>
-            </a:r>
-            <a:r>
-              <a:rPr lang="en-US" sz="2400" dirty="0"/>
-              <a:t> JavaScript </a:t>
-            </a:r>
-            <a:endParaRPr lang="es-ES" sz="2400" dirty="0"/>
-          </a:p>
-        </p:txBody>
-      </p:sp>
-      <p:sp>
-        <p:nvSpPr>
-          <p:cNvPr id="4" name="TextBox 3">
-            <a:extLst>
-              <a:ext uri="{FF2B5EF4-FFF2-40B4-BE49-F238E27FC236}">
-                <a16:creationId xmlns:a16="http://schemas.microsoft.com/office/drawing/2014/main" id="{D98F04A3-2609-46EF-9351-EC1902C61F15}"/>
-              </a:ext>
-            </a:extLst>
-          </p:cNvPr>
-          <p:cNvSpPr txBox="1"/>
+              <a:t>2. </a:t>
+            </a:r>
+            <a:r>
+              <a:rPr lang="es-ES" sz="2400" dirty="0"/>
+              <a:t>Iteraciones - </a:t>
+            </a:r>
+            <a:r>
+              <a:rPr lang="es-ES" sz="2400" dirty="0" err="1"/>
+              <a:t>For</a:t>
+            </a:r>
+            <a:r>
+              <a:rPr lang="es-ES" sz="2400" dirty="0"/>
+              <a:t> </a:t>
+            </a:r>
+            <a:r>
+              <a:rPr lang="es-ES" sz="2400" dirty="0" err="1"/>
+              <a:t>Loop</a:t>
+            </a:r>
+            <a:r>
+              <a:rPr lang="es-ES" sz="2400" dirty="0"/>
+              <a:t> </a:t>
+            </a:r>
+            <a:br>
+              <a:rPr lang="es-ES" sz="2400" dirty="0"/>
+            </a:br>
+            <a:r>
+              <a:rPr lang="es-ES" sz="1050" dirty="0">
+                <a:hlinkClick r:id="rId2"/>
+              </a:rPr>
+              <a:t>https://</a:t>
+            </a:r>
+            <a:r>
+              <a:rPr lang="es-ES" sz="1050" dirty="0" smtClean="0">
+                <a:hlinkClick r:id="rId2"/>
+              </a:rPr>
+              <a:t>www.tutorialspoint.com/javascript/javascript_for_loop.htm</a:t>
+            </a:r>
+            <a:r>
+              <a:rPr lang="es-ES" sz="1050" dirty="0" smtClean="0"/>
+              <a:t> </a:t>
+            </a:r>
+            <a:endParaRPr lang="es-ES" sz="1050" dirty="0"/>
+          </a:p>
+        </p:txBody>
+      </p:sp>
+      <p:sp>
+        <p:nvSpPr>
+          <p:cNvPr id="3" name="Rectángulo 2"/>
+          <p:cNvSpPr/>
           <p:nvPr/>
         </p:nvSpPr>
         <p:spPr>
           <a:xfrm>
-            <a:off x="1127760" y="2042875"/>
-            <a:ext cx="10058400" cy="3077766"/>
+            <a:off x="1097280" y="1880273"/>
+            <a:ext cx="10215154" cy="3046988"/>
           </a:xfrm>
           <a:prstGeom prst="rect">
             <a:avLst/>
           </a:prstGeom>
-          <a:noFill/>
         </p:spPr>
         <p:txBody>
           <a:bodyPr wrap="square">
@@ -22639,73 +24361,108 @@
           <a:lstStyle/>
           <a:p>
             <a:r>
-              <a:rPr lang="en-US" sz="1600" dirty="0"/>
-              <a:t>JavaScript Variable Scope</a:t>
-            </a:r>
-          </a:p>
-          <a:p>
-            <a:r>
-              <a:rPr lang="en-US" sz="1600" dirty="0"/>
-              <a:t>The scope of a variable is the region of your program in which it is defined. JavaScript variables have only two scopes.</a:t>
+              <a:rPr lang="en-US" sz="1600" b="1" dirty="0"/>
+              <a:t>The continue Statement</a:t>
+            </a:r>
+          </a:p>
+          <a:p>
+            <a:r>
+              <a:rPr lang="en-US" sz="1600" dirty="0"/>
+              <a:t>The continue statement tells the interpreter to immediately start the next iteration of the loop and skip the remaining code block. When a continue statement is encountered, the program flow moves to the loop check expression immediately and if the condition remains true, then it starts the next iteration, otherwise the control comes out of the loop</a:t>
+            </a:r>
+            <a:r>
+              <a:rPr lang="en-US" sz="1600" dirty="0" smtClean="0"/>
+              <a:t>.</a:t>
             </a:r>
           </a:p>
           <a:p>
             <a:endParaRPr lang="en-US" sz="1600" dirty="0"/>
           </a:p>
           <a:p>
-            <a:pPr marL="285750" indent="-285750">
-              <a:buFont typeface="Arial" panose="020B0604020202020204" pitchFamily="34" charset="0"/>
-              <a:buChar char="•"/>
-            </a:pPr>
-            <a:r>
-              <a:rPr lang="en-US" sz="1600" b="1" dirty="0"/>
-              <a:t>Global Variables </a:t>
-            </a:r>
-            <a:r>
-              <a:rPr lang="en-US" sz="1600" dirty="0"/>
-              <a:t>− A global variable has global scope which means it can be defined anywhere in your JavaScript code.</a:t>
-            </a:r>
-          </a:p>
-          <a:p>
-            <a:pPr marL="285750" indent="-285750">
-              <a:buFont typeface="Arial" panose="020B0604020202020204" pitchFamily="34" charset="0"/>
-              <a:buChar char="•"/>
-            </a:pPr>
-            <a:r>
-              <a:rPr lang="en-US" sz="1600" b="1" dirty="0"/>
-              <a:t>Local Variables </a:t>
-            </a:r>
-            <a:r>
-              <a:rPr lang="en-US" sz="1600" dirty="0"/>
-              <a:t>− A local variable will be visible only within a function where it is defined. Function parameters are always local to that function.</a:t>
-            </a:r>
-          </a:p>
-          <a:p>
             <a:endParaRPr lang="en-US" sz="1600" dirty="0"/>
           </a:p>
           <a:p>
-            <a:r>
-              <a:rPr lang="en-US" sz="1600" dirty="0"/>
-              <a:t>Within the body of a function, a local variable takes precedence over a global variable with the same name. If you declare a local variable or function parameter with the same name as a global variable, you effectively hide the global variable. Take a look into the following example</a:t>
-            </a:r>
-            <a:r>
-              <a:rPr lang="en-US" dirty="0"/>
-              <a:t>.</a:t>
-            </a:r>
-            <a:endParaRPr lang="en-IN" dirty="0"/>
-          </a:p>
-        </p:txBody>
-      </p:sp>
+            <a:endParaRPr lang="en-US" sz="1600" dirty="0" smtClean="0"/>
+          </a:p>
+          <a:p>
+            <a:endParaRPr lang="en-US" sz="1600" dirty="0"/>
+          </a:p>
+          <a:p>
+            <a:endParaRPr lang="en-US" sz="1600" dirty="0" smtClean="0"/>
+          </a:p>
+          <a:p>
+            <a:endParaRPr lang="en-US" sz="1600" b="1" dirty="0"/>
+          </a:p>
+          <a:p>
+            <a:endParaRPr lang="en-US" sz="1600" b="1" dirty="0" smtClean="0"/>
+          </a:p>
+        </p:txBody>
+      </p:sp>
+      <p:pic>
+        <p:nvPicPr>
+          <p:cNvPr id="4" name="Imagen 3"/>
+          <p:cNvPicPr>
+            <a:picLocks noChangeAspect="1"/>
+          </p:cNvPicPr>
+          <p:nvPr/>
+        </p:nvPicPr>
+        <p:blipFill>
+          <a:blip r:embed="rId3"/>
+          <a:stretch>
+            <a:fillRect/>
+          </a:stretch>
+        </p:blipFill>
+        <p:spPr>
+          <a:xfrm>
+            <a:off x="1199534" y="3258289"/>
+            <a:ext cx="4450080" cy="2697018"/>
+          </a:xfrm>
+          <a:prstGeom prst="rect">
+            <a:avLst/>
+          </a:prstGeom>
+        </p:spPr>
+      </p:pic>
+      <p:pic>
+        <p:nvPicPr>
+          <p:cNvPr id="6" name="Imagen 5"/>
+          <p:cNvPicPr>
+            <a:picLocks noChangeAspect="1"/>
+          </p:cNvPicPr>
+          <p:nvPr/>
+        </p:nvPicPr>
+        <p:blipFill>
+          <a:blip r:embed="rId4"/>
+          <a:stretch>
+            <a:fillRect/>
+          </a:stretch>
+        </p:blipFill>
+        <p:spPr>
+          <a:xfrm>
+            <a:off x="5751868" y="3258289"/>
+            <a:ext cx="5560566" cy="2730138"/>
+          </a:xfrm>
+          <a:prstGeom prst="rect">
+            <a:avLst/>
+          </a:prstGeom>
+        </p:spPr>
+      </p:pic>
     </p:spTree>
     <p:extLst>
       <p:ext uri="{BB962C8B-B14F-4D97-AF65-F5344CB8AC3E}">
-        <p14:creationId xmlns:p14="http://schemas.microsoft.com/office/powerpoint/2010/main" val="1367706803"/>
+        <p14:creationId xmlns:p14="http://schemas.microsoft.com/office/powerpoint/2010/main" val="4191392500"/>
       </p:ext>
     </p:extLst>
   </p:cSld>
   <p:clrMapOvr>
     <a:masterClrMapping/>
   </p:clrMapOvr>
+  <p:timing>
+    <p:tnLst>
+      <p:par>
+        <p:cTn id="1" dur="indefinite" restart="never" nodeType="tmRoot"/>
+      </p:par>
+    </p:tnLst>
+  </p:timing>
 </p:sld>
 </file>
 
@@ -22763,41 +24520,65 @@
             </a:br>
             <a:r>
               <a:rPr lang="en-US" sz="2400" dirty="0"/>
-              <a:t>7. Scope </a:t>
-            </a:r>
-            <a:r>
-              <a:rPr lang="en-US" sz="2400" dirty="0" err="1"/>
-              <a:t>en</a:t>
-            </a:r>
-            <a:r>
-              <a:rPr lang="en-US" sz="2400" dirty="0"/>
-              <a:t> JavaScript </a:t>
-            </a:r>
-            <a:endParaRPr lang="es-ES" sz="2400" dirty="0"/>
-          </a:p>
-        </p:txBody>
-      </p:sp>
-      <p:sp>
-        <p:nvSpPr>
-          <p:cNvPr id="4" name="TextBox 3">
-            <a:extLst>
-              <a:ext uri="{FF2B5EF4-FFF2-40B4-BE49-F238E27FC236}">
-                <a16:creationId xmlns:a16="http://schemas.microsoft.com/office/drawing/2014/main" id="{D98F04A3-2609-46EF-9351-EC1902C61F15}"/>
-              </a:ext>
-            </a:extLst>
-          </p:cNvPr>
-          <p:cNvSpPr txBox="1"/>
+              <a:t>2. </a:t>
+            </a:r>
+            <a:r>
+              <a:rPr lang="es-ES" sz="2400" dirty="0"/>
+              <a:t>Iteraciones - </a:t>
+            </a:r>
+            <a:r>
+              <a:rPr lang="es-ES" sz="2400" dirty="0" err="1"/>
+              <a:t>For</a:t>
+            </a:r>
+            <a:r>
+              <a:rPr lang="es-ES" sz="2400" dirty="0"/>
+              <a:t> </a:t>
+            </a:r>
+            <a:r>
+              <a:rPr lang="es-ES" sz="2400" dirty="0" err="1"/>
+              <a:t>Loop</a:t>
+            </a:r>
+            <a:r>
+              <a:rPr lang="es-ES" sz="2400" dirty="0"/>
+              <a:t> </a:t>
+            </a:r>
+            <a:br>
+              <a:rPr lang="es-ES" sz="2400" dirty="0"/>
+            </a:br>
+            <a:r>
+              <a:rPr lang="es-ES" sz="1050" dirty="0">
+                <a:hlinkClick r:id="rId2"/>
+              </a:rPr>
+              <a:t>https://</a:t>
+            </a:r>
+            <a:r>
+              <a:rPr lang="es-ES" sz="1050" dirty="0" smtClean="0">
+                <a:hlinkClick r:id="rId2"/>
+              </a:rPr>
+              <a:t>www.tutorialspoint.com/javascript/javascript_for_loop.htm</a:t>
+            </a:r>
+            <a:r>
+              <a:rPr lang="es-ES" sz="1050" dirty="0" smtClean="0"/>
+              <a:t> </a:t>
+            </a:r>
+            <a:endParaRPr lang="es-ES" sz="1050" dirty="0"/>
+          </a:p>
+        </p:txBody>
+      </p:sp>
+      <p:sp>
+        <p:nvSpPr>
+          <p:cNvPr id="3" name="Rectángulo 2"/>
+          <p:cNvSpPr/>
           <p:nvPr/>
         </p:nvSpPr>
         <p:spPr>
           <a:xfrm>
-            <a:off x="1097280" y="2831441"/>
-            <a:ext cx="10058400" cy="2277547"/>
+            <a:off x="1097280" y="1880273"/>
+            <a:ext cx="10215154" cy="4031873"/>
           </a:xfrm>
           <a:prstGeom prst="rect">
             <a:avLst/>
           </a:prstGeom>
-          <a:noFill/>
         </p:spPr>
         <p:txBody>
           <a:bodyPr wrap="square">
@@ -22806,102 +24587,157 @@
           <a:lstStyle/>
           <a:p>
             <a:r>
-              <a:rPr lang="en-US" dirty="0"/>
-              <a:t>let </a:t>
-            </a:r>
-            <a:r>
-              <a:rPr lang="en-US" dirty="0" err="1"/>
-              <a:t>myVar</a:t>
-            </a:r>
-            <a:r>
-              <a:rPr lang="en-US" dirty="0"/>
-              <a:t> = "global";      // Declare a global variable</a:t>
-            </a:r>
-          </a:p>
-          <a:p>
-            <a:r>
-              <a:rPr lang="en-US" dirty="0"/>
-              <a:t>function </a:t>
-            </a:r>
-            <a:r>
-              <a:rPr lang="en-US" dirty="0" err="1"/>
-              <a:t>checkscope</a:t>
-            </a:r>
-            <a:r>
-              <a:rPr lang="en-US" dirty="0"/>
-              <a:t>( ) {</a:t>
-            </a:r>
-          </a:p>
-          <a:p>
-            <a:r>
-              <a:rPr lang="en-US" dirty="0"/>
-              <a:t>    let </a:t>
-            </a:r>
-            <a:r>
-              <a:rPr lang="en-US" dirty="0" err="1"/>
-              <a:t>myLet</a:t>
-            </a:r>
-            <a:r>
-              <a:rPr lang="en-US" dirty="0"/>
-              <a:t> = "local";    // Declare a local variable</a:t>
-            </a:r>
-          </a:p>
-          <a:p>
-            <a:r>
-              <a:rPr lang="en-US" dirty="0"/>
-              <a:t>    </a:t>
-            </a:r>
-            <a:r>
-              <a:rPr lang="en-US" dirty="0" err="1"/>
-              <a:t>document.write</a:t>
-            </a:r>
-            <a:r>
-              <a:rPr lang="en-US" dirty="0"/>
-              <a:t>(</a:t>
-            </a:r>
-            <a:r>
-              <a:rPr lang="en-US" dirty="0" err="1"/>
-              <a:t>myVar</a:t>
-            </a:r>
-            <a:r>
-              <a:rPr lang="en-US" dirty="0"/>
-              <a:t>);</a:t>
-            </a:r>
-          </a:p>
-          <a:p>
-            <a:r>
-              <a:rPr lang="en-US" dirty="0"/>
-              <a:t>}</a:t>
-            </a:r>
-          </a:p>
-          <a:p>
-            <a:endParaRPr lang="en-US" sz="2000" dirty="0"/>
-          </a:p>
-          <a:p>
-            <a:r>
-              <a:rPr lang="en-US" sz="1600" dirty="0"/>
-              <a:t>This produces the following result −</a:t>
-            </a:r>
-          </a:p>
-          <a:p>
-            <a:r>
-              <a:rPr lang="en-US" sz="1600" b="1" dirty="0"/>
-              <a:t>local</a:t>
-            </a:r>
-            <a:endParaRPr lang="en-IN" sz="1600" b="1" dirty="0"/>
-          </a:p>
-        </p:txBody>
-      </p:sp>
+              <a:rPr lang="en-US" sz="1600" b="1" dirty="0" smtClean="0"/>
+              <a:t>For Loop</a:t>
+            </a:r>
+          </a:p>
+          <a:p>
+            <a:r>
+              <a:rPr lang="en-US" sz="1600" dirty="0" smtClean="0"/>
+              <a:t>The </a:t>
+            </a:r>
+            <a:r>
+              <a:rPr lang="en-US" sz="1600" dirty="0"/>
+              <a:t>'for' loop is the most compact form of looping. It includes the following three important parts −</a:t>
+            </a:r>
+          </a:p>
+          <a:p>
+            <a:endParaRPr lang="en-US" sz="1600" dirty="0"/>
+          </a:p>
+          <a:p>
+            <a:pPr marL="285750" indent="-285750">
+              <a:buFont typeface="Arial" panose="020B0604020202020204" pitchFamily="34" charset="0"/>
+              <a:buChar char="•"/>
+            </a:pPr>
+            <a:r>
+              <a:rPr lang="en-US" sz="1600" dirty="0"/>
+              <a:t>The loop initialization where we initialize our counter to a starting value. The initialization statement is executed before the loop begins</a:t>
+            </a:r>
+            <a:r>
+              <a:rPr lang="en-US" sz="1600" dirty="0" smtClean="0"/>
+              <a:t>.</a:t>
+            </a:r>
+            <a:endParaRPr lang="en-US" sz="1600" dirty="0"/>
+          </a:p>
+          <a:p>
+            <a:pPr marL="285750" indent="-285750">
+              <a:buFont typeface="Arial" panose="020B0604020202020204" pitchFamily="34" charset="0"/>
+              <a:buChar char="•"/>
+            </a:pPr>
+            <a:r>
+              <a:rPr lang="en-US" sz="1600" dirty="0"/>
+              <a:t>The test statement which will test if a given condition is true or not. If the condition is true, then the code given inside the loop will be executed, otherwise the control will come out of the loop</a:t>
+            </a:r>
+            <a:r>
+              <a:rPr lang="en-US" sz="1600" dirty="0" smtClean="0"/>
+              <a:t>.</a:t>
+            </a:r>
+            <a:endParaRPr lang="en-US" sz="1600" dirty="0"/>
+          </a:p>
+          <a:p>
+            <a:pPr marL="285750" indent="-285750">
+              <a:buFont typeface="Arial" panose="020B0604020202020204" pitchFamily="34" charset="0"/>
+              <a:buChar char="•"/>
+            </a:pPr>
+            <a:r>
+              <a:rPr lang="en-US" sz="1600" dirty="0"/>
+              <a:t>The iteration statement where you can increase or decrease your counter.</a:t>
+            </a:r>
+          </a:p>
+          <a:p>
+            <a:endParaRPr lang="en-US" sz="1600" dirty="0"/>
+          </a:p>
+          <a:p>
+            <a:r>
+              <a:rPr lang="en-US" sz="1600" dirty="0"/>
+              <a:t>You can put all the three parts in a single line separated by semicolons.</a:t>
+            </a:r>
+          </a:p>
+          <a:p>
+            <a:endParaRPr lang="en-US" sz="1600" dirty="0"/>
+          </a:p>
+          <a:p>
+            <a:endParaRPr lang="en-US" sz="1600" dirty="0" smtClean="0"/>
+          </a:p>
+          <a:p>
+            <a:endParaRPr lang="en-US" sz="1600" dirty="0"/>
+          </a:p>
+          <a:p>
+            <a:endParaRPr lang="en-US" sz="1600" dirty="0" smtClean="0"/>
+          </a:p>
+          <a:p>
+            <a:endParaRPr lang="en-US" sz="1600" b="1" dirty="0"/>
+          </a:p>
+          <a:p>
+            <a:endParaRPr lang="en-US" sz="1600" b="1" dirty="0" smtClean="0"/>
+          </a:p>
+        </p:txBody>
+      </p:sp>
+      <p:pic>
+        <p:nvPicPr>
+          <p:cNvPr id="5" name="Imagen 4"/>
+          <p:cNvPicPr>
+            <a:picLocks noChangeAspect="1"/>
+          </p:cNvPicPr>
+          <p:nvPr/>
+        </p:nvPicPr>
+        <p:blipFill>
+          <a:blip r:embed="rId3"/>
+          <a:stretch>
+            <a:fillRect/>
+          </a:stretch>
+        </p:blipFill>
+        <p:spPr>
+          <a:xfrm>
+            <a:off x="7823794" y="3612397"/>
+            <a:ext cx="3697144" cy="2534102"/>
+          </a:xfrm>
+          <a:prstGeom prst="rect">
+            <a:avLst/>
+          </a:prstGeom>
+        </p:spPr>
+      </p:pic>
+      <p:pic>
+        <p:nvPicPr>
+          <p:cNvPr id="7" name="Imagen 6"/>
+          <p:cNvPicPr>
+            <a:picLocks noChangeAspect="1"/>
+          </p:cNvPicPr>
+          <p:nvPr/>
+        </p:nvPicPr>
+        <p:blipFill>
+          <a:blip r:embed="rId4"/>
+          <a:stretch>
+            <a:fillRect/>
+          </a:stretch>
+        </p:blipFill>
+        <p:spPr>
+          <a:xfrm>
+            <a:off x="1097280" y="4734250"/>
+            <a:ext cx="5901372" cy="1177896"/>
+          </a:xfrm>
+          <a:prstGeom prst="rect">
+            <a:avLst/>
+          </a:prstGeom>
+        </p:spPr>
+      </p:pic>
     </p:spTree>
     <p:extLst>
       <p:ext uri="{BB962C8B-B14F-4D97-AF65-F5344CB8AC3E}">
-        <p14:creationId xmlns:p14="http://schemas.microsoft.com/office/powerpoint/2010/main" val="1824981956"/>
+        <p14:creationId xmlns:p14="http://schemas.microsoft.com/office/powerpoint/2010/main" val="1572260224"/>
       </p:ext>
     </p:extLst>
   </p:cSld>
   <p:clrMapOvr>
     <a:masterClrMapping/>
   </p:clrMapOvr>
+  <p:timing>
+    <p:tnLst>
+      <p:par>
+        <p:cTn id="1" dur="indefinite" restart="never" nodeType="tmRoot"/>
+      </p:par>
+    </p:tnLst>
+  </p:timing>
 </p:sld>
 </file>
 
@@ -22959,22 +24795,138 @@
             </a:br>
             <a:r>
               <a:rPr lang="en-US" sz="2400" dirty="0"/>
-              <a:t>8. ¿Que es el DOM?</a:t>
-            </a:r>
-            <a:endParaRPr lang="es-ES" sz="2400" dirty="0"/>
-          </a:p>
-        </p:txBody>
-      </p:sp>
+              <a:t>2. </a:t>
+            </a:r>
+            <a:r>
+              <a:rPr lang="es-ES" sz="2400" dirty="0"/>
+              <a:t>Iteraciones - </a:t>
+            </a:r>
+            <a:r>
+              <a:rPr lang="es-ES" sz="2400" dirty="0" err="1"/>
+              <a:t>For</a:t>
+            </a:r>
+            <a:r>
+              <a:rPr lang="es-ES" sz="2400" dirty="0"/>
+              <a:t> </a:t>
+            </a:r>
+            <a:r>
+              <a:rPr lang="es-ES" sz="2400" dirty="0" err="1"/>
+              <a:t>Loop</a:t>
+            </a:r>
+            <a:r>
+              <a:rPr lang="es-ES" sz="2400" dirty="0"/>
+              <a:t> </a:t>
+            </a:r>
+            <a:br>
+              <a:rPr lang="es-ES" sz="2400" dirty="0"/>
+            </a:br>
+            <a:r>
+              <a:rPr lang="es-ES" sz="1050" dirty="0">
+                <a:hlinkClick r:id="rId2"/>
+              </a:rPr>
+              <a:t>https://</a:t>
+            </a:r>
+            <a:r>
+              <a:rPr lang="es-ES" sz="1050" dirty="0" smtClean="0">
+                <a:hlinkClick r:id="rId2"/>
+              </a:rPr>
+              <a:t>www.tutorialspoint.com/javascript/javascript_for_loop.htm</a:t>
+            </a:r>
+            <a:r>
+              <a:rPr lang="es-ES" sz="1050" dirty="0" smtClean="0"/>
+              <a:t> </a:t>
+            </a:r>
+            <a:endParaRPr lang="es-ES" sz="1050" dirty="0"/>
+          </a:p>
+        </p:txBody>
+      </p:sp>
+      <p:sp>
+        <p:nvSpPr>
+          <p:cNvPr id="3" name="Rectángulo 2"/>
+          <p:cNvSpPr/>
+          <p:nvPr/>
+        </p:nvSpPr>
+        <p:spPr>
+          <a:xfrm>
+            <a:off x="1097280" y="1880273"/>
+            <a:ext cx="10215154" cy="1815882"/>
+          </a:xfrm>
+          <a:prstGeom prst="rect">
+            <a:avLst/>
+          </a:prstGeom>
+        </p:spPr>
+        <p:txBody>
+          <a:bodyPr wrap="square">
+            <a:spAutoFit/>
+          </a:bodyPr>
+          <a:lstStyle/>
+          <a:p>
+            <a:r>
+              <a:rPr lang="en-US" sz="1600" b="1" dirty="0" smtClean="0"/>
+              <a:t>Examples</a:t>
+            </a:r>
+          </a:p>
+          <a:p>
+            <a:endParaRPr lang="en-US" sz="1600" dirty="0" smtClean="0"/>
+          </a:p>
+          <a:p>
+            <a:endParaRPr lang="en-US" sz="1600" dirty="0" smtClean="0"/>
+          </a:p>
+          <a:p>
+            <a:endParaRPr lang="en-US" sz="1600" dirty="0"/>
+          </a:p>
+          <a:p>
+            <a:endParaRPr lang="en-US" sz="1600" dirty="0" smtClean="0"/>
+          </a:p>
+          <a:p>
+            <a:endParaRPr lang="en-US" sz="1600" b="1" dirty="0"/>
+          </a:p>
+          <a:p>
+            <a:endParaRPr lang="en-US" sz="1600" b="1" dirty="0" smtClean="0"/>
+          </a:p>
+        </p:txBody>
+      </p:sp>
+      <p:pic>
+        <p:nvPicPr>
+          <p:cNvPr id="4" name="Imagen 3"/>
+          <p:cNvPicPr>
+            <a:picLocks noChangeAspect="1"/>
+          </p:cNvPicPr>
+          <p:nvPr/>
+        </p:nvPicPr>
+        <p:blipFill>
+          <a:blip r:embed="rId3"/>
+          <a:stretch>
+            <a:fillRect/>
+          </a:stretch>
+        </p:blipFill>
+        <p:spPr>
+          <a:xfrm>
+            <a:off x="1097280" y="2300415"/>
+            <a:ext cx="5870844" cy="2193208"/>
+          </a:xfrm>
+          <a:prstGeom prst="rect">
+            <a:avLst/>
+          </a:prstGeom>
+        </p:spPr>
+      </p:pic>
     </p:spTree>
     <p:extLst>
       <p:ext uri="{BB962C8B-B14F-4D97-AF65-F5344CB8AC3E}">
-        <p14:creationId xmlns:p14="http://schemas.microsoft.com/office/powerpoint/2010/main" val="4186835425"/>
+        <p14:creationId xmlns:p14="http://schemas.microsoft.com/office/powerpoint/2010/main" val="2602922486"/>
       </p:ext>
     </p:extLst>
   </p:cSld>
   <p:clrMapOvr>
     <a:masterClrMapping/>
   </p:clrMapOvr>
+  <p:timing>
+    <p:tnLst>
+      <p:par>
+        <p:cTn id="1" dur="indefinite" restart="never" nodeType="tmRoot"/>
+      </p:par>
+    </p:tnLst>
+  </p:timing>
 </p:sld>
 </file>
 
@@ -23032,30 +24984,205 @@
             </a:br>
             <a:r>
               <a:rPr lang="en-US" sz="2400" dirty="0"/>
-              <a:t>9. </a:t>
-            </a:r>
-            <a:r>
-              <a:rPr lang="en-US" sz="2400" dirty="0" err="1"/>
-              <a:t>Manipulacion</a:t>
-            </a:r>
-            <a:r>
-              <a:rPr lang="en-US" sz="2400" dirty="0"/>
-              <a:t> del DOM</a:t>
-            </a:r>
-            <a:endParaRPr lang="es-ES" sz="2400" dirty="0"/>
-          </a:p>
-        </p:txBody>
-      </p:sp>
+              <a:t>2. </a:t>
+            </a:r>
+            <a:r>
+              <a:rPr lang="es-ES" sz="2400" dirty="0"/>
+              <a:t>Iteraciones - </a:t>
+            </a:r>
+            <a:r>
+              <a:rPr lang="es-ES" sz="2400" dirty="0" err="1"/>
+              <a:t>For</a:t>
+            </a:r>
+            <a:r>
+              <a:rPr lang="es-ES" sz="2400" dirty="0"/>
+              <a:t> </a:t>
+            </a:r>
+            <a:r>
+              <a:rPr lang="es-ES" sz="2400" dirty="0" err="1"/>
+              <a:t>Loop</a:t>
+            </a:r>
+            <a:r>
+              <a:rPr lang="es-ES" sz="2400" dirty="0"/>
+              <a:t> </a:t>
+            </a:r>
+            <a:br>
+              <a:rPr lang="es-ES" sz="2400" dirty="0"/>
+            </a:br>
+            <a:r>
+              <a:rPr lang="es-ES" sz="1050" dirty="0">
+                <a:hlinkClick r:id="rId2"/>
+              </a:rPr>
+              <a:t>https://</a:t>
+            </a:r>
+            <a:r>
+              <a:rPr lang="es-ES" sz="1050" dirty="0" smtClean="0">
+                <a:hlinkClick r:id="rId2"/>
+              </a:rPr>
+              <a:t>www.tutorialspoint.com/javascript/javascript_for_loop.htm</a:t>
+            </a:r>
+            <a:r>
+              <a:rPr lang="es-ES" sz="1050" dirty="0" smtClean="0"/>
+              <a:t> </a:t>
+            </a:r>
+            <a:endParaRPr lang="es-ES" sz="1050" dirty="0"/>
+          </a:p>
+        </p:txBody>
+      </p:sp>
+      <p:sp>
+        <p:nvSpPr>
+          <p:cNvPr id="3" name="Rectángulo 2"/>
+          <p:cNvSpPr/>
+          <p:nvPr/>
+        </p:nvSpPr>
+        <p:spPr>
+          <a:xfrm>
+            <a:off x="1097280" y="1880273"/>
+            <a:ext cx="10215154" cy="3293209"/>
+          </a:xfrm>
+          <a:prstGeom prst="rect">
+            <a:avLst/>
+          </a:prstGeom>
+        </p:spPr>
+        <p:txBody>
+          <a:bodyPr wrap="square">
+            <a:spAutoFit/>
+          </a:bodyPr>
+          <a:lstStyle/>
+          <a:p>
+            <a:r>
+              <a:rPr lang="en-US" sz="1600" dirty="0" smtClean="0"/>
+              <a:t>For… In</a:t>
+            </a:r>
+          </a:p>
+          <a:p>
+            <a:endParaRPr lang="en-US" sz="1600" dirty="0" smtClean="0"/>
+          </a:p>
+          <a:p>
+            <a:r>
+              <a:rPr lang="en-US" sz="1600" dirty="0"/>
+              <a:t>The for...in loop is used to loop through an object's properties. As we have not discussed Objects yet, you may not feel comfortable with this loop. But once you understand how objects behave in JavaScript, you will find this loop very useful</a:t>
+            </a:r>
+            <a:r>
+              <a:rPr lang="en-US" sz="1600" dirty="0" smtClean="0"/>
+              <a:t>.</a:t>
+            </a:r>
+          </a:p>
+          <a:p>
+            <a:endParaRPr lang="en-US" sz="1600" dirty="0"/>
+          </a:p>
+          <a:p>
+            <a:endParaRPr lang="en-US" sz="1600" dirty="0"/>
+          </a:p>
+          <a:p>
+            <a:endParaRPr lang="en-US" sz="1600" dirty="0" smtClean="0"/>
+          </a:p>
+          <a:p>
+            <a:endParaRPr lang="en-US" sz="1600" dirty="0" smtClean="0"/>
+          </a:p>
+          <a:p>
+            <a:endParaRPr lang="en-US" sz="1600" dirty="0"/>
+          </a:p>
+          <a:p>
+            <a:endParaRPr lang="en-US" sz="1600" dirty="0" smtClean="0"/>
+          </a:p>
+          <a:p>
+            <a:endParaRPr lang="en-US" sz="1600" b="1" dirty="0"/>
+          </a:p>
+          <a:p>
+            <a:endParaRPr lang="en-US" sz="1600" b="1" dirty="0" smtClean="0"/>
+          </a:p>
+        </p:txBody>
+      </p:sp>
+      <p:pic>
+        <p:nvPicPr>
+          <p:cNvPr id="6" name="Imagen 5"/>
+          <p:cNvPicPr>
+            <a:picLocks noChangeAspect="1"/>
+          </p:cNvPicPr>
+          <p:nvPr/>
+        </p:nvPicPr>
+        <p:blipFill>
+          <a:blip r:embed="rId3"/>
+          <a:stretch>
+            <a:fillRect/>
+          </a:stretch>
+        </p:blipFill>
+        <p:spPr>
+          <a:xfrm>
+            <a:off x="1371477" y="3284862"/>
+            <a:ext cx="2599632" cy="936882"/>
+          </a:xfrm>
+          <a:prstGeom prst="rect">
+            <a:avLst/>
+          </a:prstGeom>
+        </p:spPr>
+      </p:pic>
+      <p:pic>
+        <p:nvPicPr>
+          <p:cNvPr id="7" name="Imagen 6"/>
+          <p:cNvPicPr>
+            <a:picLocks noChangeAspect="1"/>
+          </p:cNvPicPr>
+          <p:nvPr/>
+        </p:nvPicPr>
+        <p:blipFill>
+          <a:blip r:embed="rId4"/>
+          <a:stretch>
+            <a:fillRect/>
+          </a:stretch>
+        </p:blipFill>
+        <p:spPr>
+          <a:xfrm>
+            <a:off x="4617780" y="3031995"/>
+            <a:ext cx="4487032" cy="1442616"/>
+          </a:xfrm>
+          <a:prstGeom prst="rect">
+            <a:avLst/>
+          </a:prstGeom>
+        </p:spPr>
+      </p:pic>
+      <p:pic>
+        <p:nvPicPr>
+          <p:cNvPr id="10" name="Imagen 9"/>
+          <p:cNvPicPr>
+            <a:picLocks noChangeAspect="1"/>
+          </p:cNvPicPr>
+          <p:nvPr/>
+        </p:nvPicPr>
+        <p:blipFill>
+          <a:blip r:embed="rId5"/>
+          <a:stretch>
+            <a:fillRect/>
+          </a:stretch>
+        </p:blipFill>
+        <p:spPr>
+          <a:xfrm>
+            <a:off x="7299416" y="4188428"/>
+            <a:ext cx="3314700" cy="1352550"/>
+          </a:xfrm>
+          <a:prstGeom prst="rect">
+            <a:avLst/>
+          </a:prstGeom>
+        </p:spPr>
+      </p:pic>
     </p:spTree>
     <p:extLst>
       <p:ext uri="{BB962C8B-B14F-4D97-AF65-F5344CB8AC3E}">
-        <p14:creationId xmlns:p14="http://schemas.microsoft.com/office/powerpoint/2010/main" val="2423004846"/>
+        <p14:creationId xmlns:p14="http://schemas.microsoft.com/office/powerpoint/2010/main" val="4029060093"/>
       </p:ext>
     </p:extLst>
   </p:cSld>
   <p:clrMapOvr>
     <a:masterClrMapping/>
   </p:clrMapOvr>
+  <p:timing>
+    <p:tnLst>
+      <p:par>
+        <p:cTn id="1" dur="indefinite" restart="never" nodeType="tmRoot"/>
+      </p:par>
+    </p:tnLst>
+  </p:timing>
 </p:sld>
 </file>
 
@@ -23300,19 +25427,142 @@
             </a:br>
             <a:r>
               <a:rPr lang="en-US" sz="2400" dirty="0"/>
-              <a:t>10. </a:t>
-            </a:r>
-            <a:r>
-              <a:rPr lang="es-ES" sz="2400" dirty="0"/>
-              <a:t>Seleccionando elementos y aplicándole propiedades </a:t>
-            </a:r>
-          </a:p>
-        </p:txBody>
-      </p:sp>
+              <a:t>3. </a:t>
+            </a:r>
+            <a:r>
+              <a:rPr lang="en-US" sz="2400" dirty="0" err="1"/>
+              <a:t>Iteraciones</a:t>
+            </a:r>
+            <a:r>
+              <a:rPr lang="en-US" sz="2400" dirty="0"/>
+              <a:t> - While y Do While Loop </a:t>
+            </a:r>
+            <a:br>
+              <a:rPr lang="en-US" sz="2400" dirty="0"/>
+            </a:br>
+            <a:r>
+              <a:rPr lang="en-US" sz="1050" dirty="0">
+                <a:hlinkClick r:id="rId2"/>
+              </a:rPr>
+              <a:t>https://</a:t>
+            </a:r>
+            <a:r>
+              <a:rPr lang="en-US" sz="1050" dirty="0" smtClean="0">
+                <a:hlinkClick r:id="rId2"/>
+              </a:rPr>
+              <a:t>www.w3schools.com/js/js_loop_while.asp</a:t>
+            </a:r>
+            <a:r>
+              <a:rPr lang="en-US" sz="1050" dirty="0" smtClean="0"/>
+              <a:t> </a:t>
+            </a:r>
+            <a:endParaRPr lang="es-ES" sz="1050" dirty="0"/>
+          </a:p>
+        </p:txBody>
+      </p:sp>
+      <p:sp>
+        <p:nvSpPr>
+          <p:cNvPr id="3" name="Rectángulo 2"/>
+          <p:cNvSpPr/>
+          <p:nvPr/>
+        </p:nvSpPr>
+        <p:spPr>
+          <a:xfrm>
+            <a:off x="1097280" y="2052935"/>
+            <a:ext cx="10058400" cy="1446550"/>
+          </a:xfrm>
+          <a:prstGeom prst="rect">
+            <a:avLst/>
+          </a:prstGeom>
+        </p:spPr>
+        <p:txBody>
+          <a:bodyPr wrap="square">
+            <a:spAutoFit/>
+          </a:bodyPr>
+          <a:lstStyle/>
+          <a:p>
+            <a:r>
+              <a:rPr lang="en-US" sz="1600" b="1" dirty="0"/>
+              <a:t>The While Loop</a:t>
+            </a:r>
+          </a:p>
+          <a:p>
+            <a:r>
+              <a:rPr lang="en-US" sz="1600" dirty="0"/>
+              <a:t>The while loop loops through a block of code as long as a specified condition is true</a:t>
+            </a:r>
+            <a:r>
+              <a:rPr lang="en-US" dirty="0" smtClean="0"/>
+              <a:t>.</a:t>
+            </a:r>
+          </a:p>
+          <a:p>
+            <a:endParaRPr lang="en-US" dirty="0"/>
+          </a:p>
+          <a:p>
+            <a:r>
+              <a:rPr lang="es-MX" b="1" dirty="0" err="1" smtClean="0"/>
+              <a:t>Syntax</a:t>
+            </a:r>
+            <a:endParaRPr lang="es-MX" b="1" dirty="0" smtClean="0"/>
+          </a:p>
+          <a:p>
+            <a:endParaRPr lang="es-MX" b="1" dirty="0"/>
+          </a:p>
+        </p:txBody>
+      </p:sp>
+      <p:pic>
+        <p:nvPicPr>
+          <p:cNvPr id="4" name="Imagen 3"/>
+          <p:cNvPicPr>
+            <a:picLocks noChangeAspect="1"/>
+          </p:cNvPicPr>
+          <p:nvPr/>
+        </p:nvPicPr>
+        <p:blipFill>
+          <a:blip r:embed="rId3"/>
+          <a:stretch>
+            <a:fillRect/>
+          </a:stretch>
+        </p:blipFill>
+        <p:spPr>
+          <a:xfrm>
+            <a:off x="1109808" y="3319250"/>
+            <a:ext cx="3897620" cy="991620"/>
+          </a:xfrm>
+          <a:prstGeom prst="rect">
+            <a:avLst/>
+          </a:prstGeom>
+        </p:spPr>
+      </p:pic>
+      <p:pic>
+        <p:nvPicPr>
+          <p:cNvPr id="5" name="Imagen 4"/>
+          <p:cNvPicPr>
+            <a:picLocks noChangeAspect="1"/>
+          </p:cNvPicPr>
+          <p:nvPr/>
+        </p:nvPicPr>
+        <p:blipFill>
+          <a:blip r:embed="rId4"/>
+          <a:stretch>
+            <a:fillRect/>
+          </a:stretch>
+        </p:blipFill>
+        <p:spPr>
+          <a:xfrm>
+            <a:off x="5396956" y="3226524"/>
+            <a:ext cx="5369196" cy="1908536"/>
+          </a:xfrm>
+          <a:prstGeom prst="rect">
+            <a:avLst/>
+          </a:prstGeom>
+        </p:spPr>
+      </p:pic>
     </p:spTree>
     <p:extLst>
       <p:ext uri="{BB962C8B-B14F-4D97-AF65-F5344CB8AC3E}">
-        <p14:creationId xmlns:p14="http://schemas.microsoft.com/office/powerpoint/2010/main" val="53982279"/>
+        <p14:creationId xmlns:p14="http://schemas.microsoft.com/office/powerpoint/2010/main" val="4140807561"/>
       </p:ext>
     </p:extLst>
   </p:cSld>
@@ -23376,19 +25626,150 @@
             </a:br>
             <a:r>
               <a:rPr lang="en-US" sz="2400" dirty="0"/>
-              <a:t>11. </a:t>
-            </a:r>
-            <a:r>
-              <a:rPr lang="es-ES" sz="2400" dirty="0"/>
-              <a:t>Seleccionando múltiples elementos en JavaScript </a:t>
-            </a:r>
-          </a:p>
-        </p:txBody>
-      </p:sp>
+              <a:t>3. </a:t>
+            </a:r>
+            <a:r>
+              <a:rPr lang="en-US" sz="2400" dirty="0" err="1"/>
+              <a:t>Iteraciones</a:t>
+            </a:r>
+            <a:r>
+              <a:rPr lang="en-US" sz="2400" dirty="0"/>
+              <a:t> - While y Do While Loop </a:t>
+            </a:r>
+            <a:br>
+              <a:rPr lang="en-US" sz="2400" dirty="0"/>
+            </a:br>
+            <a:r>
+              <a:rPr lang="en-US" sz="1050" dirty="0">
+                <a:hlinkClick r:id="rId2"/>
+              </a:rPr>
+              <a:t>https://</a:t>
+            </a:r>
+            <a:r>
+              <a:rPr lang="en-US" sz="1050" dirty="0" smtClean="0">
+                <a:hlinkClick r:id="rId2"/>
+              </a:rPr>
+              <a:t>www.w3schools.com/js/js_loop_while.asp</a:t>
+            </a:r>
+            <a:r>
+              <a:rPr lang="en-US" sz="1050" dirty="0" smtClean="0"/>
+              <a:t> </a:t>
+            </a:r>
+            <a:endParaRPr lang="es-ES" sz="1050" dirty="0"/>
+          </a:p>
+        </p:txBody>
+      </p:sp>
+      <p:sp>
+        <p:nvSpPr>
+          <p:cNvPr id="3" name="Rectángulo 2"/>
+          <p:cNvSpPr/>
+          <p:nvPr/>
+        </p:nvSpPr>
+        <p:spPr>
+          <a:xfrm>
+            <a:off x="1097280" y="2052935"/>
+            <a:ext cx="10058400" cy="1661993"/>
+          </a:xfrm>
+          <a:prstGeom prst="rect">
+            <a:avLst/>
+          </a:prstGeom>
+        </p:spPr>
+        <p:txBody>
+          <a:bodyPr wrap="square">
+            <a:spAutoFit/>
+          </a:bodyPr>
+          <a:lstStyle/>
+          <a:p>
+            <a:r>
+              <a:rPr lang="en-US" sz="1600" b="1" dirty="0"/>
+              <a:t>The </a:t>
+            </a:r>
+            <a:r>
+              <a:rPr lang="en-US" sz="1600" b="1" dirty="0" smtClean="0"/>
+              <a:t>Do While </a:t>
+            </a:r>
+            <a:r>
+              <a:rPr lang="en-US" sz="1600" b="1" dirty="0"/>
+              <a:t>Loop</a:t>
+            </a:r>
+          </a:p>
+          <a:p>
+            <a:r>
+              <a:rPr lang="en-US" sz="1600" dirty="0"/>
+              <a:t>The do while loop is a variant of the while loop. This loop will execute the code block once, before checking if the condition is true, then it will repeat the loop as long as the condition is true</a:t>
+            </a:r>
+            <a:r>
+              <a:rPr lang="en-US" sz="1600" dirty="0" smtClean="0"/>
+              <a:t>.</a:t>
+            </a:r>
+          </a:p>
+          <a:p>
+            <a:endParaRPr lang="en-US" dirty="0"/>
+          </a:p>
+          <a:p>
+            <a:r>
+              <a:rPr lang="es-MX" b="1" dirty="0" err="1" smtClean="0"/>
+              <a:t>Syntax</a:t>
+            </a:r>
+            <a:endParaRPr lang="es-MX" b="1" dirty="0" smtClean="0"/>
+          </a:p>
+          <a:p>
+            <a:endParaRPr lang="es-MX" b="1" dirty="0"/>
+          </a:p>
+        </p:txBody>
+      </p:sp>
+      <p:pic>
+        <p:nvPicPr>
+          <p:cNvPr id="6" name="Imagen 5"/>
+          <p:cNvPicPr>
+            <a:picLocks noChangeAspect="1"/>
+          </p:cNvPicPr>
+          <p:nvPr/>
+        </p:nvPicPr>
+        <p:blipFill>
+          <a:blip r:embed="rId3"/>
+          <a:stretch>
+            <a:fillRect/>
+          </a:stretch>
+        </p:blipFill>
+        <p:spPr>
+          <a:xfrm>
+            <a:off x="1097280" y="3554318"/>
+            <a:ext cx="3460174" cy="1161374"/>
+          </a:xfrm>
+          <a:prstGeom prst="rect">
+            <a:avLst/>
+          </a:prstGeom>
+        </p:spPr>
+      </p:pic>
+      <p:pic>
+        <p:nvPicPr>
+          <p:cNvPr id="7" name="Imagen 6"/>
+          <p:cNvPicPr>
+            <a:picLocks noChangeAspect="1"/>
+          </p:cNvPicPr>
+          <p:nvPr/>
+        </p:nvPicPr>
+        <p:blipFill>
+          <a:blip r:embed="rId4"/>
+          <a:stretch>
+            <a:fillRect/>
+          </a:stretch>
+        </p:blipFill>
+        <p:spPr>
+          <a:xfrm>
+            <a:off x="5407961" y="3151298"/>
+            <a:ext cx="3988650" cy="2128024"/>
+          </a:xfrm>
+          <a:prstGeom prst="rect">
+            <a:avLst/>
+          </a:prstGeom>
+        </p:spPr>
+      </p:pic>
     </p:spTree>
     <p:extLst>
       <p:ext uri="{BB962C8B-B14F-4D97-AF65-F5344CB8AC3E}">
-        <p14:creationId xmlns:p14="http://schemas.microsoft.com/office/powerpoint/2010/main" val="523027786"/>
+        <p14:creationId xmlns:p14="http://schemas.microsoft.com/office/powerpoint/2010/main" val="3197225859"/>
       </p:ext>
     </p:extLst>
   </p:cSld>
@@ -23452,24 +25833,129 @@
             </a:br>
             <a:r>
               <a:rPr lang="en-US" sz="2400" dirty="0"/>
-              <a:t>12. Traversing </a:t>
-            </a:r>
-            <a:r>
-              <a:rPr lang="en-US" sz="2400" dirty="0" err="1"/>
-              <a:t>en</a:t>
-            </a:r>
-            <a:r>
-              <a:rPr lang="en-US" sz="2400" dirty="0"/>
-              <a:t> JavaScript </a:t>
-            </a:r>
-            <a:endParaRPr lang="es-ES" sz="2400" dirty="0"/>
-          </a:p>
-        </p:txBody>
-      </p:sp>
+              <a:t>4. </a:t>
+            </a:r>
+            <a:r>
+              <a:rPr lang="en-US" sz="2400" dirty="0" smtClean="0"/>
+              <a:t>Map </a:t>
+            </a:r>
+            <a:r>
+              <a:rPr lang="en-US" sz="2400" dirty="0"/>
+              <a:t>e </a:t>
+            </a:r>
+            <a:r>
+              <a:rPr lang="en-US" sz="2400" dirty="0" err="1" smtClean="0"/>
+              <a:t>Iteradores</a:t>
+            </a:r>
+            <a:r>
+              <a:rPr lang="en-US" sz="2400" dirty="0"/>
+              <a:t/>
+            </a:r>
+            <a:br>
+              <a:rPr lang="en-US" sz="2400" dirty="0"/>
+            </a:br>
+            <a:r>
+              <a:rPr lang="en-US" sz="1050" dirty="0">
+                <a:hlinkClick r:id="rId2"/>
+              </a:rPr>
+              <a:t>https://</a:t>
+            </a:r>
+            <a:r>
+              <a:rPr lang="en-US" sz="1050" dirty="0" smtClean="0">
+                <a:hlinkClick r:id="rId2"/>
+              </a:rPr>
+              <a:t>developer.mozilla.org/es/docs/Web/JavaScript/Reference/Global_Objects/Array/map</a:t>
+            </a:r>
+            <a:r>
+              <a:rPr lang="en-US" sz="1050" dirty="0" smtClean="0"/>
+              <a:t>  </a:t>
+            </a:r>
+            <a:endParaRPr lang="es-ES" sz="1050" dirty="0"/>
+          </a:p>
+        </p:txBody>
+      </p:sp>
+      <p:sp>
+        <p:nvSpPr>
+          <p:cNvPr id="3" name="Rectángulo 2"/>
+          <p:cNvSpPr/>
+          <p:nvPr/>
+        </p:nvSpPr>
+        <p:spPr>
+          <a:xfrm>
+            <a:off x="1193074" y="1992813"/>
+            <a:ext cx="9962606" cy="830997"/>
+          </a:xfrm>
+          <a:prstGeom prst="rect">
+            <a:avLst/>
+          </a:prstGeom>
+        </p:spPr>
+        <p:txBody>
+          <a:bodyPr wrap="square">
+            <a:spAutoFit/>
+          </a:bodyPr>
+          <a:lstStyle/>
+          <a:p>
+            <a:r>
+              <a:rPr lang="es-MX" sz="1600" b="1" dirty="0" err="1"/>
+              <a:t>Array.prototype.map</a:t>
+            </a:r>
+            <a:r>
+              <a:rPr lang="es-MX" sz="1600" b="1" dirty="0"/>
+              <a:t>()</a:t>
+            </a:r>
+          </a:p>
+          <a:p>
+            <a:r>
+              <a:rPr lang="es-MX" sz="1600" dirty="0"/>
+              <a:t>El método </a:t>
+            </a:r>
+            <a:r>
+              <a:rPr lang="es-MX" sz="1600" dirty="0" err="1"/>
+              <a:t>map</a:t>
+            </a:r>
+            <a:r>
+              <a:rPr lang="es-MX" sz="1600" dirty="0"/>
+              <a:t>() crea un nuevo </a:t>
+            </a:r>
+            <a:r>
+              <a:rPr lang="es-MX" sz="1600" dirty="0" err="1"/>
+              <a:t>array</a:t>
+            </a:r>
+            <a:r>
+              <a:rPr lang="es-MX" sz="1600" dirty="0"/>
+              <a:t> con los resultados de la llamada a la función indicada aplicados a cada uno de sus elementos.</a:t>
+            </a:r>
+          </a:p>
+        </p:txBody>
+      </p:sp>
+      <p:pic>
+        <p:nvPicPr>
+          <p:cNvPr id="4" name="Imagen 3"/>
+          <p:cNvPicPr>
+            <a:picLocks noChangeAspect="1"/>
+          </p:cNvPicPr>
+          <p:nvPr/>
+        </p:nvPicPr>
+        <p:blipFill>
+          <a:blip r:embed="rId3"/>
+          <a:stretch>
+            <a:fillRect/>
+          </a:stretch>
+        </p:blipFill>
+        <p:spPr>
+          <a:xfrm>
+            <a:off x="3061062" y="2582023"/>
+            <a:ext cx="6226630" cy="3684518"/>
+          </a:xfrm>
+          <a:prstGeom prst="rect">
+            <a:avLst/>
+          </a:prstGeom>
+        </p:spPr>
+      </p:pic>
     </p:spTree>
     <p:extLst>
       <p:ext uri="{BB962C8B-B14F-4D97-AF65-F5344CB8AC3E}">
-        <p14:creationId xmlns:p14="http://schemas.microsoft.com/office/powerpoint/2010/main" val="359085007"/>
+        <p14:creationId xmlns:p14="http://schemas.microsoft.com/office/powerpoint/2010/main" val="3542367439"/>
       </p:ext>
     </p:extLst>
   </p:cSld>
@@ -23519,289 +26005,119 @@
           </a:xfrm>
         </p:spPr>
         <p:txBody>
-          <a:bodyPr/>
+          <a:bodyPr>
+            <a:normAutofit/>
+          </a:bodyPr>
           <a:lstStyle/>
           <a:p>
             <a:r>
-              <a:rPr lang="en-US" dirty="0" err="1"/>
-              <a:t>Contenido</a:t>
-            </a:r>
-            <a:endParaRPr lang="en-IN" dirty="0"/>
-          </a:p>
-        </p:txBody>
-      </p:sp>
-      <p:sp>
-        <p:nvSpPr>
-          <p:cNvPr id="3" name="TextBox 2">
-            <a:extLst>
-              <a:ext uri="{FF2B5EF4-FFF2-40B4-BE49-F238E27FC236}">
-                <a16:creationId xmlns:a16="http://schemas.microsoft.com/office/drawing/2014/main" id="{8B080ECA-F7ED-40E8-94EB-347125C8FFA6}"/>
-              </a:ext>
-            </a:extLst>
-          </p:cNvPr>
-          <p:cNvSpPr txBox="1"/>
+              <a:rPr lang="en-US" sz="2400" dirty="0"/>
+              <a:t>Modulo 2: </a:t>
+            </a:r>
+            <a:br>
+              <a:rPr lang="en-US" sz="2400" dirty="0"/>
+            </a:br>
+            <a:r>
+              <a:rPr lang="en-US" sz="2400" dirty="0"/>
+              <a:t>5. </a:t>
+            </a:r>
+            <a:r>
+              <a:rPr lang="es-ES" sz="2400" dirty="0" smtClean="0"/>
+              <a:t>Desestructuración de Objetos y </a:t>
+            </a:r>
+            <a:r>
+              <a:rPr lang="es-ES" sz="2400" dirty="0"/>
+              <a:t>Arreglos </a:t>
+            </a:r>
+            <a:br>
+              <a:rPr lang="es-ES" sz="2400" dirty="0"/>
+            </a:br>
+            <a:r>
+              <a:rPr lang="es-ES" sz="1050" dirty="0">
+                <a:hlinkClick r:id="rId2"/>
+              </a:rPr>
+              <a:t>https://</a:t>
+            </a:r>
+            <a:r>
+              <a:rPr lang="es-ES" sz="1050" dirty="0" smtClean="0">
+                <a:hlinkClick r:id="rId2"/>
+              </a:rPr>
+              <a:t>developer.mozilla.org/es/docs/Web/JavaScript/Reference/Operators/Destructuring_assignment</a:t>
+            </a:r>
+            <a:r>
+              <a:rPr lang="es-ES" sz="1050" dirty="0" smtClean="0"/>
+              <a:t> </a:t>
+            </a:r>
+            <a:endParaRPr lang="es-ES" sz="1050" dirty="0"/>
+          </a:p>
+        </p:txBody>
+      </p:sp>
+      <p:sp>
+        <p:nvSpPr>
+          <p:cNvPr id="3" name="Rectángulo 2"/>
+          <p:cNvSpPr/>
           <p:nvPr/>
         </p:nvSpPr>
         <p:spPr>
           <a:xfrm>
-            <a:off x="1097280" y="1988192"/>
-            <a:ext cx="9086955" cy="3693319"/>
+            <a:off x="1097280" y="2026809"/>
+            <a:ext cx="10058400" cy="1077218"/>
           </a:xfrm>
           <a:prstGeom prst="rect">
             <a:avLst/>
           </a:prstGeom>
-          <a:noFill/>
-        </p:spPr>
-        <p:txBody>
-          <a:bodyPr wrap="square" rtlCol="0">
+        </p:spPr>
+        <p:txBody>
+          <a:bodyPr wrap="square">
             <a:spAutoFit/>
           </a:bodyPr>
           <a:lstStyle/>
           <a:p>
             <a:r>
-              <a:rPr lang="es-ES" b="1" dirty="0"/>
-              <a:t>A) Modulo 3</a:t>
-            </a:r>
-          </a:p>
-          <a:p>
-            <a:pPr marL="800100" lvl="1" indent="-342900">
-              <a:buFont typeface="+mj-lt"/>
-              <a:buAutoNum type="arabicPeriod"/>
-            </a:pPr>
-            <a:r>
-              <a:rPr lang="en-IN" dirty="0" err="1"/>
-              <a:t>Creando</a:t>
-            </a:r>
-            <a:r>
-              <a:rPr lang="en-IN" dirty="0"/>
-              <a:t> </a:t>
-            </a:r>
-            <a:r>
-              <a:rPr lang="en-IN" dirty="0" err="1"/>
-              <a:t>Elementos</a:t>
-            </a:r>
-            <a:r>
-              <a:rPr lang="en-IN" dirty="0"/>
-              <a:t> con JavaScript  </a:t>
-            </a:r>
-          </a:p>
-          <a:p>
-            <a:pPr marL="800100" lvl="1" indent="-342900">
-              <a:buFont typeface="+mj-lt"/>
-              <a:buAutoNum type="arabicPeriod"/>
-            </a:pPr>
-            <a:r>
-              <a:rPr lang="en-IN" dirty="0" err="1"/>
-              <a:t>Reemplazando</a:t>
-            </a:r>
-            <a:r>
-              <a:rPr lang="en-IN" dirty="0"/>
-              <a:t> </a:t>
-            </a:r>
-            <a:r>
-              <a:rPr lang="en-IN" dirty="0" err="1"/>
-              <a:t>elementos</a:t>
-            </a:r>
-            <a:r>
-              <a:rPr lang="en-IN" dirty="0"/>
-              <a:t> con JavaScript  </a:t>
-            </a:r>
-          </a:p>
-          <a:p>
-            <a:pPr marL="800100" lvl="1" indent="-342900">
-              <a:buFont typeface="+mj-lt"/>
-              <a:buAutoNum type="arabicPeriod"/>
-            </a:pPr>
-            <a:r>
-              <a:rPr lang="en-IN" dirty="0" err="1"/>
-              <a:t>Agregando</a:t>
-            </a:r>
-            <a:r>
-              <a:rPr lang="en-IN" dirty="0"/>
-              <a:t> y </a:t>
-            </a:r>
-            <a:r>
-              <a:rPr lang="en-IN" dirty="0" err="1"/>
-              <a:t>quitando</a:t>
-            </a:r>
-            <a:r>
-              <a:rPr lang="en-IN" dirty="0"/>
-              <a:t> </a:t>
-            </a:r>
-            <a:r>
-              <a:rPr lang="en-IN" dirty="0" err="1"/>
-              <a:t>clases</a:t>
-            </a:r>
-            <a:r>
-              <a:rPr lang="en-IN" dirty="0"/>
-              <a:t> y </a:t>
-            </a:r>
-            <a:r>
-              <a:rPr lang="en-IN" dirty="0" err="1"/>
-              <a:t>otros</a:t>
-            </a:r>
-            <a:r>
-              <a:rPr lang="en-IN" dirty="0"/>
-              <a:t> </a:t>
-            </a:r>
-            <a:r>
-              <a:rPr lang="en-IN" dirty="0" err="1"/>
-              <a:t>atributos</a:t>
-            </a:r>
-            <a:r>
-              <a:rPr lang="en-IN" dirty="0"/>
-              <a:t>  </a:t>
-            </a:r>
-          </a:p>
-          <a:p>
-            <a:pPr marL="800100" lvl="1" indent="-342900">
-              <a:buFont typeface="+mj-lt"/>
-              <a:buAutoNum type="arabicPeriod"/>
-            </a:pPr>
-            <a:r>
-              <a:rPr lang="en-IN" dirty="0"/>
-              <a:t>Events y local storage</a:t>
-            </a:r>
-          </a:p>
-          <a:p>
-            <a:pPr marL="800100" lvl="1" indent="-342900">
-              <a:buFont typeface="+mj-lt"/>
-              <a:buAutoNum type="arabicPeriod"/>
-            </a:pPr>
-            <a:r>
-              <a:rPr lang="es-ES" dirty="0"/>
-              <a:t>Agregando, leyendo, borrando y limpiando el </a:t>
-            </a:r>
-            <a:r>
-              <a:rPr lang="es-ES" dirty="0" err="1"/>
-              <a:t>LocalStorage</a:t>
-            </a:r>
-            <a:r>
-              <a:rPr lang="es-ES" dirty="0"/>
-              <a:t>  </a:t>
-            </a:r>
-            <a:r>
-              <a:rPr lang="en-IN" dirty="0"/>
-              <a:t>	 </a:t>
-            </a:r>
-          </a:p>
-          <a:p>
-            <a:pPr marL="800100" lvl="1" indent="-342900">
-              <a:buFont typeface="+mj-lt"/>
-              <a:buAutoNum type="arabicPeriod"/>
-            </a:pPr>
-            <a:r>
-              <a:rPr lang="en-IN" dirty="0"/>
-              <a:t>Event Listener Click  </a:t>
-            </a:r>
-          </a:p>
-          <a:p>
-            <a:pPr marL="800100" lvl="1" indent="-342900">
-              <a:buFont typeface="+mj-lt"/>
-              <a:buAutoNum type="arabicPeriod"/>
-            </a:pPr>
-            <a:r>
-              <a:rPr lang="en-IN" dirty="0" err="1"/>
-              <a:t>Otros</a:t>
-            </a:r>
-            <a:r>
-              <a:rPr lang="en-IN" dirty="0"/>
-              <a:t> </a:t>
-            </a:r>
-            <a:r>
-              <a:rPr lang="en-IN" dirty="0" err="1"/>
-              <a:t>Eventos</a:t>
-            </a:r>
-            <a:r>
-              <a:rPr lang="en-IN" dirty="0"/>
-              <a:t> con el mouse  </a:t>
-            </a:r>
-          </a:p>
-          <a:p>
-            <a:pPr marL="800100" lvl="1" indent="-342900">
-              <a:buFont typeface="+mj-lt"/>
-              <a:buAutoNum type="arabicPeriod"/>
-            </a:pPr>
-            <a:r>
-              <a:rPr lang="en-IN" dirty="0" err="1"/>
-              <a:t>Eventos</a:t>
-            </a:r>
-            <a:r>
-              <a:rPr lang="en-IN" dirty="0"/>
-              <a:t> para los Inputs  </a:t>
-            </a:r>
-          </a:p>
-          <a:p>
-            <a:pPr marL="800100" lvl="1" indent="-342900">
-              <a:buFont typeface="+mj-lt"/>
-              <a:buAutoNum type="arabicPeriod"/>
-            </a:pPr>
-            <a:r>
-              <a:rPr lang="en-IN" dirty="0"/>
-              <a:t>¿</a:t>
-            </a:r>
-            <a:r>
-              <a:rPr lang="en-IN" dirty="0" err="1"/>
-              <a:t>Qué</a:t>
-            </a:r>
-            <a:r>
-              <a:rPr lang="en-IN" dirty="0"/>
-              <a:t> es el Event Bubbling?  </a:t>
-            </a:r>
-          </a:p>
-          <a:p>
-            <a:pPr marL="800100" lvl="1" indent="-342900">
-              <a:buFont typeface="+mj-lt"/>
-              <a:buAutoNum type="arabicPeriod"/>
-            </a:pPr>
-            <a:r>
-              <a:rPr lang="en-IN" dirty="0"/>
-              <a:t>Delegation </a:t>
-            </a:r>
-            <a:r>
-              <a:rPr lang="en-IN" dirty="0" err="1"/>
-              <a:t>en</a:t>
-            </a:r>
-            <a:r>
-              <a:rPr lang="en-IN" dirty="0"/>
-              <a:t> JavaScript </a:t>
-            </a:r>
-          </a:p>
-          <a:p>
-            <a:pPr marL="800100" lvl="1" indent="-342900">
-              <a:buFont typeface="+mj-lt"/>
-              <a:buAutoNum type="arabicPeriod"/>
-            </a:pPr>
-            <a:r>
-              <a:rPr lang="es-ES" dirty="0"/>
-              <a:t>Objetos, constructores, clases y </a:t>
-            </a:r>
-            <a:r>
-              <a:rPr lang="es-ES" dirty="0" err="1"/>
-              <a:t>this</a:t>
-            </a:r>
-            <a:r>
-              <a:rPr lang="es-ES" dirty="0"/>
-              <a:t>	 </a:t>
-            </a:r>
-          </a:p>
-          <a:p>
-            <a:pPr marL="800100" lvl="1" indent="-342900">
-              <a:buFont typeface="+mj-lt"/>
-              <a:buAutoNum type="arabicPeriod"/>
-            </a:pPr>
-            <a:r>
-              <a:rPr lang="es-ES" dirty="0"/>
-              <a:t>Creando Objetos </a:t>
-            </a:r>
-            <a:endParaRPr lang="en-IN" dirty="0"/>
-          </a:p>
-        </p:txBody>
-      </p:sp>
+              <a:rPr lang="es-MX" sz="1600" dirty="0"/>
+              <a:t>La sintaxis de desestructuración es una expresión de JavaScript que permite desempacar valores de arreglos o propiedades de objetos en distintas variables</a:t>
+            </a:r>
+            <a:r>
+              <a:rPr lang="es-MX" sz="1600" dirty="0" smtClean="0"/>
+              <a:t>.</a:t>
+            </a:r>
+          </a:p>
+          <a:p>
+            <a:endParaRPr lang="es-MX" sz="1600" dirty="0"/>
+          </a:p>
+          <a:p>
+            <a:endParaRPr lang="es-MX" sz="1600" dirty="0"/>
+          </a:p>
+        </p:txBody>
+      </p:sp>
+      <p:pic>
+        <p:nvPicPr>
+          <p:cNvPr id="4" name="Imagen 3"/>
+          <p:cNvPicPr>
+            <a:picLocks noChangeAspect="1"/>
+          </p:cNvPicPr>
+          <p:nvPr/>
+        </p:nvPicPr>
+        <p:blipFill>
+          <a:blip r:embed="rId3"/>
+          <a:stretch>
+            <a:fillRect/>
+          </a:stretch>
+        </p:blipFill>
+        <p:spPr>
+          <a:xfrm>
+            <a:off x="1097280" y="2832592"/>
+            <a:ext cx="4606420" cy="3084882"/>
+          </a:xfrm>
+          <a:prstGeom prst="rect">
+            <a:avLst/>
+          </a:prstGeom>
+        </p:spPr>
+      </p:pic>
     </p:spTree>
     <p:extLst>
       <p:ext uri="{BB962C8B-B14F-4D97-AF65-F5344CB8AC3E}">
-        <p14:creationId xmlns:p14="http://schemas.microsoft.com/office/powerpoint/2010/main" val="1032740207"/>
+        <p14:creationId xmlns:p14="http://schemas.microsoft.com/office/powerpoint/2010/main" val="3039616738"/>
       </p:ext>
     </p:extLst>
   </p:cSld>
@@ -23858,39 +26174,102 @@
           <a:p>
             <a:r>
               <a:rPr lang="en-US" sz="2400" dirty="0"/>
-              <a:t>Modulo 3: </a:t>
+              <a:t>Modulo 2: </a:t>
             </a:r>
             <a:br>
               <a:rPr lang="en-US" sz="2400" dirty="0"/>
             </a:br>
             <a:r>
               <a:rPr lang="en-US" sz="2400" dirty="0"/>
-              <a:t>1. </a:t>
-            </a:r>
-            <a:r>
-              <a:rPr lang="en-US" sz="2400" dirty="0" err="1"/>
-              <a:t>Creando</a:t>
-            </a:r>
-            <a:r>
-              <a:rPr lang="en-US" sz="2400" dirty="0"/>
+              <a:t>5. </a:t>
+            </a:r>
+            <a:r>
+              <a:rPr lang="es-ES" sz="2400" dirty="0" smtClean="0"/>
+              <a:t>Desestructuración de Objetos y </a:t>
+            </a:r>
+            <a:r>
+              <a:rPr lang="es-ES" sz="2400" dirty="0"/>
+              <a:t>Arreglos </a:t>
+            </a:r>
+            <a:br>
+              <a:rPr lang="es-ES" sz="2400" dirty="0"/>
+            </a:br>
+            <a:r>
+              <a:rPr lang="es-ES" sz="1050" dirty="0">
+                <a:hlinkClick r:id="rId2"/>
+              </a:rPr>
+              <a:t>https://</a:t>
+            </a:r>
+            <a:r>
+              <a:rPr lang="es-ES" sz="1050" dirty="0" smtClean="0">
+                <a:hlinkClick r:id="rId2"/>
+              </a:rPr>
+              <a:t>developer.mozilla.org/es/docs/Web/JavaScript/Reference/Operators/Destructuring_assignment</a:t>
+            </a:r>
+            <a:r>
+              <a:rPr lang="es-ES" sz="1050" dirty="0" smtClean="0"/>
               <a:t> </a:t>
             </a:r>
-            <a:r>
-              <a:rPr lang="en-US" sz="2400" dirty="0" err="1"/>
-              <a:t>Elementos</a:t>
-            </a:r>
-            <a:r>
-              <a:rPr lang="en-US" sz="2400" dirty="0"/>
-              <a:t> con JavaScript </a:t>
-            </a:r>
-            <a:endParaRPr lang="es-ES" sz="2400" dirty="0"/>
-          </a:p>
-        </p:txBody>
-      </p:sp>
+            <a:endParaRPr lang="es-ES" sz="1050" dirty="0"/>
+          </a:p>
+        </p:txBody>
+      </p:sp>
+      <p:sp>
+        <p:nvSpPr>
+          <p:cNvPr id="3" name="Rectángulo 2"/>
+          <p:cNvSpPr/>
+          <p:nvPr/>
+        </p:nvSpPr>
+        <p:spPr>
+          <a:xfrm>
+            <a:off x="1097280" y="2026809"/>
+            <a:ext cx="10058400" cy="584775"/>
+          </a:xfrm>
+          <a:prstGeom prst="rect">
+            <a:avLst/>
+          </a:prstGeom>
+        </p:spPr>
+        <p:txBody>
+          <a:bodyPr wrap="square">
+            <a:spAutoFit/>
+          </a:bodyPr>
+          <a:lstStyle/>
+          <a:p>
+            <a:endParaRPr lang="es-MX" sz="1600" dirty="0"/>
+          </a:p>
+          <a:p>
+            <a:endParaRPr lang="es-MX" sz="1600" dirty="0"/>
+          </a:p>
+        </p:txBody>
+      </p:sp>
+      <p:pic>
+        <p:nvPicPr>
+          <p:cNvPr id="5" name="Imagen 4"/>
+          <p:cNvPicPr>
+            <a:picLocks noChangeAspect="1"/>
+          </p:cNvPicPr>
+          <p:nvPr/>
+        </p:nvPicPr>
+        <p:blipFill>
+          <a:blip r:embed="rId3"/>
+          <a:stretch>
+            <a:fillRect/>
+          </a:stretch>
+        </p:blipFill>
+        <p:spPr>
+          <a:xfrm>
+            <a:off x="1000316" y="2195094"/>
+            <a:ext cx="6391166" cy="2742666"/>
+          </a:xfrm>
+          <a:prstGeom prst="rect">
+            <a:avLst/>
+          </a:prstGeom>
+        </p:spPr>
+      </p:pic>
     </p:spTree>
     <p:extLst>
       <p:ext uri="{BB962C8B-B14F-4D97-AF65-F5344CB8AC3E}">
-        <p14:creationId xmlns:p14="http://schemas.microsoft.com/office/powerpoint/2010/main" val="2405586826"/>
+        <p14:creationId xmlns:p14="http://schemas.microsoft.com/office/powerpoint/2010/main" val="855829918"/>
       </p:ext>
     </p:extLst>
   </p:cSld>
@@ -23947,39 +26326,48 @@
           <a:p>
             <a:r>
               <a:rPr lang="en-US" sz="2400" dirty="0"/>
-              <a:t>Modulo 3: </a:t>
+              <a:t>Modulo 2: </a:t>
             </a:r>
             <a:br>
               <a:rPr lang="en-US" sz="2400" dirty="0"/>
             </a:br>
             <a:r>
               <a:rPr lang="en-US" sz="2400" dirty="0"/>
-              <a:t>2. </a:t>
-            </a:r>
-            <a:r>
-              <a:rPr lang="en-US" sz="2400" dirty="0" err="1"/>
-              <a:t>Reemplazando</a:t>
-            </a:r>
-            <a:r>
-              <a:rPr lang="en-US" sz="2400" dirty="0"/>
-              <a:t> </a:t>
-            </a:r>
-            <a:r>
-              <a:rPr lang="en-US" sz="2400" dirty="0" err="1"/>
-              <a:t>elementos</a:t>
-            </a:r>
-            <a:r>
-              <a:rPr lang="en-US" sz="2400" dirty="0"/>
-              <a:t> con JavaScript </a:t>
-            </a:r>
-            <a:endParaRPr lang="es-ES" sz="2400" dirty="0"/>
+              <a:t>6. Window Object</a:t>
+            </a:r>
+            <a:br>
+              <a:rPr lang="en-US" sz="2400" dirty="0"/>
+            </a:br>
+            <a:r>
+              <a:rPr lang="en-US" sz="1050" dirty="0">
+                <a:hlinkClick r:id="rId2"/>
+              </a:rPr>
+              <a:t>https</a:t>
+            </a:r>
+            <a:r>
+              <a:rPr lang="en-US" sz="1050">
+                <a:hlinkClick r:id="rId2"/>
+              </a:rPr>
+              <a:t>://</a:t>
+            </a:r>
+            <a:r>
+              <a:rPr lang="en-US" sz="1050" smtClean="0">
+                <a:hlinkClick r:id="rId2"/>
+              </a:rPr>
+              <a:t>developer.mozilla.org/es/docs/Web/API/Window</a:t>
+            </a:r>
+            <a:r>
+              <a:rPr lang="en-US" sz="1050" smtClean="0"/>
+              <a:t>  </a:t>
+            </a:r>
+            <a:endParaRPr lang="es-ES" sz="1050" dirty="0"/>
           </a:p>
         </p:txBody>
       </p:sp>
     </p:spTree>
     <p:extLst>
       <p:ext uri="{BB962C8B-B14F-4D97-AF65-F5344CB8AC3E}">
-        <p14:creationId xmlns:p14="http://schemas.microsoft.com/office/powerpoint/2010/main" val="2882442398"/>
+        <p14:creationId xmlns:p14="http://schemas.microsoft.com/office/powerpoint/2010/main" val="1680369560"/>
       </p:ext>
     </p:extLst>
   </p:cSld>
@@ -24036,26 +26424,117 @@
           <a:p>
             <a:r>
               <a:rPr lang="en-US" sz="2400" dirty="0"/>
-              <a:t>Modulo 3: </a:t>
+              <a:t>Modulo 2: </a:t>
             </a:r>
             <a:br>
               <a:rPr lang="en-US" sz="2400" dirty="0"/>
             </a:br>
             <a:r>
               <a:rPr lang="en-US" sz="2400" dirty="0"/>
-              <a:t>3. </a:t>
-            </a:r>
-            <a:r>
-              <a:rPr lang="es-ES" sz="2400" dirty="0"/>
-              <a:t>Agregando y quitando clases y otros atributos </a:t>
-            </a:r>
+              <a:t>7. Scope </a:t>
+            </a:r>
+            <a:r>
+              <a:rPr lang="en-US" sz="2400" dirty="0" err="1"/>
+              <a:t>en</a:t>
+            </a:r>
+            <a:r>
+              <a:rPr lang="en-US" sz="2400" dirty="0"/>
+              <a:t> JavaScript </a:t>
+            </a:r>
+            <a:endParaRPr lang="es-ES" sz="2400" dirty="0"/>
+          </a:p>
+        </p:txBody>
+      </p:sp>
+      <p:sp>
+        <p:nvSpPr>
+          <p:cNvPr id="4" name="TextBox 3">
+            <a:extLst>
+              <a:ext uri="{FF2B5EF4-FFF2-40B4-BE49-F238E27FC236}">
+                <a16:creationId xmlns:a16="http://schemas.microsoft.com/office/drawing/2014/main" id="{D98F04A3-2609-46EF-9351-EC1902C61F15}"/>
+              </a:ext>
+            </a:extLst>
+          </p:cNvPr>
+          <p:cNvSpPr txBox="1"/>
+          <p:nvPr/>
+        </p:nvSpPr>
+        <p:spPr>
+          <a:xfrm>
+            <a:off x="1127760" y="2042875"/>
+            <a:ext cx="10058400" cy="3077766"/>
+          </a:xfrm>
+          <a:prstGeom prst="rect">
+            <a:avLst/>
+          </a:prstGeom>
+          <a:noFill/>
+        </p:spPr>
+        <p:txBody>
+          <a:bodyPr wrap="square">
+            <a:spAutoFit/>
+          </a:bodyPr>
+          <a:lstStyle/>
+          <a:p>
+            <a:r>
+              <a:rPr lang="en-US" sz="1600" dirty="0"/>
+              <a:t>JavaScript Variable Scope</a:t>
+            </a:r>
+          </a:p>
+          <a:p>
+            <a:r>
+              <a:rPr lang="en-US" sz="1600" dirty="0"/>
+              <a:t>The scope of a variable is the region of your program in which it is defined. JavaScript variables have only two scopes.</a:t>
+            </a:r>
+          </a:p>
+          <a:p>
+            <a:endParaRPr lang="en-US" sz="1600" dirty="0"/>
+          </a:p>
+          <a:p>
+            <a:pPr marL="285750" indent="-285750">
+              <a:buFont typeface="Arial" panose="020B0604020202020204" pitchFamily="34" charset="0"/>
+              <a:buChar char="•"/>
+            </a:pPr>
+            <a:r>
+              <a:rPr lang="en-US" sz="1600" b="1" dirty="0"/>
+              <a:t>Global Variables </a:t>
+            </a:r>
+            <a:r>
+              <a:rPr lang="en-US" sz="1600" dirty="0"/>
+              <a:t>− A global variable has global scope which means it can be defined anywhere in your JavaScript code.</a:t>
+            </a:r>
+          </a:p>
+          <a:p>
+            <a:pPr marL="285750" indent="-285750">
+              <a:buFont typeface="Arial" panose="020B0604020202020204" pitchFamily="34" charset="0"/>
+              <a:buChar char="•"/>
+            </a:pPr>
+            <a:r>
+              <a:rPr lang="en-US" sz="1600" b="1" dirty="0"/>
+              <a:t>Local Variables </a:t>
+            </a:r>
+            <a:r>
+              <a:rPr lang="en-US" sz="1600" dirty="0"/>
+              <a:t>− A local variable will be visible only within a function where it is defined. Function parameters are always local to that function.</a:t>
+            </a:r>
+          </a:p>
+          <a:p>
+            <a:endParaRPr lang="en-US" sz="1600" dirty="0"/>
+          </a:p>
+          <a:p>
+            <a:r>
+              <a:rPr lang="en-US" sz="1600" dirty="0"/>
+              <a:t>Within the body of a function, a local variable takes precedence over a global variable with the same name. If you declare a local variable or function parameter with the same name as a global variable, you effectively hide the global variable. Take a look into the following example</a:t>
+            </a:r>
+            <a:r>
+              <a:rPr lang="en-US" dirty="0"/>
+              <a:t>.</a:t>
+            </a:r>
+            <a:endParaRPr lang="en-IN" dirty="0"/>
           </a:p>
         </p:txBody>
       </p:sp>
     </p:spTree>
     <p:extLst>
       <p:ext uri="{BB962C8B-B14F-4D97-AF65-F5344CB8AC3E}">
-        <p14:creationId xmlns:p14="http://schemas.microsoft.com/office/powerpoint/2010/main" val="263874902"/>
+        <p14:creationId xmlns:p14="http://schemas.microsoft.com/office/powerpoint/2010/main" val="1367706803"/>
       </p:ext>
     </p:extLst>
   </p:cSld>
@@ -24112,23 +26591,146 @@
           <a:p>
             <a:r>
               <a:rPr lang="en-US" sz="2400" dirty="0"/>
-              <a:t>Modulo 3: </a:t>
+              <a:t>Modulo 2: </a:t>
             </a:r>
             <a:br>
               <a:rPr lang="en-US" sz="2400" dirty="0"/>
             </a:br>
             <a:r>
               <a:rPr lang="en-US" sz="2400" dirty="0"/>
-              <a:t>4. Events y local storage</a:t>
+              <a:t>7. Scope </a:t>
+            </a:r>
+            <a:r>
+              <a:rPr lang="en-US" sz="2400" dirty="0" err="1"/>
+              <a:t>en</a:t>
+            </a:r>
+            <a:r>
+              <a:rPr lang="en-US" sz="2400" dirty="0"/>
+              <a:t> JavaScript </a:t>
             </a:r>
             <a:endParaRPr lang="es-ES" sz="2400" dirty="0"/>
+          </a:p>
+        </p:txBody>
+      </p:sp>
+      <p:sp>
+        <p:nvSpPr>
+          <p:cNvPr id="4" name="TextBox 3">
+            <a:extLst>
+              <a:ext uri="{FF2B5EF4-FFF2-40B4-BE49-F238E27FC236}">
+                <a16:creationId xmlns:a16="http://schemas.microsoft.com/office/drawing/2014/main" id="{D98F04A3-2609-46EF-9351-EC1902C61F15}"/>
+              </a:ext>
+            </a:extLst>
+          </p:cNvPr>
+          <p:cNvSpPr txBox="1"/>
+          <p:nvPr/>
+        </p:nvSpPr>
+        <p:spPr>
+          <a:xfrm>
+            <a:off x="1097280" y="2831441"/>
+            <a:ext cx="10058400" cy="2277547"/>
+          </a:xfrm>
+          <a:prstGeom prst="rect">
+            <a:avLst/>
+          </a:prstGeom>
+          <a:noFill/>
+        </p:spPr>
+        <p:txBody>
+          <a:bodyPr wrap="square">
+            <a:spAutoFit/>
+          </a:bodyPr>
+          <a:lstStyle/>
+          <a:p>
+            <a:r>
+              <a:rPr lang="en-US" dirty="0"/>
+              <a:t>let </a:t>
+            </a:r>
+            <a:r>
+              <a:rPr lang="en-US" dirty="0" err="1"/>
+              <a:t>myVar</a:t>
+            </a:r>
+            <a:r>
+              <a:rPr lang="en-US" dirty="0"/>
+              <a:t> = "global";      // Declare a global variable</a:t>
+            </a:r>
+          </a:p>
+          <a:p>
+            <a:r>
+              <a:rPr lang="en-US" dirty="0"/>
+              <a:t>function </a:t>
+            </a:r>
+            <a:r>
+              <a:rPr lang="en-US" dirty="0" err="1"/>
+              <a:t>checkscope</a:t>
+            </a:r>
+            <a:r>
+              <a:rPr lang="en-US" dirty="0"/>
+              <a:t>( ) {</a:t>
+            </a:r>
+          </a:p>
+          <a:p>
+            <a:r>
+              <a:rPr lang="en-US" dirty="0"/>
+              <a:t>    let </a:t>
+            </a:r>
+            <a:r>
+              <a:rPr lang="en-US" dirty="0" err="1"/>
+              <a:t>myLet</a:t>
+            </a:r>
+            <a:r>
+              <a:rPr lang="en-US" dirty="0"/>
+              <a:t> = "local";    // Declare a local variable</a:t>
+            </a:r>
+          </a:p>
+          <a:p>
+            <a:r>
+              <a:rPr lang="en-US" dirty="0"/>
+              <a:t>    </a:t>
+            </a:r>
+            <a:r>
+              <a:rPr lang="en-US" dirty="0" err="1"/>
+              <a:t>document.write</a:t>
+            </a:r>
+            <a:r>
+              <a:rPr lang="en-US" dirty="0"/>
+              <a:t>(</a:t>
+            </a:r>
+            <a:r>
+              <a:rPr lang="en-US" dirty="0" err="1"/>
+              <a:t>myVar</a:t>
+            </a:r>
+            <a:r>
+              <a:rPr lang="en-US" dirty="0"/>
+              <a:t>);</a:t>
+            </a:r>
+          </a:p>
+          <a:p>
+            <a:r>
+              <a:rPr lang="en-US" dirty="0"/>
+              <a:t>}</a:t>
+            </a:r>
+          </a:p>
+          <a:p>
+            <a:endParaRPr lang="en-US" sz="2000" dirty="0"/>
+          </a:p>
+          <a:p>
+            <a:r>
+              <a:rPr lang="en-US" sz="1600" dirty="0"/>
+              <a:t>This produces the following result −</a:t>
+            </a:r>
+          </a:p>
+          <a:p>
+            <a:r>
+              <a:rPr lang="en-US" sz="1600" b="1" dirty="0"/>
+              <a:t>local</a:t>
+            </a:r>
+            <a:endParaRPr lang="en-IN" sz="1600" b="1" dirty="0"/>
           </a:p>
         </p:txBody>
       </p:sp>
     </p:spTree>
     <p:extLst>
       <p:ext uri="{BB962C8B-B14F-4D97-AF65-F5344CB8AC3E}">
-        <p14:creationId xmlns:p14="http://schemas.microsoft.com/office/powerpoint/2010/main" val="315089139"/>
+        <p14:creationId xmlns:p14="http://schemas.microsoft.com/office/powerpoint/2010/main" val="1824981956"/>
       </p:ext>
     </p:extLst>
   </p:cSld>
@@ -24185,34 +26787,23 @@
           <a:p>
             <a:r>
               <a:rPr lang="en-US" sz="2400" dirty="0"/>
-              <a:t>Modulo 3: </a:t>
+              <a:t>Modulo 2: </a:t>
             </a:r>
             <a:br>
               <a:rPr lang="en-US" sz="2400" dirty="0"/>
             </a:br>
             <a:r>
               <a:rPr lang="en-US" sz="2400" dirty="0"/>
-              <a:t>5. </a:t>
-            </a:r>
-            <a:r>
-              <a:rPr lang="es-ES" sz="2400" dirty="0"/>
-              <a:t>Agregando, leyendo, borrando y limpiando el </a:t>
-            </a:r>
-            <a:r>
-              <a:rPr lang="es-ES" sz="2400" dirty="0" err="1"/>
-              <a:t>LocalStorage</a:t>
-            </a:r>
-            <a:r>
-              <a:rPr lang="es-ES" sz="2400" dirty="0"/>
-              <a:t> </a:t>
-            </a:r>
+              <a:t>8. ¿Que es el DOM?</a:t>
+            </a:r>
+            <a:endParaRPr lang="es-ES" sz="2400" dirty="0"/>
           </a:p>
         </p:txBody>
       </p:sp>
     </p:spTree>
     <p:extLst>
       <p:ext uri="{BB962C8B-B14F-4D97-AF65-F5344CB8AC3E}">
-        <p14:creationId xmlns:p14="http://schemas.microsoft.com/office/powerpoint/2010/main" val="1254858835"/>
+        <p14:creationId xmlns:p14="http://schemas.microsoft.com/office/powerpoint/2010/main" val="4186835425"/>
       </p:ext>
     </p:extLst>
   </p:cSld>
@@ -24269,14 +26860,22 @@
           <a:p>
             <a:r>
               <a:rPr lang="en-US" sz="2400" dirty="0"/>
-              <a:t>Modulo 3: </a:t>
+              <a:t>Modulo 2: </a:t>
             </a:r>
             <a:br>
               <a:rPr lang="en-US" sz="2400" dirty="0"/>
             </a:br>
             <a:r>
               <a:rPr lang="en-US" sz="2400" dirty="0"/>
-              <a:t>6. Event Listener Click </a:t>
+              <a:t>9. </a:t>
+            </a:r>
+            <a:r>
+              <a:rPr lang="en-US" sz="2400" dirty="0" err="1"/>
+              <a:t>Manipulacion</a:t>
+            </a:r>
+            <a:r>
+              <a:rPr lang="en-US" sz="2400" dirty="0"/>
+              <a:t> del DOM</a:t>
             </a:r>
             <a:endParaRPr lang="es-ES" sz="2400" dirty="0"/>
           </a:p>
@@ -24285,7 +26884,7 @@
     </p:spTree>
     <p:extLst>
       <p:ext uri="{BB962C8B-B14F-4D97-AF65-F5344CB8AC3E}">
-        <p14:creationId xmlns:p14="http://schemas.microsoft.com/office/powerpoint/2010/main" val="297937840"/>
+        <p14:creationId xmlns:p14="http://schemas.microsoft.com/office/powerpoint/2010/main" val="2423004846"/>
       </p:ext>
     </p:extLst>
   </p:cSld>
@@ -24561,18 +27160,18 @@
           <a:p>
             <a:r>
               <a:rPr lang="en-US" sz="2400" dirty="0"/>
-              <a:t>Modulo 3: </a:t>
+              <a:t>Modulo 2: </a:t>
             </a:r>
             <a:br>
               <a:rPr lang="en-US" sz="2400" dirty="0"/>
             </a:br>
             <a:r>
               <a:rPr lang="en-US" sz="2400" dirty="0"/>
-              <a:t>7. </a:t>
+              <a:t>10. </a:t>
             </a:r>
             <a:r>
               <a:rPr lang="es-ES" sz="2400" dirty="0"/>
-              <a:t>Otros Eventos con el mouse </a:t>
+              <a:t>Seleccionando elementos y aplicándole propiedades </a:t>
             </a:r>
           </a:p>
         </p:txBody>
@@ -24580,7 +27179,7 @@
     </p:spTree>
     <p:extLst>
       <p:ext uri="{BB962C8B-B14F-4D97-AF65-F5344CB8AC3E}">
-        <p14:creationId xmlns:p14="http://schemas.microsoft.com/office/powerpoint/2010/main" val="1853066299"/>
+        <p14:creationId xmlns:p14="http://schemas.microsoft.com/office/powerpoint/2010/main" val="53982279"/>
       </p:ext>
     </p:extLst>
   </p:cSld>
@@ -24637,31 +27236,26 @@
           <a:p>
             <a:r>
               <a:rPr lang="en-US" sz="2400" dirty="0"/>
-              <a:t>Modulo 3: </a:t>
+              <a:t>Modulo 2: </a:t>
             </a:r>
             <a:br>
               <a:rPr lang="en-US" sz="2400" dirty="0"/>
             </a:br>
             <a:r>
               <a:rPr lang="en-US" sz="2400" dirty="0"/>
-              <a:t>8. </a:t>
-            </a:r>
-            <a:r>
-              <a:rPr lang="en-US" sz="2400" dirty="0" err="1"/>
-              <a:t>Eventos</a:t>
-            </a:r>
-            <a:r>
-              <a:rPr lang="en-US" sz="2400" dirty="0"/>
-              <a:t> para los Inputs </a:t>
-            </a:r>
-            <a:endParaRPr lang="es-ES" sz="2400" dirty="0"/>
+              <a:t>11. </a:t>
+            </a:r>
+            <a:r>
+              <a:rPr lang="es-ES" sz="2400" dirty="0"/>
+              <a:t>Seleccionando múltiples elementos en JavaScript </a:t>
+            </a:r>
           </a:p>
         </p:txBody>
       </p:sp>
     </p:spTree>
     <p:extLst>
       <p:ext uri="{BB962C8B-B14F-4D97-AF65-F5344CB8AC3E}">
-        <p14:creationId xmlns:p14="http://schemas.microsoft.com/office/powerpoint/2010/main" val="4084172117"/>
+        <p14:creationId xmlns:p14="http://schemas.microsoft.com/office/powerpoint/2010/main" val="523027786"/>
       </p:ext>
     </p:extLst>
   </p:cSld>
@@ -24718,42 +27312,31 @@
           <a:p>
             <a:r>
               <a:rPr lang="en-US" sz="2400" dirty="0"/>
-              <a:t>Modulo 3: </a:t>
+              <a:t>Modulo 2: </a:t>
             </a:r>
             <a:br>
               <a:rPr lang="en-US" sz="2400" dirty="0"/>
             </a:br>
             <a:r>
               <a:rPr lang="en-US" sz="2400" dirty="0"/>
-              <a:t>9. </a:t>
-            </a:r>
-            <a:r>
-              <a:rPr lang="es-ES" sz="2400" dirty="0"/>
-              <a:t>¿Qué es el </a:t>
-            </a:r>
-            <a:r>
-              <a:rPr lang="es-ES" sz="2400" dirty="0" err="1"/>
-              <a:t>Event</a:t>
-            </a:r>
-            <a:r>
-              <a:rPr lang="es-ES" sz="2400" dirty="0"/>
-              <a:t> </a:t>
-            </a:r>
-            <a:r>
-              <a:rPr lang="es-ES" sz="2400" dirty="0" err="1"/>
-              <a:t>Bubbling</a:t>
-            </a:r>
-            <a:r>
-              <a:rPr lang="es-ES" sz="2400" dirty="0"/>
-              <a:t>? </a:t>
-            </a:r>
+              <a:t>12. Traversing </a:t>
+            </a:r>
+            <a:r>
+              <a:rPr lang="en-US" sz="2400" dirty="0" err="1"/>
+              <a:t>en</a:t>
+            </a:r>
+            <a:r>
+              <a:rPr lang="en-US" sz="2400" dirty="0"/>
+              <a:t> JavaScript </a:t>
+            </a:r>
+            <a:endParaRPr lang="es-ES" sz="2400" dirty="0"/>
           </a:p>
         </p:txBody>
       </p:sp>
     </p:spTree>
     <p:extLst>
       <p:ext uri="{BB962C8B-B14F-4D97-AF65-F5344CB8AC3E}">
-        <p14:creationId xmlns:p14="http://schemas.microsoft.com/office/powerpoint/2010/main" val="3560321813"/>
+        <p14:creationId xmlns:p14="http://schemas.microsoft.com/office/powerpoint/2010/main" val="359085007"/>
       </p:ext>
     </p:extLst>
   </p:cSld>
@@ -24803,38 +27386,289 @@
           </a:xfrm>
         </p:spPr>
         <p:txBody>
-          <a:bodyPr>
-            <a:normAutofit/>
+          <a:bodyPr/>
+          <a:lstStyle/>
+          <a:p>
+            <a:r>
+              <a:rPr lang="en-US" dirty="0" err="1"/>
+              <a:t>Contenido</a:t>
+            </a:r>
+            <a:endParaRPr lang="en-IN" dirty="0"/>
+          </a:p>
+        </p:txBody>
+      </p:sp>
+      <p:sp>
+        <p:nvSpPr>
+          <p:cNvPr id="3" name="TextBox 2">
+            <a:extLst>
+              <a:ext uri="{FF2B5EF4-FFF2-40B4-BE49-F238E27FC236}">
+                <a16:creationId xmlns:a16="http://schemas.microsoft.com/office/drawing/2014/main" id="{8B080ECA-F7ED-40E8-94EB-347125C8FFA6}"/>
+              </a:ext>
+            </a:extLst>
+          </p:cNvPr>
+          <p:cNvSpPr txBox="1"/>
+          <p:nvPr/>
+        </p:nvSpPr>
+        <p:spPr>
+          <a:xfrm>
+            <a:off x="1097280" y="1988192"/>
+            <a:ext cx="9086955" cy="3693319"/>
+          </a:xfrm>
+          <a:prstGeom prst="rect">
+            <a:avLst/>
+          </a:prstGeom>
+          <a:noFill/>
+        </p:spPr>
+        <p:txBody>
+          <a:bodyPr wrap="square" rtlCol="0">
+            <a:spAutoFit/>
           </a:bodyPr>
           <a:lstStyle/>
           <a:p>
             <a:r>
-              <a:rPr lang="en-US" sz="2400" dirty="0"/>
-              <a:t>Modulo 3: </a:t>
-            </a:r>
-            <a:br>
-              <a:rPr lang="en-US" sz="2400" dirty="0"/>
-            </a:br>
-            <a:r>
-              <a:rPr lang="en-US" sz="2400" dirty="0"/>
-              <a:t>10. Delegation </a:t>
-            </a:r>
-            <a:r>
-              <a:rPr lang="en-US" sz="2400" dirty="0" err="1"/>
+              <a:rPr lang="es-ES" b="1" dirty="0"/>
+              <a:t>A) Modulo 3</a:t>
+            </a:r>
+          </a:p>
+          <a:p>
+            <a:pPr marL="800100" lvl="1" indent="-342900">
+              <a:buFont typeface="+mj-lt"/>
+              <a:buAutoNum type="arabicPeriod"/>
+            </a:pPr>
+            <a:r>
+              <a:rPr lang="en-IN" dirty="0" err="1"/>
+              <a:t>Creando</a:t>
+            </a:r>
+            <a:r>
+              <a:rPr lang="en-IN" dirty="0"/>
+              <a:t> </a:t>
+            </a:r>
+            <a:r>
+              <a:rPr lang="en-IN" dirty="0" err="1"/>
+              <a:t>Elementos</a:t>
+            </a:r>
+            <a:r>
+              <a:rPr lang="en-IN" dirty="0"/>
+              <a:t> con JavaScript  </a:t>
+            </a:r>
+          </a:p>
+          <a:p>
+            <a:pPr marL="800100" lvl="1" indent="-342900">
+              <a:buFont typeface="+mj-lt"/>
+              <a:buAutoNum type="arabicPeriod"/>
+            </a:pPr>
+            <a:r>
+              <a:rPr lang="en-IN" dirty="0" err="1"/>
+              <a:t>Reemplazando</a:t>
+            </a:r>
+            <a:r>
+              <a:rPr lang="en-IN" dirty="0"/>
+              <a:t> </a:t>
+            </a:r>
+            <a:r>
+              <a:rPr lang="en-IN" dirty="0" err="1"/>
+              <a:t>elementos</a:t>
+            </a:r>
+            <a:r>
+              <a:rPr lang="en-IN" dirty="0"/>
+              <a:t> con JavaScript  </a:t>
+            </a:r>
+          </a:p>
+          <a:p>
+            <a:pPr marL="800100" lvl="1" indent="-342900">
+              <a:buFont typeface="+mj-lt"/>
+              <a:buAutoNum type="arabicPeriod"/>
+            </a:pPr>
+            <a:r>
+              <a:rPr lang="en-IN" dirty="0" err="1"/>
+              <a:t>Agregando</a:t>
+            </a:r>
+            <a:r>
+              <a:rPr lang="en-IN" dirty="0"/>
+              <a:t> y </a:t>
+            </a:r>
+            <a:r>
+              <a:rPr lang="en-IN" dirty="0" err="1"/>
+              <a:t>quitando</a:t>
+            </a:r>
+            <a:r>
+              <a:rPr lang="en-IN" dirty="0"/>
+              <a:t> </a:t>
+            </a:r>
+            <a:r>
+              <a:rPr lang="en-IN" dirty="0" err="1"/>
+              <a:t>clases</a:t>
+            </a:r>
+            <a:r>
+              <a:rPr lang="en-IN" dirty="0"/>
+              <a:t> y </a:t>
+            </a:r>
+            <a:r>
+              <a:rPr lang="en-IN" dirty="0" err="1"/>
+              <a:t>otros</a:t>
+            </a:r>
+            <a:r>
+              <a:rPr lang="en-IN" dirty="0"/>
+              <a:t> </a:t>
+            </a:r>
+            <a:r>
+              <a:rPr lang="en-IN" dirty="0" err="1"/>
+              <a:t>atributos</a:t>
+            </a:r>
+            <a:r>
+              <a:rPr lang="en-IN" dirty="0"/>
+              <a:t>  </a:t>
+            </a:r>
+          </a:p>
+          <a:p>
+            <a:pPr marL="800100" lvl="1" indent="-342900">
+              <a:buFont typeface="+mj-lt"/>
+              <a:buAutoNum type="arabicPeriod"/>
+            </a:pPr>
+            <a:r>
+              <a:rPr lang="en-IN" dirty="0"/>
+              <a:t>Events y local storage</a:t>
+            </a:r>
+          </a:p>
+          <a:p>
+            <a:pPr marL="800100" lvl="1" indent="-342900">
+              <a:buFont typeface="+mj-lt"/>
+              <a:buAutoNum type="arabicPeriod"/>
+            </a:pPr>
+            <a:r>
+              <a:rPr lang="es-ES" dirty="0"/>
+              <a:t>Agregando, leyendo, borrando y limpiando el </a:t>
+            </a:r>
+            <a:r>
+              <a:rPr lang="es-ES" dirty="0" err="1"/>
+              <a:t>LocalStorage</a:t>
+            </a:r>
+            <a:r>
+              <a:rPr lang="es-ES" dirty="0"/>
+              <a:t>  </a:t>
+            </a:r>
+            <a:r>
+              <a:rPr lang="en-IN" dirty="0"/>
+              <a:t>	 </a:t>
+            </a:r>
+          </a:p>
+          <a:p>
+            <a:pPr marL="800100" lvl="1" indent="-342900">
+              <a:buFont typeface="+mj-lt"/>
+              <a:buAutoNum type="arabicPeriod"/>
+            </a:pPr>
+            <a:r>
+              <a:rPr lang="en-IN" dirty="0"/>
+              <a:t>Event Listener Click  </a:t>
+            </a:r>
+          </a:p>
+          <a:p>
+            <a:pPr marL="800100" lvl="1" indent="-342900">
+              <a:buFont typeface="+mj-lt"/>
+              <a:buAutoNum type="arabicPeriod"/>
+            </a:pPr>
+            <a:r>
+              <a:rPr lang="en-IN" dirty="0" err="1"/>
+              <a:t>Otros</a:t>
+            </a:r>
+            <a:r>
+              <a:rPr lang="en-IN" dirty="0"/>
+              <a:t> </a:t>
+            </a:r>
+            <a:r>
+              <a:rPr lang="en-IN" dirty="0" err="1"/>
+              <a:t>Eventos</a:t>
+            </a:r>
+            <a:r>
+              <a:rPr lang="en-IN" dirty="0"/>
+              <a:t> con el mouse  </a:t>
+            </a:r>
+          </a:p>
+          <a:p>
+            <a:pPr marL="800100" lvl="1" indent="-342900">
+              <a:buFont typeface="+mj-lt"/>
+              <a:buAutoNum type="arabicPeriod"/>
+            </a:pPr>
+            <a:r>
+              <a:rPr lang="en-IN" dirty="0" err="1"/>
+              <a:t>Eventos</a:t>
+            </a:r>
+            <a:r>
+              <a:rPr lang="en-IN" dirty="0"/>
+              <a:t> para los Inputs  </a:t>
+            </a:r>
+          </a:p>
+          <a:p>
+            <a:pPr marL="800100" lvl="1" indent="-342900">
+              <a:buFont typeface="+mj-lt"/>
+              <a:buAutoNum type="arabicPeriod"/>
+            </a:pPr>
+            <a:r>
+              <a:rPr lang="en-IN" dirty="0"/>
+              <a:t>¿</a:t>
+            </a:r>
+            <a:r>
+              <a:rPr lang="en-IN" dirty="0" err="1"/>
+              <a:t>Qué</a:t>
+            </a:r>
+            <a:r>
+              <a:rPr lang="en-IN" dirty="0"/>
+              <a:t> es el Event Bubbling?  </a:t>
+            </a:r>
+          </a:p>
+          <a:p>
+            <a:pPr marL="800100" lvl="1" indent="-342900">
+              <a:buFont typeface="+mj-lt"/>
+              <a:buAutoNum type="arabicPeriod"/>
+            </a:pPr>
+            <a:r>
+              <a:rPr lang="en-IN" dirty="0"/>
+              <a:t>Delegation </a:t>
+            </a:r>
+            <a:r>
+              <a:rPr lang="en-IN" dirty="0" err="1"/>
               <a:t>en</a:t>
             </a:r>
             <a:r>
-              <a:rPr lang="en-US" sz="2400" dirty="0"/>
-              <a:t> JavaScript</a:t>
-            </a:r>
-            <a:endParaRPr lang="es-ES" sz="2400" dirty="0"/>
+              <a:rPr lang="en-IN" dirty="0"/>
+              <a:t> JavaScript </a:t>
+            </a:r>
+          </a:p>
+          <a:p>
+            <a:pPr marL="800100" lvl="1" indent="-342900">
+              <a:buFont typeface="+mj-lt"/>
+              <a:buAutoNum type="arabicPeriod"/>
+            </a:pPr>
+            <a:r>
+              <a:rPr lang="es-ES" dirty="0"/>
+              <a:t>Objetos, constructores, clases y </a:t>
+            </a:r>
+            <a:r>
+              <a:rPr lang="es-ES" dirty="0" err="1"/>
+              <a:t>this</a:t>
+            </a:r>
+            <a:r>
+              <a:rPr lang="es-ES" dirty="0"/>
+              <a:t>	 </a:t>
+            </a:r>
+          </a:p>
+          <a:p>
+            <a:pPr marL="800100" lvl="1" indent="-342900">
+              <a:buFont typeface="+mj-lt"/>
+              <a:buAutoNum type="arabicPeriod"/>
+            </a:pPr>
+            <a:r>
+              <a:rPr lang="es-ES" dirty="0"/>
+              <a:t>Creando Objetos </a:t>
+            </a:r>
+            <a:endParaRPr lang="en-IN" dirty="0"/>
           </a:p>
         </p:txBody>
       </p:sp>
     </p:spTree>
     <p:extLst>
       <p:ext uri="{BB962C8B-B14F-4D97-AF65-F5344CB8AC3E}">
-        <p14:creationId xmlns:p14="http://schemas.microsoft.com/office/powerpoint/2010/main" val="2410712533"/>
+        <p14:creationId xmlns:p14="http://schemas.microsoft.com/office/powerpoint/2010/main" val="1032740207"/>
       </p:ext>
     </p:extLst>
   </p:cSld>
@@ -24898,15 +27732,23 @@
             </a:br>
             <a:r>
               <a:rPr lang="en-US" sz="2400" dirty="0"/>
-              <a:t>11. </a:t>
-            </a:r>
-            <a:r>
-              <a:rPr lang="es-ES" sz="2400" dirty="0"/>
-              <a:t>Objetos, constructores, clases y </a:t>
-            </a:r>
-            <a:r>
-              <a:rPr lang="es-ES" sz="2400" dirty="0" err="1"/>
-              <a:t>this</a:t>
+              <a:t>1. </a:t>
+            </a:r>
+            <a:r>
+              <a:rPr lang="en-US" sz="2400" dirty="0" err="1"/>
+              <a:t>Creando</a:t>
+            </a:r>
+            <a:r>
+              <a:rPr lang="en-US" sz="2400" dirty="0"/>
+              <a:t> </a:t>
+            </a:r>
+            <a:r>
+              <a:rPr lang="en-US" sz="2400" dirty="0" err="1"/>
+              <a:t>Elementos</a:t>
+            </a:r>
+            <a:r>
+              <a:rPr lang="en-US" sz="2400" dirty="0"/>
+              <a:t> con JavaScript </a:t>
             </a:r>
             <a:endParaRPr lang="es-ES" sz="2400" dirty="0"/>
           </a:p>
@@ -24915,7 +27757,7 @@
     </p:spTree>
     <p:extLst>
       <p:ext uri="{BB962C8B-B14F-4D97-AF65-F5344CB8AC3E}">
-        <p14:creationId xmlns:p14="http://schemas.microsoft.com/office/powerpoint/2010/main" val="2799839665"/>
+        <p14:creationId xmlns:p14="http://schemas.microsoft.com/office/powerpoint/2010/main" val="2405586826"/>
       </p:ext>
     </p:extLst>
   </p:cSld>
@@ -24979,11 +27821,11 @@
             </a:br>
             <a:r>
               <a:rPr lang="en-US" sz="2400" dirty="0"/>
-              <a:t>12. </a:t>
+              <a:t>2. </a:t>
             </a:r>
             <a:r>
               <a:rPr lang="en-US" sz="2400" dirty="0" err="1"/>
-              <a:t>Creando</a:t>
+              <a:t>Reemplazando</a:t>
             </a:r>
             <a:r>
               <a:rPr lang="en-US" sz="2400" dirty="0"/>
@@ -24991,11 +27833,11 @@
             </a:r>
             <a:r>
               <a:rPr lang="en-US" sz="2400" dirty="0" err="1"/>
-              <a:t>Objetos</a:t>
-            </a:r>
-            <a:r>
-              <a:rPr lang="en-US" sz="2400" dirty="0"/>
-              <a:t> </a:t>
+              <a:t>elementos</a:t>
+            </a:r>
+            <a:r>
+              <a:rPr lang="en-US" sz="2400" dirty="0"/>
+              <a:t> con JavaScript </a:t>
             </a:r>
             <a:endParaRPr lang="es-ES" sz="2400" dirty="0"/>
           </a:p>
@@ -25004,7 +27846,7 @@
     </p:spTree>
     <p:extLst>
       <p:ext uri="{BB962C8B-B14F-4D97-AF65-F5344CB8AC3E}">
-        <p14:creationId xmlns:p14="http://schemas.microsoft.com/office/powerpoint/2010/main" val="2833853260"/>
+        <p14:creationId xmlns:p14="http://schemas.microsoft.com/office/powerpoint/2010/main" val="2882442398"/>
       </p:ext>
     </p:extLst>
   </p:cSld>
@@ -25054,269 +27896,25 @@
           </a:xfrm>
         </p:spPr>
         <p:txBody>
-          <a:bodyPr/>
-          <a:lstStyle/>
-          <a:p>
-            <a:r>
-              <a:rPr lang="en-US" dirty="0" err="1"/>
-              <a:t>Contenido</a:t>
-            </a:r>
-            <a:endParaRPr lang="en-IN" dirty="0"/>
-          </a:p>
-        </p:txBody>
-      </p:sp>
-      <p:sp>
-        <p:nvSpPr>
-          <p:cNvPr id="3" name="TextBox 2">
-            <a:extLst>
-              <a:ext uri="{FF2B5EF4-FFF2-40B4-BE49-F238E27FC236}">
-                <a16:creationId xmlns:a16="http://schemas.microsoft.com/office/drawing/2014/main" id="{8B080ECA-F7ED-40E8-94EB-347125C8FFA6}"/>
-              </a:ext>
-            </a:extLst>
-          </p:cNvPr>
-          <p:cNvSpPr txBox="1"/>
-          <p:nvPr/>
-        </p:nvSpPr>
-        <p:spPr>
-          <a:xfrm>
-            <a:off x="1097280" y="1988192"/>
-            <a:ext cx="9086955" cy="3693319"/>
-          </a:xfrm>
-          <a:prstGeom prst="rect">
-            <a:avLst/>
-          </a:prstGeom>
-          <a:noFill/>
-        </p:spPr>
-        <p:txBody>
-          <a:bodyPr wrap="square" rtlCol="0">
-            <a:spAutoFit/>
+          <a:bodyPr>
+            <a:normAutofit/>
           </a:bodyPr>
           <a:lstStyle/>
           <a:p>
             <a:r>
-              <a:rPr lang="es-ES" b="1" dirty="0"/>
-              <a:t>A) Modulo 4</a:t>
-            </a:r>
-          </a:p>
-          <a:p>
-            <a:pPr marL="800100" lvl="1" indent="-342900">
-              <a:buFont typeface="+mj-lt"/>
-              <a:buAutoNum type="arabicPeriod"/>
-            </a:pPr>
-            <a:r>
-              <a:rPr lang="en-IN" dirty="0" err="1"/>
-              <a:t>Otros</a:t>
-            </a:r>
-            <a:r>
-              <a:rPr lang="en-IN" dirty="0"/>
-              <a:t> </a:t>
-            </a:r>
-            <a:r>
-              <a:rPr lang="en-IN" dirty="0" err="1"/>
-              <a:t>Objetos</a:t>
-            </a:r>
-            <a:r>
-              <a:rPr lang="en-IN" dirty="0"/>
-              <a:t> y </a:t>
-            </a:r>
-            <a:r>
-              <a:rPr lang="en-IN" dirty="0" err="1"/>
-              <a:t>Constructores</a:t>
-            </a:r>
-            <a:r>
-              <a:rPr lang="en-IN" dirty="0"/>
-              <a:t>  </a:t>
-            </a:r>
-          </a:p>
-          <a:p>
-            <a:pPr marL="800100" lvl="1" indent="-342900">
-              <a:buFont typeface="+mj-lt"/>
-              <a:buAutoNum type="arabicPeriod"/>
-            </a:pPr>
-            <a:r>
-              <a:rPr lang="en-IN" dirty="0"/>
-              <a:t>Prototypes </a:t>
-            </a:r>
-            <a:r>
-              <a:rPr lang="en-IN" dirty="0" err="1"/>
-              <a:t>en</a:t>
-            </a:r>
-            <a:r>
-              <a:rPr lang="en-IN" dirty="0"/>
-              <a:t> JavaScript  </a:t>
-            </a:r>
-          </a:p>
-          <a:p>
-            <a:pPr marL="800100" lvl="1" indent="-342900">
-              <a:buFont typeface="+mj-lt"/>
-              <a:buAutoNum type="arabicPeriod"/>
-            </a:pPr>
-            <a:r>
-              <a:rPr lang="en-IN" dirty="0" err="1"/>
-              <a:t>Heredar</a:t>
-            </a:r>
-            <a:r>
-              <a:rPr lang="en-IN" dirty="0"/>
-              <a:t> Prototypes a </a:t>
-            </a:r>
-            <a:r>
-              <a:rPr lang="en-IN" dirty="0" err="1"/>
-              <a:t>otro</a:t>
-            </a:r>
-            <a:r>
-              <a:rPr lang="en-IN" dirty="0"/>
-              <a:t> </a:t>
-            </a:r>
-            <a:r>
-              <a:rPr lang="en-IN" dirty="0" err="1"/>
-              <a:t>Objeto</a:t>
-            </a:r>
-            <a:r>
-              <a:rPr lang="en-IN" dirty="0"/>
-              <a:t>  </a:t>
-            </a:r>
-          </a:p>
-          <a:p>
-            <a:pPr marL="800100" lvl="1" indent="-342900">
-              <a:buFont typeface="+mj-lt"/>
-              <a:buAutoNum type="arabicPeriod"/>
-            </a:pPr>
-            <a:r>
-              <a:rPr lang="en-IN" dirty="0"/>
-              <a:t>La </a:t>
-            </a:r>
-            <a:r>
-              <a:rPr lang="en-IN" dirty="0" err="1"/>
-              <a:t>función</a:t>
-            </a:r>
-            <a:r>
-              <a:rPr lang="en-IN" dirty="0"/>
-              <a:t> Object Create  </a:t>
-            </a:r>
-          </a:p>
-          <a:p>
-            <a:pPr marL="800100" lvl="1" indent="-342900">
-              <a:buFont typeface="+mj-lt"/>
-              <a:buAutoNum type="arabicPeriod"/>
-            </a:pPr>
-            <a:r>
-              <a:rPr lang="en-IN" dirty="0"/>
-              <a:t>Ajax, Async y Promises	 </a:t>
-            </a:r>
-          </a:p>
-          <a:p>
-            <a:pPr marL="800100" lvl="1" indent="-342900">
-              <a:buFont typeface="+mj-lt"/>
-              <a:buAutoNum type="arabicPeriod"/>
-            </a:pPr>
-            <a:r>
-              <a:rPr lang="en-IN" dirty="0"/>
-              <a:t>AJAX y JSON  </a:t>
-            </a:r>
-          </a:p>
-          <a:p>
-            <a:pPr marL="800100" lvl="1" indent="-342900">
-              <a:buFont typeface="+mj-lt"/>
-              <a:buAutoNum type="arabicPeriod"/>
-            </a:pPr>
-            <a:r>
-              <a:rPr lang="en-IN" dirty="0"/>
-              <a:t>API's, REST API's y Request  </a:t>
-            </a:r>
-          </a:p>
-          <a:p>
-            <a:pPr marL="800100" lvl="1" indent="-342900">
-              <a:buFont typeface="+mj-lt"/>
-              <a:buAutoNum type="arabicPeriod"/>
-            </a:pPr>
-            <a:r>
-              <a:rPr lang="en-IN" dirty="0" err="1"/>
-              <a:t>Consumiendo</a:t>
-            </a:r>
-            <a:r>
-              <a:rPr lang="en-IN" dirty="0"/>
-              <a:t> una REST API con Ajax  </a:t>
-            </a:r>
-          </a:p>
-          <a:p>
-            <a:pPr marL="800100" lvl="1" indent="-342900">
-              <a:buFont typeface="+mj-lt"/>
-              <a:buAutoNum type="arabicPeriod"/>
-            </a:pPr>
-            <a:r>
-              <a:rPr lang="en-IN" dirty="0"/>
-              <a:t>Que es el Código </a:t>
-            </a:r>
-            <a:r>
-              <a:rPr lang="en-IN" dirty="0" err="1"/>
-              <a:t>Asincrono</a:t>
-            </a:r>
-            <a:r>
-              <a:rPr lang="en-IN" dirty="0"/>
-              <a:t> </a:t>
-            </a:r>
-            <a:r>
-              <a:rPr lang="en-IN" dirty="0" err="1"/>
-              <a:t>en</a:t>
-            </a:r>
-            <a:r>
-              <a:rPr lang="en-IN" dirty="0"/>
-              <a:t> JavaScript  </a:t>
-            </a:r>
-          </a:p>
-          <a:p>
-            <a:pPr marL="800100" lvl="1" indent="-342900">
-              <a:buFont typeface="+mj-lt"/>
-              <a:buAutoNum type="arabicPeriod"/>
-            </a:pPr>
-            <a:r>
-              <a:rPr lang="en-IN" dirty="0" err="1"/>
-              <a:t>Callbacks</a:t>
-            </a:r>
-            <a:r>
-              <a:rPr lang="en-IN" dirty="0"/>
-              <a:t>, que son y </a:t>
-            </a:r>
-            <a:r>
-              <a:rPr lang="en-IN" dirty="0" err="1"/>
-              <a:t>como</a:t>
-            </a:r>
-            <a:r>
-              <a:rPr lang="en-IN" dirty="0"/>
-              <a:t> </a:t>
-            </a:r>
-            <a:r>
-              <a:rPr lang="en-IN" dirty="0" err="1"/>
-              <a:t>funcionan</a:t>
-            </a:r>
-            <a:endParaRPr lang="en-IN" dirty="0"/>
-          </a:p>
-          <a:p>
-            <a:pPr marL="800100" lvl="1" indent="-342900">
-              <a:buFont typeface="+mj-lt"/>
-              <a:buAutoNum type="arabicPeriod"/>
-            </a:pPr>
-            <a:r>
-              <a:rPr lang="en-IN" dirty="0"/>
-              <a:t>Promises </a:t>
-            </a:r>
-            <a:r>
-              <a:rPr lang="en-IN" dirty="0" err="1"/>
-              <a:t>en</a:t>
-            </a:r>
-            <a:r>
-              <a:rPr lang="en-IN" dirty="0"/>
-              <a:t> JavaScript  </a:t>
-            </a:r>
-          </a:p>
-          <a:p>
-            <a:pPr marL="800100" lvl="1" indent="-342900">
-              <a:buFont typeface="+mj-lt"/>
-              <a:buAutoNum type="arabicPeriod"/>
-            </a:pPr>
-            <a:r>
-              <a:rPr lang="en-IN" dirty="0"/>
-              <a:t>Que es Async Await </a:t>
+              <a:rPr lang="en-US" sz="2400" dirty="0"/>
+              <a:t>Modulo 3: </a:t>
+            </a:r>
+            <a:br>
+              <a:rPr lang="en-US" sz="2400" dirty="0"/>
+            </a:br>
+            <a:r>
+              <a:rPr lang="en-US" sz="2400" dirty="0"/>
+              <a:t>3. </a:t>
+            </a:r>
+            <a:r>
+              <a:rPr lang="es-ES" sz="2400" dirty="0"/>
+              <a:t>Agregando y quitando clases y otros atributos </a:t>
             </a:r>
           </a:p>
         </p:txBody>
@@ -25324,7 +27922,7 @@
     </p:spTree>
     <p:extLst>
       <p:ext uri="{BB962C8B-B14F-4D97-AF65-F5344CB8AC3E}">
-        <p14:creationId xmlns:p14="http://schemas.microsoft.com/office/powerpoint/2010/main" val="2187861466"/>
+        <p14:creationId xmlns:p14="http://schemas.microsoft.com/office/powerpoint/2010/main" val="263874902"/>
       </p:ext>
     </p:extLst>
   </p:cSld>
@@ -25381,38 +27979,14 @@
           <a:p>
             <a:r>
               <a:rPr lang="en-US" sz="2400" dirty="0"/>
-              <a:t>Modulo 4: </a:t>
+              <a:t>Modulo 3: </a:t>
             </a:r>
             <a:br>
               <a:rPr lang="en-US" sz="2400" dirty="0"/>
             </a:br>
             <a:r>
               <a:rPr lang="en-US" sz="2400" dirty="0"/>
-              <a:t>1. </a:t>
-            </a:r>
-            <a:r>
-              <a:rPr lang="en-US" sz="2400" dirty="0" err="1"/>
-              <a:t>Otros</a:t>
-            </a:r>
-            <a:r>
-              <a:rPr lang="en-US" sz="2400" dirty="0"/>
-              <a:t> </a:t>
-            </a:r>
-            <a:r>
-              <a:rPr lang="en-US" sz="2400" dirty="0" err="1"/>
-              <a:t>Objetos</a:t>
-            </a:r>
-            <a:r>
-              <a:rPr lang="en-US" sz="2400" dirty="0"/>
-              <a:t> y </a:t>
-            </a:r>
-            <a:r>
-              <a:rPr lang="en-US" sz="2400" dirty="0" err="1"/>
-              <a:t>Constructores</a:t>
-            </a:r>
-            <a:r>
-              <a:rPr lang="en-US" sz="2400" dirty="0"/>
-              <a:t> </a:t>
+              <a:t>4. Events y local storage</a:t>
             </a:r>
             <a:endParaRPr lang="es-ES" sz="2400" dirty="0"/>
           </a:p>
@@ -25421,7 +27995,7 @@
     </p:spTree>
     <p:extLst>
       <p:ext uri="{BB962C8B-B14F-4D97-AF65-F5344CB8AC3E}">
-        <p14:creationId xmlns:p14="http://schemas.microsoft.com/office/powerpoint/2010/main" val="2710576335"/>
+        <p14:creationId xmlns:p14="http://schemas.microsoft.com/office/powerpoint/2010/main" val="315089139"/>
       </p:ext>
     </p:extLst>
   </p:cSld>
@@ -25478,31 +28052,34 @@
           <a:p>
             <a:r>
               <a:rPr lang="en-US" sz="2400" dirty="0"/>
-              <a:t>Modulo 4: </a:t>
+              <a:t>Modulo 3: </a:t>
             </a:r>
             <a:br>
               <a:rPr lang="en-US" sz="2400" dirty="0"/>
             </a:br>
             <a:r>
               <a:rPr lang="en-US" sz="2400" dirty="0"/>
-              <a:t>2. Prototypes </a:t>
-            </a:r>
-            <a:r>
-              <a:rPr lang="en-US" sz="2400" dirty="0" err="1"/>
-              <a:t>en</a:t>
-            </a:r>
-            <a:r>
-              <a:rPr lang="en-US" sz="2400" dirty="0"/>
-              <a:t> JavaScript </a:t>
-            </a:r>
-            <a:endParaRPr lang="es-ES" sz="2400" dirty="0"/>
+              <a:t>5. </a:t>
+            </a:r>
+            <a:r>
+              <a:rPr lang="es-ES" sz="2400" dirty="0"/>
+              <a:t>Agregando, leyendo, borrando y limpiando el </a:t>
+            </a:r>
+            <a:r>
+              <a:rPr lang="es-ES" sz="2400" dirty="0" err="1"/>
+              <a:t>LocalStorage</a:t>
+            </a:r>
+            <a:r>
+              <a:rPr lang="es-ES" sz="2400" dirty="0"/>
+              <a:t> </a:t>
+            </a:r>
           </a:p>
         </p:txBody>
       </p:sp>
     </p:spTree>
     <p:extLst>
       <p:ext uri="{BB962C8B-B14F-4D97-AF65-F5344CB8AC3E}">
-        <p14:creationId xmlns:p14="http://schemas.microsoft.com/office/powerpoint/2010/main" val="95752702"/>
+        <p14:creationId xmlns:p14="http://schemas.microsoft.com/office/powerpoint/2010/main" val="1254858835"/>
       </p:ext>
     </p:extLst>
   </p:cSld>
@@ -25559,38 +28136,14 @@
           <a:p>
             <a:r>
               <a:rPr lang="en-US" sz="2400" dirty="0"/>
-              <a:t>Modulo 4: </a:t>
+              <a:t>Modulo 3: </a:t>
             </a:r>
             <a:br>
               <a:rPr lang="en-US" sz="2400" dirty="0"/>
             </a:br>
             <a:r>
               <a:rPr lang="en-US" sz="2400" dirty="0"/>
-              <a:t>3. </a:t>
-            </a:r>
-            <a:r>
-              <a:rPr lang="en-US" sz="2400" dirty="0" err="1"/>
-              <a:t>Heredar</a:t>
-            </a:r>
-            <a:r>
-              <a:rPr lang="en-US" sz="2400" dirty="0"/>
-              <a:t> Prototypes a </a:t>
-            </a:r>
-            <a:r>
-              <a:rPr lang="en-US" sz="2400" dirty="0" err="1"/>
-              <a:t>otro</a:t>
-            </a:r>
-            <a:r>
-              <a:rPr lang="en-US" sz="2400" dirty="0"/>
-              <a:t> </a:t>
-            </a:r>
-            <a:r>
-              <a:rPr lang="en-US" sz="2400" dirty="0" err="1"/>
-              <a:t>Objeto</a:t>
-            </a:r>
-            <a:r>
-              <a:rPr lang="en-US" sz="2400" dirty="0"/>
-              <a:t> </a:t>
+              <a:t>6. Event Listener Click </a:t>
             </a:r>
             <a:endParaRPr lang="es-ES" sz="2400" dirty="0"/>
           </a:p>
@@ -25599,7 +28152,7 @@
     </p:spTree>
     <p:extLst>
       <p:ext uri="{BB962C8B-B14F-4D97-AF65-F5344CB8AC3E}">
-        <p14:creationId xmlns:p14="http://schemas.microsoft.com/office/powerpoint/2010/main" val="3238033515"/>
+        <p14:creationId xmlns:p14="http://schemas.microsoft.com/office/powerpoint/2010/main" val="297937840"/>
       </p:ext>
     </p:extLst>
   </p:cSld>
